--- a/BE_3조/백앤드 3조 전공지식나누기.pptx
+++ b/BE_3조/백앤드 3조 전공지식나누기.pptx
@@ -12,10 +12,10 @@
     <p:sldId id="257" r:id="rId3"/>
     <p:sldId id="312" r:id="rId4"/>
     <p:sldId id="317" r:id="rId5"/>
-    <p:sldId id="314" r:id="rId6"/>
-    <p:sldId id="327" r:id="rId7"/>
-    <p:sldId id="331" r:id="rId8"/>
-    <p:sldId id="330" r:id="rId9"/>
+    <p:sldId id="327" r:id="rId6"/>
+    <p:sldId id="331" r:id="rId7"/>
+    <p:sldId id="330" r:id="rId8"/>
+    <p:sldId id="314" r:id="rId9"/>
     <p:sldId id="328" r:id="rId10"/>
     <p:sldId id="329" r:id="rId11"/>
     <p:sldId id="313" r:id="rId12"/>
@@ -685,217 +685,53 @@
           <a:p>
             <a:r>
               <a:rPr lang="ko-KR" altLang="en-US" dirty="0"/>
-              <a:t>클라이언트</a:t>
+              <a:t>그럼 상태유지</a:t>
             </a:r>
             <a:r>
               <a:rPr lang="en-US" altLang="ko-KR" dirty="0"/>
-              <a:t>: </a:t>
+              <a:t>(Stateful)</a:t>
             </a:r>
             <a:r>
               <a:rPr lang="ko-KR" altLang="en-US" dirty="0"/>
-              <a:t>요청</a:t>
+              <a:t> 프로토콜은</a:t>
             </a:r>
             <a:r>
               <a:rPr lang="en-US" altLang="ko-KR" dirty="0"/>
-              <a:t>(Requests)</a:t>
-            </a:r>
+              <a:t>?</a:t>
+            </a:r>
+          </a:p>
+          <a:p>
             <a:r>
               <a:rPr lang="ko-KR" altLang="en-US" dirty="0"/>
-              <a:t>을 보내는 쪽</a:t>
+              <a:t>말그대로 상태가 유지 되기 때문에 반복해서 </a:t>
+            </a:r>
+            <a:r>
+              <a:rPr lang="ko-KR" altLang="en-US" dirty="0" err="1"/>
+              <a:t>빅맥을</a:t>
+            </a:r>
+            <a:r>
+              <a:rPr lang="ko-KR" altLang="en-US" dirty="0"/>
+              <a:t> 언급할 필요가 없고</a:t>
             </a:r>
             <a:endParaRPr lang="en-US" altLang="ko-KR" dirty="0"/>
           </a:p>
           <a:p>
             <a:r>
+              <a:rPr lang="en-US" altLang="ko-KR" dirty="0"/>
+              <a:t>But </a:t>
+            </a:r>
+            <a:r>
               <a:rPr lang="ko-KR" altLang="en-US" dirty="0"/>
-              <a:t>서버</a:t>
-            </a:r>
-            <a:r>
-              <a:rPr lang="en-US" altLang="ko-KR" dirty="0"/>
-              <a:t>: </a:t>
-            </a:r>
-            <a:r>
-              <a:rPr lang="ko-KR" altLang="en-US" dirty="0"/>
-              <a:t>응답</a:t>
-            </a:r>
-            <a:r>
-              <a:rPr lang="en-US" altLang="ko-KR" dirty="0"/>
-              <a:t>(Response)</a:t>
-            </a:r>
-            <a:r>
-              <a:rPr lang="ko-KR" altLang="en-US" dirty="0"/>
-              <a:t>을 보내는 쪽</a:t>
-            </a:r>
-            <a:endParaRPr lang="en-US" altLang="ko-KR" dirty="0"/>
-          </a:p>
-          <a:p>
-            <a:endParaRPr lang="en-US" altLang="ko-KR" dirty="0"/>
-          </a:p>
-          <a:p>
-            <a:pPr marL="0" indent="0">
-              <a:buNone/>
-            </a:pPr>
-            <a:r>
-              <a:rPr lang="ko-KR" altLang="en-US" b="0" i="0" dirty="0">
-                <a:solidFill>
-                  <a:srgbClr val="E6EDF3"/>
-                </a:solidFill>
-                <a:effectLst/>
-                <a:latin typeface="-apple-system"/>
-              </a:rPr>
-              <a:t>클라이언트 즉</a:t>
-            </a:r>
-            <a:r>
-              <a:rPr lang="en-US" altLang="ko-KR" b="0" i="0" dirty="0">
-                <a:solidFill>
-                  <a:srgbClr val="E6EDF3"/>
-                </a:solidFill>
-                <a:effectLst/>
-                <a:latin typeface="-apple-system"/>
-              </a:rPr>
-              <a:t>, </a:t>
-            </a:r>
-            <a:r>
-              <a:rPr lang="ko-KR" altLang="en-US" b="0" i="0" dirty="0">
-                <a:solidFill>
-                  <a:srgbClr val="E6EDF3"/>
-                </a:solidFill>
-                <a:effectLst/>
-                <a:latin typeface="-apple-system"/>
-              </a:rPr>
-              <a:t>사용자가 브라우저를 통해서 어떠한 서비스를 </a:t>
-            </a:r>
-            <a:r>
-              <a:rPr lang="en-US" altLang="ko-KR" b="0" i="0" dirty="0" err="1">
-                <a:solidFill>
-                  <a:srgbClr val="E6EDF3"/>
-                </a:solidFill>
-                <a:effectLst/>
-                <a:latin typeface="-apple-system"/>
-              </a:rPr>
-              <a:t>url</a:t>
-            </a:r>
-            <a:r>
-              <a:rPr lang="ko-KR" altLang="en-US" b="0" i="0" dirty="0">
-                <a:solidFill>
-                  <a:srgbClr val="E6EDF3"/>
-                </a:solidFill>
-                <a:effectLst/>
-                <a:latin typeface="-apple-system"/>
-              </a:rPr>
-              <a:t>을 통하거나 다른 것을 통해서 요청</a:t>
-            </a:r>
-            <a:r>
-              <a:rPr lang="en-US" altLang="ko-KR" b="0" i="0" dirty="0">
-                <a:solidFill>
-                  <a:srgbClr val="E6EDF3"/>
-                </a:solidFill>
-                <a:effectLst/>
-                <a:latin typeface="-apple-system"/>
-              </a:rPr>
-              <a:t>(request)</a:t>
-            </a:r>
-            <a:r>
-              <a:rPr lang="ko-KR" altLang="en-US" b="0" i="0" dirty="0">
-                <a:solidFill>
-                  <a:srgbClr val="E6EDF3"/>
-                </a:solidFill>
-                <a:effectLst/>
-                <a:latin typeface="-apple-system"/>
-              </a:rPr>
-              <a:t>을 하면 서버에서는 해당 요청사항에 맞는 결과를 찾아서 사용자에게 응답</a:t>
-            </a:r>
-            <a:r>
-              <a:rPr lang="en-US" altLang="ko-KR" b="0" i="0" dirty="0">
-                <a:solidFill>
-                  <a:srgbClr val="E6EDF3"/>
-                </a:solidFill>
-                <a:effectLst/>
-                <a:latin typeface="-apple-system"/>
-              </a:rPr>
-              <a:t>(response)</a:t>
-            </a:r>
-            <a:r>
-              <a:rPr lang="ko-KR" altLang="en-US" b="0" i="0" dirty="0">
-                <a:solidFill>
-                  <a:srgbClr val="E6EDF3"/>
-                </a:solidFill>
-                <a:effectLst/>
-                <a:latin typeface="-apple-system"/>
-              </a:rPr>
-              <a:t>하는 형태로 동작합니다</a:t>
-            </a:r>
-            <a:endParaRPr lang="en-US" altLang="ko-KR" b="0" i="0" dirty="0">
-              <a:solidFill>
-                <a:srgbClr val="E6EDF3"/>
-              </a:solidFill>
-              <a:effectLst/>
-              <a:latin typeface="-apple-system"/>
-            </a:endParaRPr>
-          </a:p>
-          <a:p>
-            <a:pPr marL="0" indent="0">
-              <a:buNone/>
-            </a:pPr>
-            <a:endParaRPr lang="en-US" altLang="ko-KR" b="0" i="0" dirty="0">
-              <a:solidFill>
-                <a:srgbClr val="E6EDF3"/>
-              </a:solidFill>
-              <a:effectLst/>
-              <a:latin typeface="-apple-system"/>
-            </a:endParaRPr>
-          </a:p>
-          <a:p>
-            <a:pPr algn="l">
-              <a:buFont typeface="Arial" panose="020B0604020202020204" pitchFamily="34" charset="0"/>
-              <a:buChar char="•"/>
-            </a:pPr>
-            <a:r>
-              <a:rPr lang="ko-KR" altLang="en-US" b="0" i="0" dirty="0">
-                <a:solidFill>
-                  <a:srgbClr val="E6EDF3"/>
-                </a:solidFill>
-                <a:effectLst/>
-                <a:latin typeface="-apple-system"/>
-              </a:rPr>
-              <a:t>요청 </a:t>
-            </a:r>
-            <a:r>
-              <a:rPr lang="en-US" altLang="ko-KR" b="0" i="0" dirty="0">
-                <a:solidFill>
-                  <a:srgbClr val="E6EDF3"/>
-                </a:solidFill>
-                <a:effectLst/>
-                <a:latin typeface="-apple-system"/>
-              </a:rPr>
-              <a:t>: client -&gt; server</a:t>
-            </a:r>
-          </a:p>
-          <a:p>
-            <a:pPr algn="l">
-              <a:buFont typeface="Arial" panose="020B0604020202020204" pitchFamily="34" charset="0"/>
-              <a:buChar char="•"/>
-            </a:pPr>
-            <a:r>
-              <a:rPr lang="ko-KR" altLang="en-US" b="0" i="0" dirty="0">
-                <a:solidFill>
-                  <a:srgbClr val="E6EDF3"/>
-                </a:solidFill>
-                <a:effectLst/>
-                <a:latin typeface="-apple-system"/>
-              </a:rPr>
-              <a:t>응답 </a:t>
-            </a:r>
-            <a:r>
-              <a:rPr lang="en-US" altLang="ko-KR" b="0" i="0" dirty="0">
-                <a:solidFill>
-                  <a:srgbClr val="E6EDF3"/>
-                </a:solidFill>
-                <a:effectLst/>
-                <a:latin typeface="-apple-system"/>
-              </a:rPr>
-              <a:t>: server -&gt; client</a:t>
-            </a:r>
+              <a:t>중간에 오류 발생시 처음부터 다시 요청을 </a:t>
+            </a:r>
+            <a:r>
+              <a:rPr lang="ko-KR" altLang="en-US" dirty="0" err="1"/>
+              <a:t>시작해야합니다</a:t>
+            </a:r>
+            <a:endParaRPr lang="ko-KR" altLang="en-US" dirty="0"/>
+          </a:p>
+          <a:p>
+            <a:endParaRPr lang="ko-KR" altLang="en-US" dirty="0"/>
           </a:p>
         </p:txBody>
       </p:sp>
@@ -922,7 +758,7 @@
               <a:pPr lvl="0">
                 <a:defRPr/>
               </a:pPr>
-              <a:t>11</a:t>
+              <a:t>10</a:t>
             </a:fld>
             <a:endParaRPr lang="ko-KR" altLang="en-US"/>
           </a:p>
@@ -931,7 +767,7 @@
     </p:spTree>
     <p:extLst>
       <p:ext uri="{BB962C8B-B14F-4D97-AF65-F5344CB8AC3E}">
-        <p14:creationId xmlns:p14="http://schemas.microsoft.com/office/powerpoint/2010/main" val="3000607940"/>
+        <p14:creationId xmlns:p14="http://schemas.microsoft.com/office/powerpoint/2010/main" val="3488744001"/>
       </p:ext>
     </p:extLst>
   </p:cSld>
@@ -986,36 +822,217 @@
           <a:lstStyle/>
           <a:p>
             <a:r>
+              <a:rPr lang="ko-KR" altLang="en-US" dirty="0"/>
+              <a:t>클라이언트</a:t>
+            </a:r>
+            <a:r>
               <a:rPr lang="en-US" altLang="ko-KR" dirty="0"/>
-              <a:t>http</a:t>
+              <a:t>: </a:t>
             </a:r>
             <a:r>
               <a:rPr lang="ko-KR" altLang="en-US" dirty="0"/>
-              <a:t> 메시지란</a:t>
+              <a:t>요청</a:t>
             </a:r>
             <a:r>
               <a:rPr lang="en-US" altLang="ko-KR" dirty="0"/>
-              <a:t>?</a:t>
-            </a:r>
-          </a:p>
-          <a:p>
+              <a:t>(Requests)</a:t>
+            </a:r>
             <a:r>
               <a:rPr lang="ko-KR" altLang="en-US" dirty="0"/>
-              <a:t>클라이언트와 서버 사이에서 데이터가 교환되는 방식을 의미</a:t>
+              <a:t>을 보내는 쪽</a:t>
             </a:r>
             <a:endParaRPr lang="en-US" altLang="ko-KR" dirty="0"/>
           </a:p>
           <a:p>
+            <a:r>
+              <a:rPr lang="ko-KR" altLang="en-US" dirty="0"/>
+              <a:t>서버</a:t>
+            </a:r>
+            <a:r>
+              <a:rPr lang="en-US" altLang="ko-KR" dirty="0"/>
+              <a:t>: </a:t>
+            </a:r>
+            <a:r>
+              <a:rPr lang="ko-KR" altLang="en-US" dirty="0"/>
+              <a:t>응답</a:t>
+            </a:r>
+            <a:r>
+              <a:rPr lang="en-US" altLang="ko-KR" dirty="0"/>
+              <a:t>(Response)</a:t>
+            </a:r>
+            <a:r>
+              <a:rPr lang="ko-KR" altLang="en-US" dirty="0"/>
+              <a:t>을 보내는 쪽</a:t>
+            </a:r>
             <a:endParaRPr lang="en-US" altLang="ko-KR" dirty="0"/>
           </a:p>
           <a:p>
-            <a:r>
-              <a:rPr lang="en-US" altLang="ko-KR" dirty="0"/>
-              <a:t>Http</a:t>
-            </a:r>
-            <a:r>
-              <a:rPr lang="ko-KR" altLang="en-US" dirty="0"/>
-              <a:t> 메시지에는 위와 같은 요청과 응답 두 가지 유형이 존재</a:t>
+            <a:endParaRPr lang="en-US" altLang="ko-KR" dirty="0"/>
+          </a:p>
+          <a:p>
+            <a:pPr marL="0" indent="0">
+              <a:buNone/>
+            </a:pPr>
+            <a:r>
+              <a:rPr lang="ko-KR" altLang="en-US" b="0" i="0" dirty="0">
+                <a:solidFill>
+                  <a:srgbClr val="E6EDF3"/>
+                </a:solidFill>
+                <a:effectLst/>
+                <a:latin typeface="-apple-system"/>
+              </a:rPr>
+              <a:t>클라이언트 즉</a:t>
+            </a:r>
+            <a:r>
+              <a:rPr lang="en-US" altLang="ko-KR" b="0" i="0" dirty="0">
+                <a:solidFill>
+                  <a:srgbClr val="E6EDF3"/>
+                </a:solidFill>
+                <a:effectLst/>
+                <a:latin typeface="-apple-system"/>
+              </a:rPr>
+              <a:t>, </a:t>
+            </a:r>
+            <a:r>
+              <a:rPr lang="ko-KR" altLang="en-US" b="0" i="0" dirty="0">
+                <a:solidFill>
+                  <a:srgbClr val="E6EDF3"/>
+                </a:solidFill>
+                <a:effectLst/>
+                <a:latin typeface="-apple-system"/>
+              </a:rPr>
+              <a:t>사용자가 브라우저를 통해서 어떠한 서비스를 </a:t>
+            </a:r>
+            <a:r>
+              <a:rPr lang="en-US" altLang="ko-KR" b="0" i="0" dirty="0" err="1">
+                <a:solidFill>
+                  <a:srgbClr val="E6EDF3"/>
+                </a:solidFill>
+                <a:effectLst/>
+                <a:latin typeface="-apple-system"/>
+              </a:rPr>
+              <a:t>url</a:t>
+            </a:r>
+            <a:r>
+              <a:rPr lang="ko-KR" altLang="en-US" b="0" i="0" dirty="0">
+                <a:solidFill>
+                  <a:srgbClr val="E6EDF3"/>
+                </a:solidFill>
+                <a:effectLst/>
+                <a:latin typeface="-apple-system"/>
+              </a:rPr>
+              <a:t>을 통하거나 다른 것을 통해서 요청</a:t>
+            </a:r>
+            <a:r>
+              <a:rPr lang="en-US" altLang="ko-KR" b="0" i="0" dirty="0">
+                <a:solidFill>
+                  <a:srgbClr val="E6EDF3"/>
+                </a:solidFill>
+                <a:effectLst/>
+                <a:latin typeface="-apple-system"/>
+              </a:rPr>
+              <a:t>(request)</a:t>
+            </a:r>
+            <a:r>
+              <a:rPr lang="ko-KR" altLang="en-US" b="0" i="0" dirty="0">
+                <a:solidFill>
+                  <a:srgbClr val="E6EDF3"/>
+                </a:solidFill>
+                <a:effectLst/>
+                <a:latin typeface="-apple-system"/>
+              </a:rPr>
+              <a:t>을 하면 서버에서는 해당 요청사항에 맞는 결과를 찾아서 사용자에게 응답</a:t>
+            </a:r>
+            <a:r>
+              <a:rPr lang="en-US" altLang="ko-KR" b="0" i="0" dirty="0">
+                <a:solidFill>
+                  <a:srgbClr val="E6EDF3"/>
+                </a:solidFill>
+                <a:effectLst/>
+                <a:latin typeface="-apple-system"/>
+              </a:rPr>
+              <a:t>(response)</a:t>
+            </a:r>
+            <a:r>
+              <a:rPr lang="ko-KR" altLang="en-US" b="0" i="0" dirty="0">
+                <a:solidFill>
+                  <a:srgbClr val="E6EDF3"/>
+                </a:solidFill>
+                <a:effectLst/>
+                <a:latin typeface="-apple-system"/>
+              </a:rPr>
+              <a:t>하는 형태로 동작합니다</a:t>
+            </a:r>
+            <a:endParaRPr lang="en-US" altLang="ko-KR" b="0" i="0" dirty="0">
+              <a:solidFill>
+                <a:srgbClr val="E6EDF3"/>
+              </a:solidFill>
+              <a:effectLst/>
+              <a:latin typeface="-apple-system"/>
+            </a:endParaRPr>
+          </a:p>
+          <a:p>
+            <a:pPr marL="0" indent="0">
+              <a:buNone/>
+            </a:pPr>
+            <a:endParaRPr lang="en-US" altLang="ko-KR" b="0" i="0" dirty="0">
+              <a:solidFill>
+                <a:srgbClr val="E6EDF3"/>
+              </a:solidFill>
+              <a:effectLst/>
+              <a:latin typeface="-apple-system"/>
+            </a:endParaRPr>
+          </a:p>
+          <a:p>
+            <a:pPr algn="l">
+              <a:buFont typeface="Arial" panose="020B0604020202020204" pitchFamily="34" charset="0"/>
+              <a:buChar char="•"/>
+            </a:pPr>
+            <a:r>
+              <a:rPr lang="ko-KR" altLang="en-US" b="0" i="0" dirty="0">
+                <a:solidFill>
+                  <a:srgbClr val="E6EDF3"/>
+                </a:solidFill>
+                <a:effectLst/>
+                <a:latin typeface="-apple-system"/>
+              </a:rPr>
+              <a:t>요청 </a:t>
+            </a:r>
+            <a:r>
+              <a:rPr lang="en-US" altLang="ko-KR" b="0" i="0" dirty="0">
+                <a:solidFill>
+                  <a:srgbClr val="E6EDF3"/>
+                </a:solidFill>
+                <a:effectLst/>
+                <a:latin typeface="-apple-system"/>
+              </a:rPr>
+              <a:t>: client -&gt; server</a:t>
+            </a:r>
+          </a:p>
+          <a:p>
+            <a:pPr algn="l">
+              <a:buFont typeface="Arial" panose="020B0604020202020204" pitchFamily="34" charset="0"/>
+              <a:buChar char="•"/>
+            </a:pPr>
+            <a:r>
+              <a:rPr lang="ko-KR" altLang="en-US" b="0" i="0" dirty="0">
+                <a:solidFill>
+                  <a:srgbClr val="E6EDF3"/>
+                </a:solidFill>
+                <a:effectLst/>
+                <a:latin typeface="-apple-system"/>
+              </a:rPr>
+              <a:t>응답 </a:t>
+            </a:r>
+            <a:r>
+              <a:rPr lang="en-US" altLang="ko-KR" b="0" i="0" dirty="0">
+                <a:solidFill>
+                  <a:srgbClr val="E6EDF3"/>
+                </a:solidFill>
+                <a:effectLst/>
+                <a:latin typeface="-apple-system"/>
+              </a:rPr>
+              <a:t>: server -&gt; client</a:t>
             </a:r>
           </a:p>
         </p:txBody>
@@ -1043,7 +1060,7 @@
               <a:pPr lvl="0">
                 <a:defRPr/>
               </a:pPr>
-              <a:t>12</a:t>
+              <a:t>11</a:t>
             </a:fld>
             <a:endParaRPr lang="ko-KR" altLang="en-US"/>
           </a:p>
@@ -1052,7 +1069,7 @@
     </p:spTree>
     <p:extLst>
       <p:ext uri="{BB962C8B-B14F-4D97-AF65-F5344CB8AC3E}">
-        <p14:creationId xmlns:p14="http://schemas.microsoft.com/office/powerpoint/2010/main" val="1884347560"/>
+        <p14:creationId xmlns:p14="http://schemas.microsoft.com/office/powerpoint/2010/main" val="3000607940"/>
       </p:ext>
     </p:extLst>
   </p:cSld>
@@ -1107,314 +1124,37 @@
           <a:lstStyle/>
           <a:p>
             <a:r>
+              <a:rPr lang="en-US" altLang="ko-KR" dirty="0"/>
+              <a:t>http</a:t>
+            </a:r>
+            <a:r>
               <a:rPr lang="ko-KR" altLang="en-US" dirty="0"/>
-              <a:t>메시지의 구조는 시작줄</a:t>
+              <a:t> 메시지란</a:t>
             </a:r>
             <a:r>
               <a:rPr lang="en-US" altLang="ko-KR" dirty="0"/>
-              <a:t>, </a:t>
-            </a:r>
+              <a:t>?</a:t>
+            </a:r>
+          </a:p>
+          <a:p>
             <a:r>
               <a:rPr lang="ko-KR" altLang="en-US" dirty="0"/>
-              <a:t>헤더 </a:t>
-            </a:r>
+              <a:t>클라이언트와 서버 사이에서 데이터가 교환되는 방식을 의미</a:t>
+            </a:r>
+            <a:endParaRPr lang="en-US" altLang="ko-KR" dirty="0"/>
+          </a:p>
+          <a:p>
+            <a:endParaRPr lang="en-US" altLang="ko-KR" dirty="0"/>
+          </a:p>
+          <a:p>
             <a:r>
               <a:rPr lang="en-US" altLang="ko-KR" dirty="0"/>
-              <a:t>, </a:t>
+              <a:t>Http</a:t>
             </a:r>
             <a:r>
               <a:rPr lang="ko-KR" altLang="en-US" dirty="0"/>
-              <a:t>바디로 구성된다</a:t>
-            </a:r>
-            <a:r>
-              <a:rPr lang="en-US" altLang="ko-KR" dirty="0"/>
-              <a:t>.</a:t>
-            </a:r>
-          </a:p>
-          <a:p>
-            <a:endParaRPr lang="en-US" altLang="ko-KR" dirty="0"/>
-          </a:p>
-          <a:p>
-            <a:r>
-              <a:rPr lang="ko-KR" altLang="en-US" dirty="0"/>
-              <a:t>요청 메시지의 시작줄은 </a:t>
-            </a:r>
-            <a:r>
-              <a:rPr lang="ko-KR" altLang="en-US" b="0" i="0" dirty="0">
-                <a:solidFill>
-                  <a:srgbClr val="E6EDF3"/>
-                </a:solidFill>
-                <a:effectLst/>
-                <a:latin typeface="-apple-system"/>
-              </a:rPr>
-              <a:t>메서드와 요청 </a:t>
-            </a:r>
-            <a:r>
-              <a:rPr lang="en-US" altLang="ko-KR" b="0" i="0" dirty="0">
-                <a:solidFill>
-                  <a:srgbClr val="E6EDF3"/>
-                </a:solidFill>
-                <a:effectLst/>
-                <a:latin typeface="-apple-system"/>
-              </a:rPr>
-              <a:t>URL,HTTP </a:t>
-            </a:r>
-            <a:r>
-              <a:rPr lang="ko-KR" altLang="en-US" b="0" i="0" dirty="0">
-                <a:solidFill>
-                  <a:srgbClr val="E6EDF3"/>
-                </a:solidFill>
-                <a:effectLst/>
-                <a:latin typeface="-apple-system"/>
-              </a:rPr>
-              <a:t>버전이 들어가고</a:t>
-            </a:r>
-            <a:r>
-              <a:rPr lang="en-US" altLang="ko-KR" b="0" i="0" dirty="0">
-                <a:solidFill>
-                  <a:srgbClr val="E6EDF3"/>
-                </a:solidFill>
-                <a:effectLst/>
-                <a:latin typeface="-apple-system"/>
-              </a:rPr>
-              <a:t>,</a:t>
-            </a:r>
-          </a:p>
-          <a:p>
-            <a:pPr marL="0" marR="0" lvl="0" indent="0" algn="l" defTabSz="914400" rtl="0" eaLnBrk="1" fontAlgn="auto" latinLnBrk="1" hangingPunct="1">
-              <a:lnSpc>
-                <a:spcPct val="100000"/>
-              </a:lnSpc>
-              <a:spcBef>
-                <a:spcPts val="0"/>
-              </a:spcBef>
-              <a:spcAft>
-                <a:spcPts val="0"/>
-              </a:spcAft>
-              <a:buClrTx/>
-              <a:buSzTx/>
-              <a:buFontTx/>
-              <a:buNone/>
-              <a:tabLst/>
-              <a:defRPr/>
-            </a:pPr>
-            <a:r>
-              <a:rPr lang="ko-KR" altLang="en-US" b="0" i="0" dirty="0">
-                <a:solidFill>
-                  <a:srgbClr val="E6EDF3"/>
-                </a:solidFill>
-                <a:effectLst/>
-                <a:latin typeface="-apple-system"/>
-              </a:rPr>
-              <a:t>응답 메시지의 시작줄에선 </a:t>
-            </a:r>
-            <a:r>
-              <a:rPr lang="en-US" altLang="ko-KR" b="0" i="0" dirty="0">
-                <a:solidFill>
-                  <a:srgbClr val="E6EDF3"/>
-                </a:solidFill>
-                <a:effectLst/>
-                <a:latin typeface="-apple-system"/>
-              </a:rPr>
-              <a:t>HTTP </a:t>
-            </a:r>
-            <a:r>
-              <a:rPr lang="ko-KR" altLang="en-US" b="0" i="0" dirty="0">
-                <a:solidFill>
-                  <a:srgbClr val="E6EDF3"/>
-                </a:solidFill>
-                <a:effectLst/>
-                <a:latin typeface="-apple-system"/>
-              </a:rPr>
-              <a:t>버전</a:t>
-            </a:r>
-            <a:r>
-              <a:rPr lang="en-US" altLang="ko-KR" b="0" i="0" dirty="0">
-                <a:solidFill>
-                  <a:srgbClr val="E6EDF3"/>
-                </a:solidFill>
-                <a:effectLst/>
-                <a:latin typeface="-apple-system"/>
-              </a:rPr>
-              <a:t>, </a:t>
-            </a:r>
-            <a:r>
-              <a:rPr lang="ko-KR" altLang="en-US" b="0" i="0" dirty="0">
-                <a:solidFill>
-                  <a:srgbClr val="E6EDF3"/>
-                </a:solidFill>
-                <a:effectLst/>
-                <a:latin typeface="-apple-system"/>
-              </a:rPr>
-              <a:t>상태 코드 및 사유 구절이 들어간다</a:t>
-            </a:r>
-            <a:r>
-              <a:rPr lang="en-US" altLang="ko-KR" b="0" i="0" dirty="0">
-                <a:solidFill>
-                  <a:srgbClr val="E6EDF3"/>
-                </a:solidFill>
-                <a:effectLst/>
-                <a:latin typeface="-apple-system"/>
-              </a:rPr>
-              <a:t>.</a:t>
-            </a:r>
-          </a:p>
-          <a:p>
-            <a:endParaRPr lang="en-US" altLang="ko-KR" b="0" i="0" dirty="0">
-              <a:solidFill>
-                <a:srgbClr val="E6EDF3"/>
-              </a:solidFill>
-              <a:effectLst/>
-              <a:latin typeface="-apple-system"/>
-            </a:endParaRPr>
-          </a:p>
-          <a:p>
-            <a:pPr algn="l">
-              <a:buFont typeface="Arial" panose="020B0604020202020204" pitchFamily="34" charset="0"/>
-              <a:buNone/>
-            </a:pPr>
-            <a:r>
-              <a:rPr lang="en-US" altLang="ko-KR" b="0" i="0" dirty="0">
-                <a:solidFill>
-                  <a:srgbClr val="E6EDF3"/>
-                </a:solidFill>
-                <a:effectLst/>
-                <a:latin typeface="-apple-system"/>
-              </a:rPr>
-              <a:t>-</a:t>
-            </a:r>
-            <a:r>
-              <a:rPr lang="ko-KR" altLang="en-US" b="0" i="0" dirty="0">
-                <a:solidFill>
-                  <a:srgbClr val="E6EDF3"/>
-                </a:solidFill>
-                <a:effectLst/>
-                <a:latin typeface="-apple-system"/>
-              </a:rPr>
-              <a:t>헤더 부분에는 요청과 응답 메세지에 대한 추가적인 정보를 담고 있고</a:t>
-            </a:r>
-            <a:r>
-              <a:rPr lang="en-US" altLang="ko-KR" b="0" i="0" dirty="0">
-                <a:solidFill>
-                  <a:srgbClr val="E6EDF3"/>
-                </a:solidFill>
-                <a:effectLst/>
-                <a:latin typeface="-apple-system"/>
-              </a:rPr>
-              <a:t>,</a:t>
-            </a:r>
-          </a:p>
-          <a:p>
-            <a:pPr algn="l">
-              <a:buFont typeface="Arial" panose="020B0604020202020204" pitchFamily="34" charset="0"/>
-              <a:buNone/>
-            </a:pPr>
-            <a:r>
-              <a:rPr lang="en-US" altLang="ko-KR" b="0" i="0" dirty="0">
-                <a:solidFill>
-                  <a:srgbClr val="E6EDF3"/>
-                </a:solidFill>
-                <a:effectLst/>
-                <a:latin typeface="-apple-system"/>
-              </a:rPr>
-              <a:t>Key/Value </a:t>
-            </a:r>
-            <a:r>
-              <a:rPr lang="ko-KR" altLang="en-US" b="0" i="0" dirty="0">
-                <a:solidFill>
-                  <a:srgbClr val="E6EDF3"/>
-                </a:solidFill>
-                <a:effectLst/>
-                <a:latin typeface="-apple-system"/>
-              </a:rPr>
-              <a:t>형식으로 나타낸다</a:t>
-            </a:r>
-          </a:p>
-          <a:p>
-            <a:endParaRPr lang="en-US" altLang="ko-KR" dirty="0"/>
-          </a:p>
-          <a:p>
-            <a:r>
-              <a:rPr lang="en-US" altLang="ko-KR" dirty="0"/>
-              <a:t>-</a:t>
-            </a:r>
-            <a:r>
-              <a:rPr lang="ko-KR" altLang="en-US" dirty="0"/>
-              <a:t>바디에는</a:t>
-            </a:r>
-            <a:endParaRPr lang="en-US" altLang="ko-KR" dirty="0"/>
-          </a:p>
-          <a:p>
-            <a:pPr algn="l">
-              <a:buFont typeface="Arial" panose="020B0604020202020204" pitchFamily="34" charset="0"/>
-              <a:buNone/>
-            </a:pPr>
-            <a:r>
-              <a:rPr lang="ko-KR" altLang="en-US" b="0" i="0" dirty="0">
-                <a:solidFill>
-                  <a:srgbClr val="E6EDF3"/>
-                </a:solidFill>
-                <a:effectLst/>
-                <a:latin typeface="-apple-system"/>
-              </a:rPr>
-              <a:t>전송하고 싶은 실질적인 데이터를 나타내고</a:t>
-            </a:r>
-          </a:p>
-          <a:p>
-            <a:pPr algn="l">
-              <a:buFont typeface="Arial" panose="020B0604020202020204" pitchFamily="34" charset="0"/>
-              <a:buNone/>
-            </a:pPr>
-            <a:r>
-              <a:rPr lang="ko-KR" altLang="en-US" b="0" i="0" dirty="0">
-                <a:solidFill>
-                  <a:srgbClr val="E6EDF3"/>
-                </a:solidFill>
-                <a:effectLst/>
-                <a:latin typeface="-apple-system"/>
-              </a:rPr>
-              <a:t>헤더를 마치고 </a:t>
-            </a:r>
-            <a:r>
-              <a:rPr lang="en-US" altLang="ko-KR" b="0" i="0" dirty="0">
-                <a:solidFill>
-                  <a:srgbClr val="E6EDF3"/>
-                </a:solidFill>
-                <a:effectLst/>
-                <a:latin typeface="-apple-system"/>
-              </a:rPr>
-              <a:t>\n </a:t>
-            </a:r>
-            <a:r>
-              <a:rPr lang="ko-KR" altLang="en-US" b="0" i="0" dirty="0">
-                <a:solidFill>
-                  <a:srgbClr val="E6EDF3"/>
-                </a:solidFill>
-                <a:effectLst/>
-                <a:latin typeface="-apple-system"/>
-              </a:rPr>
-              <a:t>후에 나타나는 게 바디부분이다</a:t>
-            </a:r>
-            <a:r>
-              <a:rPr lang="en-US" altLang="ko-KR" b="0" i="0" dirty="0">
-                <a:solidFill>
-                  <a:srgbClr val="E6EDF3"/>
-                </a:solidFill>
-                <a:effectLst/>
-                <a:latin typeface="-apple-system"/>
-              </a:rPr>
-              <a:t>.</a:t>
-            </a:r>
-            <a:endParaRPr lang="ko-KR" altLang="en-US" b="0" i="0" dirty="0">
-              <a:solidFill>
-                <a:srgbClr val="E6EDF3"/>
-              </a:solidFill>
-              <a:effectLst/>
-              <a:latin typeface="-apple-system"/>
-            </a:endParaRPr>
-          </a:p>
-          <a:p>
-            <a:endParaRPr lang="ko-KR" altLang="en-US" dirty="0"/>
+              <a:t> 메시지에는 위와 같은 요청과 응답 두 가지 유형이 존재</a:t>
+            </a:r>
           </a:p>
         </p:txBody>
       </p:sp>
@@ -1441,7 +1181,7 @@
               <a:pPr lvl="0">
                 <a:defRPr/>
               </a:pPr>
-              <a:t>13</a:t>
+              <a:t>12</a:t>
             </a:fld>
             <a:endParaRPr lang="ko-KR" altLang="en-US"/>
           </a:p>
@@ -1450,7 +1190,7 @@
     </p:spTree>
     <p:extLst>
       <p:ext uri="{BB962C8B-B14F-4D97-AF65-F5344CB8AC3E}">
-        <p14:creationId xmlns:p14="http://schemas.microsoft.com/office/powerpoint/2010/main" val="2933468828"/>
+        <p14:creationId xmlns:p14="http://schemas.microsoft.com/office/powerpoint/2010/main" val="1884347560"/>
       </p:ext>
     </p:extLst>
   </p:cSld>
@@ -1506,7 +1246,23 @@
           <a:p>
             <a:r>
               <a:rPr lang="ko-KR" altLang="en-US" dirty="0"/>
-              <a:t>위의 사진은 요청메시지의 예시이다</a:t>
+              <a:t>메시지의 구조는 시작줄</a:t>
+            </a:r>
+            <a:r>
+              <a:rPr lang="en-US" altLang="ko-KR" dirty="0"/>
+              <a:t>, </a:t>
+            </a:r>
+            <a:r>
+              <a:rPr lang="ko-KR" altLang="en-US" dirty="0"/>
+              <a:t>헤더 </a:t>
+            </a:r>
+            <a:r>
+              <a:rPr lang="en-US" altLang="ko-KR" dirty="0"/>
+              <a:t>, </a:t>
+            </a:r>
+            <a:r>
+              <a:rPr lang="ko-KR" altLang="en-US" dirty="0"/>
+              <a:t>바디로 구성된다</a:t>
             </a:r>
             <a:r>
               <a:rPr lang="en-US" altLang="ko-KR" dirty="0"/>
@@ -1519,47 +1275,67 @@
           <a:p>
             <a:r>
               <a:rPr lang="ko-KR" altLang="en-US" dirty="0"/>
-              <a:t>해당 요청 메시지는 </a:t>
-            </a:r>
-            <a:r>
-              <a:rPr lang="en-US" altLang="ko-KR" dirty="0"/>
-              <a:t>GET</a:t>
-            </a:r>
-            <a:r>
-              <a:rPr lang="ko-KR" altLang="en-US" dirty="0"/>
-              <a:t>이라는 메서드를 사용한 요청 메시지이기 때문에 데이터를 담는 바디 값이 없고</a:t>
-            </a:r>
-            <a:r>
-              <a:rPr lang="en-US" altLang="ko-KR" dirty="0"/>
+              <a:t>요청 메시지의 시작줄은 </a:t>
+            </a:r>
+            <a:r>
+              <a:rPr lang="ko-KR" altLang="en-US" b="0" i="0" dirty="0">
+                <a:solidFill>
+                  <a:srgbClr val="E6EDF3"/>
+                </a:solidFill>
+                <a:effectLst/>
+                <a:latin typeface="-apple-system"/>
+              </a:rPr>
+              <a:t>메서드와 요청 </a:t>
+            </a:r>
+            <a:r>
+              <a:rPr lang="en-US" altLang="ko-KR" b="0" i="0" dirty="0">
+                <a:solidFill>
+                  <a:srgbClr val="E6EDF3"/>
+                </a:solidFill>
+                <a:effectLst/>
+                <a:latin typeface="-apple-system"/>
+              </a:rPr>
+              <a:t>URL,HTTP </a:t>
+            </a:r>
+            <a:r>
+              <a:rPr lang="ko-KR" altLang="en-US" b="0" i="0" dirty="0">
+                <a:solidFill>
+                  <a:srgbClr val="E6EDF3"/>
+                </a:solidFill>
+                <a:effectLst/>
+                <a:latin typeface="-apple-system"/>
+              </a:rPr>
+              <a:t>버전이 들어가고</a:t>
+            </a:r>
+            <a:r>
+              <a:rPr lang="en-US" altLang="ko-KR" b="0" i="0" dirty="0">
+                <a:solidFill>
+                  <a:srgbClr val="E6EDF3"/>
+                </a:solidFill>
+                <a:effectLst/>
+                <a:latin typeface="-apple-system"/>
+              </a:rPr>
               <a:t>,</a:t>
             </a:r>
           </a:p>
           <a:p>
-            <a:r>
-              <a:rPr lang="ko-KR" altLang="en-US" dirty="0"/>
-              <a:t>시작줄과 헤더만 존재하는 걸 확인해 볼 수 있습니다</a:t>
-            </a:r>
-            <a:r>
-              <a:rPr lang="en-US" altLang="ko-KR" dirty="0"/>
-              <a:t> </a:t>
-            </a:r>
-          </a:p>
-          <a:p>
-            <a:endParaRPr lang="en-US" altLang="ko-KR" dirty="0"/>
-          </a:p>
-          <a:p>
-            <a:r>
-              <a:rPr lang="ko-KR" altLang="en-US" dirty="0"/>
-              <a:t>요청 메시지의 시작줄에는 </a:t>
-            </a:r>
-            <a:r>
-              <a:rPr lang="en-US" altLang="ko-KR" dirty="0"/>
-              <a:t>GET</a:t>
-            </a:r>
-            <a:r>
-              <a:rPr lang="ko-KR" altLang="en-US" dirty="0"/>
-              <a:t>이라는 </a:t>
-            </a:r>
+            <a:pPr marL="0" marR="0" lvl="0" indent="0" algn="l" defTabSz="914400" rtl="0" eaLnBrk="1" fontAlgn="auto" latinLnBrk="1" hangingPunct="1">
+              <a:lnSpc>
+                <a:spcPct val="100000"/>
+              </a:lnSpc>
+              <a:spcBef>
+                <a:spcPts val="0"/>
+              </a:spcBef>
+              <a:spcAft>
+                <a:spcPts val="0"/>
+              </a:spcAft>
+              <a:buClrTx/>
+              <a:buSzTx/>
+              <a:buFontTx/>
+              <a:buNone/>
+              <a:tabLst/>
+              <a:defRPr/>
+            </a:pPr>
             <a:r>
               <a:rPr lang="ko-KR" altLang="en-US" b="0" i="0" dirty="0">
                 <a:solidFill>
@@ -1568,7 +1344,7 @@
                 <a:effectLst/>
                 <a:latin typeface="-apple-system"/>
               </a:rPr>
-              <a:t>메서드가 사용된 걸 확인할 수 있고</a:t>
+              <a:t>응답 메시지의 시작줄에선 </a:t>
             </a:r>
             <a:r>
               <a:rPr lang="en-US" altLang="ko-KR" b="0" i="0" dirty="0">
@@ -1578,6 +1354,26 @@
                 <a:effectLst/>
                 <a:latin typeface="-apple-system"/>
               </a:rPr>
+              <a:t>HTTP </a:t>
+            </a:r>
+            <a:r>
+              <a:rPr lang="ko-KR" altLang="en-US" b="0" i="0" dirty="0">
+                <a:solidFill>
+                  <a:srgbClr val="E6EDF3"/>
+                </a:solidFill>
+                <a:effectLst/>
+                <a:latin typeface="-apple-system"/>
+              </a:rPr>
+              <a:t>버전</a:t>
+            </a:r>
+            <a:r>
+              <a:rPr lang="en-US" altLang="ko-KR" b="0" i="0" dirty="0">
+                <a:solidFill>
+                  <a:srgbClr val="E6EDF3"/>
+                </a:solidFill>
+                <a:effectLst/>
+                <a:latin typeface="-apple-system"/>
+              </a:rPr>
               <a:t>, </a:t>
             </a:r>
             <a:r>
@@ -1588,18 +1384,20 @@
                 <a:effectLst/>
                 <a:latin typeface="-apple-system"/>
               </a:rPr>
-              <a:t> 가운데 </a:t>
-            </a:r>
-            <a:r>
-              <a:rPr lang="ko-KR" altLang="en-US" b="0" i="0" dirty="0" err="1">
+              <a:t>상태 코드 및 사유 구절이 들어간다</a:t>
+            </a:r>
+            <a:r>
+              <a:rPr lang="en-US" altLang="ko-KR" b="0" i="0" dirty="0">
                 <a:solidFill>
                   <a:srgbClr val="E6EDF3"/>
                 </a:solidFill>
                 <a:effectLst/>
                 <a:latin typeface="-apple-system"/>
               </a:rPr>
-              <a:t>슬레시</a:t>
-            </a:r>
+              <a:t>.</a:t>
+            </a:r>
+          </a:p>
+          <a:p>
             <a:endParaRPr lang="en-US" altLang="ko-KR" b="0" i="0" dirty="0">
               <a:solidFill>
                 <a:srgbClr val="E6EDF3"/>
@@ -1609,6 +1407,10 @@
             </a:endParaRPr>
           </a:p>
           <a:p>
+            <a:pPr algn="l">
+              <a:buFont typeface="Arial" panose="020B0604020202020204" pitchFamily="34" charset="0"/>
+              <a:buNone/>
+            </a:pPr>
             <a:r>
               <a:rPr lang="en-US" altLang="ko-KR" b="0" i="0" dirty="0">
                 <a:solidFill>
@@ -1617,7 +1419,7 @@
                 <a:effectLst/>
                 <a:latin typeface="-apple-system"/>
               </a:rPr>
-              <a:t>path(&lt;-</a:t>
+              <a:t>-</a:t>
             </a:r>
             <a:r>
               <a:rPr lang="ko-KR" altLang="en-US" b="0" i="0" dirty="0">
@@ -1627,7 +1429,7 @@
                 <a:effectLst/>
                 <a:latin typeface="-apple-system"/>
               </a:rPr>
-              <a:t>그림에선 </a:t>
+              <a:t>헤더 부분에는 요청과 응답 메세지에 대한 추가적인 정보를 담고 있고</a:t>
             </a:r>
             <a:r>
               <a:rPr lang="en-US" altLang="ko-KR" b="0" i="0" dirty="0">
@@ -1637,7 +1439,23 @@
                 <a:effectLst/>
                 <a:latin typeface="-apple-system"/>
               </a:rPr>
-              <a:t>URL </a:t>
+              <a:t>,</a:t>
+            </a:r>
+          </a:p>
+          <a:p>
+            <a:pPr algn="l">
+              <a:buFont typeface="Arial" panose="020B0604020202020204" pitchFamily="34" charset="0"/>
+              <a:buNone/>
+            </a:pPr>
+            <a:r>
+              <a:rPr lang="en-US" altLang="ko-KR" b="0" i="0" dirty="0">
+                <a:solidFill>
+                  <a:srgbClr val="E6EDF3"/>
+                </a:solidFill>
+                <a:effectLst/>
+                <a:latin typeface="-apple-system"/>
+              </a:rPr>
+              <a:t>Key/Value </a:t>
             </a:r>
             <a:r>
               <a:rPr lang="ko-KR" altLang="en-US" b="0" i="0" dirty="0">
@@ -1647,7 +1465,53 @@
                 <a:effectLst/>
                 <a:latin typeface="-apple-system"/>
               </a:rPr>
-              <a:t>생략됨</a:t>
+              <a:t>형식으로 나타낸다</a:t>
+            </a:r>
+          </a:p>
+          <a:p>
+            <a:endParaRPr lang="en-US" altLang="ko-KR" dirty="0"/>
+          </a:p>
+          <a:p>
+            <a:r>
+              <a:rPr lang="en-US" altLang="ko-KR" dirty="0"/>
+              <a:t>-</a:t>
+            </a:r>
+            <a:r>
+              <a:rPr lang="ko-KR" altLang="en-US" dirty="0"/>
+              <a:t>바디에는</a:t>
+            </a:r>
+            <a:endParaRPr lang="en-US" altLang="ko-KR" dirty="0"/>
+          </a:p>
+          <a:p>
+            <a:pPr algn="l">
+              <a:buFont typeface="Arial" panose="020B0604020202020204" pitchFamily="34" charset="0"/>
+              <a:buNone/>
+            </a:pPr>
+            <a:r>
+              <a:rPr lang="ko-KR" altLang="en-US" b="0" i="0" dirty="0">
+                <a:solidFill>
+                  <a:srgbClr val="E6EDF3"/>
+                </a:solidFill>
+                <a:effectLst/>
+                <a:latin typeface="-apple-system"/>
+              </a:rPr>
+              <a:t>전송하고 싶은 실질적인 데이터를 나타내고</a:t>
+            </a:r>
+          </a:p>
+          <a:p>
+            <a:pPr algn="l">
+              <a:buFont typeface="Arial" panose="020B0604020202020204" pitchFamily="34" charset="0"/>
+              <a:buNone/>
+            </a:pPr>
+            <a:r>
+              <a:rPr lang="ko-KR" altLang="en-US" b="0" i="0" dirty="0">
+                <a:solidFill>
+                  <a:srgbClr val="E6EDF3"/>
+                </a:solidFill>
+                <a:effectLst/>
+                <a:latin typeface="-apple-system"/>
+              </a:rPr>
+              <a:t>헤더를 마치고 </a:t>
             </a:r>
             <a:r>
               <a:rPr lang="en-US" altLang="ko-KR" b="0" i="0" dirty="0">
@@ -1657,7 +1521,7 @@
                 <a:effectLst/>
                 <a:latin typeface="-apple-system"/>
               </a:rPr>
-              <a:t>)</a:t>
+              <a:t>\n </a:t>
             </a:r>
             <a:r>
               <a:rPr lang="ko-KR" altLang="en-US" b="0" i="0" dirty="0">
@@ -1667,7 +1531,7 @@
                 <a:effectLst/>
                 <a:latin typeface="-apple-system"/>
               </a:rPr>
-              <a:t>와</a:t>
+              <a:t>후에 나타나는 게 바디부분이다</a:t>
             </a:r>
             <a:r>
               <a:rPr lang="en-US" altLang="ko-KR" b="0" i="0" dirty="0">
@@ -1677,67 +1541,18 @@
                 <a:effectLst/>
                 <a:latin typeface="-apple-system"/>
               </a:rPr>
-              <a:t> HTTP</a:t>
-            </a:r>
-            <a:r>
-              <a:rPr lang="ko-KR" altLang="en-US" b="0" i="0" dirty="0">
-                <a:solidFill>
-                  <a:srgbClr val="E6EDF3"/>
-                </a:solidFill>
-                <a:effectLst/>
-                <a:latin typeface="-apple-system"/>
-              </a:rPr>
-              <a:t>버전</a:t>
-            </a:r>
-            <a:r>
-              <a:rPr lang="en-US" altLang="ko-KR" b="0" i="0" dirty="0">
-                <a:solidFill>
-                  <a:srgbClr val="E6EDF3"/>
-                </a:solidFill>
-                <a:effectLst/>
-                <a:latin typeface="-apple-system"/>
-              </a:rPr>
-              <a:t>(1.1)</a:t>
-            </a:r>
-            <a:r>
-              <a:rPr lang="ko-KR" altLang="en-US" b="0" i="0" dirty="0">
-                <a:solidFill>
-                  <a:srgbClr val="E6EDF3"/>
-                </a:solidFill>
-                <a:effectLst/>
-                <a:latin typeface="-apple-system"/>
-              </a:rPr>
-              <a:t>으로 이루어져 있다는 것 또한 확인해 볼 수 있다</a:t>
-            </a:r>
-            <a:r>
-              <a:rPr lang="en-US" altLang="ko-KR" b="0" i="0" dirty="0">
-                <a:solidFill>
-                  <a:srgbClr val="E6EDF3"/>
-                </a:solidFill>
-                <a:effectLst/>
-                <a:latin typeface="-apple-system"/>
-              </a:rPr>
               <a:t>.</a:t>
             </a:r>
-          </a:p>
-          <a:p>
-            <a:r>
-              <a:rPr lang="en-US" altLang="ko-KR" b="0" i="0" dirty="0">
-                <a:solidFill>
-                  <a:srgbClr val="E6EDF3"/>
-                </a:solidFill>
-                <a:effectLst/>
-                <a:latin typeface="-apple-system"/>
-              </a:rPr>
-              <a:t> </a:t>
-            </a:r>
-            <a:endParaRPr lang="en-US" altLang="ko-KR" dirty="0"/>
-          </a:p>
-          <a:p>
-            <a:r>
-              <a:rPr lang="ko-KR" altLang="en-US" dirty="0"/>
-              <a:t>요청 메서드에 관한 내용은 곧 구체적으로 나옵니다</a:t>
-            </a:r>
+            <a:endParaRPr lang="ko-KR" altLang="en-US" b="0" i="0" dirty="0">
+              <a:solidFill>
+                <a:srgbClr val="E6EDF3"/>
+              </a:solidFill>
+              <a:effectLst/>
+              <a:latin typeface="-apple-system"/>
+            </a:endParaRPr>
+          </a:p>
+          <a:p>
+            <a:endParaRPr lang="ko-KR" altLang="en-US" dirty="0"/>
           </a:p>
         </p:txBody>
       </p:sp>
@@ -1764,7 +1579,7 @@
               <a:pPr lvl="0">
                 <a:defRPr/>
               </a:pPr>
-              <a:t>14</a:t>
+              <a:t>13</a:t>
             </a:fld>
             <a:endParaRPr lang="ko-KR" altLang="en-US"/>
           </a:p>
@@ -1773,7 +1588,7 @@
     </p:spTree>
     <p:extLst>
       <p:ext uri="{BB962C8B-B14F-4D97-AF65-F5344CB8AC3E}">
-        <p14:creationId xmlns:p14="http://schemas.microsoft.com/office/powerpoint/2010/main" val="590967421"/>
+        <p14:creationId xmlns:p14="http://schemas.microsoft.com/office/powerpoint/2010/main" val="2933468828"/>
       </p:ext>
     </p:extLst>
   </p:cSld>
@@ -1828,6 +1643,62 @@
           <a:lstStyle/>
           <a:p>
             <a:r>
+              <a:rPr lang="ko-KR" altLang="en-US" dirty="0"/>
+              <a:t>위의 사진은 요청메시지의 예시이다</a:t>
+            </a:r>
+            <a:r>
+              <a:rPr lang="en-US" altLang="ko-KR" dirty="0"/>
+              <a:t>.</a:t>
+            </a:r>
+          </a:p>
+          <a:p>
+            <a:endParaRPr lang="en-US" altLang="ko-KR" dirty="0"/>
+          </a:p>
+          <a:p>
+            <a:r>
+              <a:rPr lang="ko-KR" altLang="en-US" dirty="0"/>
+              <a:t>해당 요청 메시지는 </a:t>
+            </a:r>
+            <a:r>
+              <a:rPr lang="en-US" altLang="ko-KR" dirty="0"/>
+              <a:t>GET</a:t>
+            </a:r>
+            <a:r>
+              <a:rPr lang="ko-KR" altLang="en-US" dirty="0"/>
+              <a:t>이라는 메서드를 사용한 요청 메시지이기 때문에 데이터를 담는 바디 값이 없고</a:t>
+            </a:r>
+            <a:r>
+              <a:rPr lang="en-US" altLang="ko-KR" dirty="0"/>
+              <a:t>,</a:t>
+            </a:r>
+          </a:p>
+          <a:p>
+            <a:r>
+              <a:rPr lang="ko-KR" altLang="en-US" dirty="0"/>
+              <a:t>시작줄과 헤더만 존재하는 걸 확인해 볼 수 있습니다</a:t>
+            </a:r>
+            <a:r>
+              <a:rPr lang="en-US" altLang="ko-KR" dirty="0"/>
+              <a:t> </a:t>
+            </a:r>
+          </a:p>
+          <a:p>
+            <a:endParaRPr lang="en-US" altLang="ko-KR" dirty="0"/>
+          </a:p>
+          <a:p>
+            <a:r>
+              <a:rPr lang="ko-KR" altLang="en-US" dirty="0"/>
+              <a:t>요청 메시지의 시작줄에는 </a:t>
+            </a:r>
+            <a:r>
+              <a:rPr lang="en-US" altLang="ko-KR" dirty="0"/>
+              <a:t>GET</a:t>
+            </a:r>
+            <a:r>
+              <a:rPr lang="ko-KR" altLang="en-US" dirty="0"/>
+              <a:t>이라는 </a:t>
+            </a:r>
+            <a:r>
               <a:rPr lang="ko-KR" altLang="en-US" b="0" i="0" dirty="0">
                 <a:solidFill>
                   <a:srgbClr val="E6EDF3"/>
@@ -1835,7 +1706,7 @@
                 <a:effectLst/>
                 <a:latin typeface="-apple-system"/>
               </a:rPr>
-              <a:t>응답 메시지의 예시를 보면</a:t>
+              <a:t>메서드가 사용된 걸 확인할 수 있고</a:t>
             </a:r>
             <a:r>
               <a:rPr lang="en-US" altLang="ko-KR" b="0" i="0" dirty="0">
@@ -1845,10 +1716,8 @@
                 <a:effectLst/>
                 <a:latin typeface="-apple-system"/>
               </a:rPr>
-              <a:t>,</a:t>
-            </a:r>
-          </a:p>
-          <a:p>
+              <a:t>, </a:t>
+            </a:r>
             <a:r>
               <a:rPr lang="ko-KR" altLang="en-US" b="0" i="0" dirty="0">
                 <a:solidFill>
@@ -1857,8 +1726,27 @@
                 <a:effectLst/>
                 <a:latin typeface="-apple-system"/>
               </a:rPr>
-              <a:t>시작줄에 </a:t>
-            </a:r>
+              <a:t> 가운데 </a:t>
+            </a:r>
+            <a:r>
+              <a:rPr lang="ko-KR" altLang="en-US" b="0" i="0" dirty="0" err="1">
+                <a:solidFill>
+                  <a:srgbClr val="E6EDF3"/>
+                </a:solidFill>
+                <a:effectLst/>
+                <a:latin typeface="-apple-system"/>
+              </a:rPr>
+              <a:t>슬레시</a:t>
+            </a:r>
+            <a:endParaRPr lang="en-US" altLang="ko-KR" b="0" i="0" dirty="0">
+              <a:solidFill>
+                <a:srgbClr val="E6EDF3"/>
+              </a:solidFill>
+              <a:effectLst/>
+              <a:latin typeface="-apple-system"/>
+            </a:endParaRPr>
+          </a:p>
+          <a:p>
             <a:r>
               <a:rPr lang="en-US" altLang="ko-KR" b="0" i="0" dirty="0">
                 <a:solidFill>
@@ -1867,7 +1755,7 @@
                 <a:effectLst/>
                 <a:latin typeface="-apple-system"/>
               </a:rPr>
-              <a:t>HTTP </a:t>
+              <a:t>path(&lt;-</a:t>
             </a:r>
             <a:r>
               <a:rPr lang="ko-KR" altLang="en-US" b="0" i="0" dirty="0">
@@ -1877,6 +1765,66 @@
                 <a:effectLst/>
                 <a:latin typeface="-apple-system"/>
               </a:rPr>
+              <a:t>그림에선 </a:t>
+            </a:r>
+            <a:r>
+              <a:rPr lang="en-US" altLang="ko-KR" b="0" i="0" dirty="0">
+                <a:solidFill>
+                  <a:srgbClr val="E6EDF3"/>
+                </a:solidFill>
+                <a:effectLst/>
+                <a:latin typeface="-apple-system"/>
+              </a:rPr>
+              <a:t>URL </a:t>
+            </a:r>
+            <a:r>
+              <a:rPr lang="ko-KR" altLang="en-US" b="0" i="0" dirty="0">
+                <a:solidFill>
+                  <a:srgbClr val="E6EDF3"/>
+                </a:solidFill>
+                <a:effectLst/>
+                <a:latin typeface="-apple-system"/>
+              </a:rPr>
+              <a:t>생략됨</a:t>
+            </a:r>
+            <a:r>
+              <a:rPr lang="en-US" altLang="ko-KR" b="0" i="0" dirty="0">
+                <a:solidFill>
+                  <a:srgbClr val="E6EDF3"/>
+                </a:solidFill>
+                <a:effectLst/>
+                <a:latin typeface="-apple-system"/>
+              </a:rPr>
+              <a:t>)</a:t>
+            </a:r>
+            <a:r>
+              <a:rPr lang="ko-KR" altLang="en-US" b="0" i="0" dirty="0">
+                <a:solidFill>
+                  <a:srgbClr val="E6EDF3"/>
+                </a:solidFill>
+                <a:effectLst/>
+                <a:latin typeface="-apple-system"/>
+              </a:rPr>
+              <a:t>와</a:t>
+            </a:r>
+            <a:r>
+              <a:rPr lang="en-US" altLang="ko-KR" b="0" i="0" dirty="0">
+                <a:solidFill>
+                  <a:srgbClr val="E6EDF3"/>
+                </a:solidFill>
+                <a:effectLst/>
+                <a:latin typeface="-apple-system"/>
+              </a:rPr>
+              <a:t> HTTP</a:t>
+            </a:r>
+            <a:r>
+              <a:rPr lang="ko-KR" altLang="en-US" b="0" i="0" dirty="0">
+                <a:solidFill>
+                  <a:srgbClr val="E6EDF3"/>
+                </a:solidFill>
+                <a:effectLst/>
+                <a:latin typeface="-apple-system"/>
+              </a:rPr>
               <a:t>버전</a:t>
             </a:r>
             <a:r>
@@ -1887,7 +1835,7 @@
                 <a:effectLst/>
                 <a:latin typeface="-apple-system"/>
               </a:rPr>
-              <a:t>, </a:t>
+              <a:t>(1.1)</a:t>
             </a:r>
             <a:r>
               <a:rPr lang="ko-KR" altLang="en-US" b="0" i="0" dirty="0">
@@ -1897,7 +1845,7 @@
                 <a:effectLst/>
                 <a:latin typeface="-apple-system"/>
               </a:rPr>
-              <a:t>상태 코드</a:t>
+              <a:t>으로 이루어져 있다는 것 또한 확인해 볼 수 있다</a:t>
             </a:r>
             <a:r>
               <a:rPr lang="en-US" altLang="ko-KR" b="0" i="0" dirty="0">
@@ -1907,51 +1855,27 @@
                 <a:effectLst/>
                 <a:latin typeface="-apple-system"/>
               </a:rPr>
-              <a:t>(200)</a:t>
-            </a:r>
-            <a:r>
-              <a:rPr lang="ko-KR" altLang="en-US" b="0" i="0" dirty="0">
+              <a:t>.</a:t>
+            </a:r>
+          </a:p>
+          <a:p>
+            <a:r>
+              <a:rPr lang="en-US" altLang="ko-KR" b="0" i="0" dirty="0">
                 <a:solidFill>
                   <a:srgbClr val="E6EDF3"/>
                 </a:solidFill>
                 <a:effectLst/>
                 <a:latin typeface="-apple-system"/>
               </a:rPr>
-              <a:t> 및 사유 구절</a:t>
-            </a:r>
-            <a:r>
-              <a:rPr lang="en-US" altLang="ko-KR" b="0" i="0" dirty="0">
-                <a:solidFill>
-                  <a:srgbClr val="E6EDF3"/>
-                </a:solidFill>
-                <a:effectLst/>
-                <a:latin typeface="-apple-system"/>
-              </a:rPr>
-              <a:t>(OK)</a:t>
-            </a:r>
-            <a:r>
-              <a:rPr lang="ko-KR" altLang="en-US" b="0" i="0" dirty="0">
-                <a:solidFill>
-                  <a:srgbClr val="E6EDF3"/>
-                </a:solidFill>
-                <a:effectLst/>
-                <a:latin typeface="-apple-system"/>
-              </a:rPr>
-              <a:t>이 들어와 있는 걸 확인해 볼 수 있다</a:t>
-            </a:r>
-            <a:r>
-              <a:rPr lang="en-US" altLang="ko-KR" b="0" i="0" dirty="0">
-                <a:solidFill>
-                  <a:srgbClr val="E6EDF3"/>
-                </a:solidFill>
-                <a:effectLst/>
-                <a:latin typeface="-apple-system"/>
-              </a:rPr>
-              <a:t>. </a:t>
-            </a:r>
-          </a:p>
-          <a:p>
-            <a:endParaRPr lang="ko-KR" altLang="en-US" dirty="0"/>
+              <a:t> </a:t>
+            </a:r>
+            <a:endParaRPr lang="en-US" altLang="ko-KR" dirty="0"/>
+          </a:p>
+          <a:p>
+            <a:r>
+              <a:rPr lang="ko-KR" altLang="en-US" dirty="0"/>
+              <a:t>요청 메서드에 관한 내용은 곧 구체적으로 나옵니다</a:t>
+            </a:r>
           </a:p>
         </p:txBody>
       </p:sp>
@@ -1978,7 +1902,7 @@
               <a:pPr lvl="0">
                 <a:defRPr/>
               </a:pPr>
-              <a:t>15</a:t>
+              <a:t>14</a:t>
             </a:fld>
             <a:endParaRPr lang="ko-KR" altLang="en-US"/>
           </a:p>
@@ -1987,7 +1911,7 @@
     </p:spTree>
     <p:extLst>
       <p:ext uri="{BB962C8B-B14F-4D97-AF65-F5344CB8AC3E}">
-        <p14:creationId xmlns:p14="http://schemas.microsoft.com/office/powerpoint/2010/main" val="293903808"/>
+        <p14:creationId xmlns:p14="http://schemas.microsoft.com/office/powerpoint/2010/main" val="590967421"/>
       </p:ext>
     </p:extLst>
   </p:cSld>
@@ -2049,7 +1973,7 @@
                 <a:effectLst/>
                 <a:latin typeface="-apple-system"/>
               </a:rPr>
-              <a:t>한눈에 비교하면 이렇다</a:t>
+              <a:t>응답 메시지의 예시를 보면</a:t>
             </a:r>
             <a:r>
               <a:rPr lang="en-US" altLang="ko-KR" b="0" i="0" dirty="0">
@@ -2059,7 +1983,7 @@
                 <a:effectLst/>
                 <a:latin typeface="-apple-system"/>
               </a:rPr>
-              <a:t>.</a:t>
+              <a:t>,</a:t>
             </a:r>
           </a:p>
           <a:p>
@@ -2071,33 +1995,101 @@
                 <a:effectLst/>
                 <a:latin typeface="-apple-system"/>
               </a:rPr>
-              <a:t>응답 메시지의 바디부분에 왜 데이터가 있는 건지는 요청 메서드를 이야기 하며 확인해보도록 하자</a:t>
-            </a:r>
-            <a:endParaRPr lang="en-US" altLang="ko-KR" b="0" i="0" dirty="0">
-              <a:solidFill>
-                <a:srgbClr val="E6EDF3"/>
-              </a:solidFill>
-              <a:effectLst/>
-              <a:latin typeface="-apple-system"/>
-            </a:endParaRPr>
-          </a:p>
-          <a:p>
-            <a:endParaRPr lang="en-US" altLang="ko-KR" b="0" i="0" dirty="0">
-              <a:solidFill>
-                <a:srgbClr val="E6EDF3"/>
-              </a:solidFill>
-              <a:effectLst/>
-              <a:latin typeface="-apple-system"/>
-            </a:endParaRPr>
-          </a:p>
-          <a:p>
-            <a:endParaRPr lang="en-US" altLang="ko-KR" b="0" i="0" dirty="0">
-              <a:solidFill>
-                <a:srgbClr val="E6EDF3"/>
-              </a:solidFill>
-              <a:effectLst/>
-              <a:latin typeface="-apple-system"/>
-            </a:endParaRPr>
+              <a:t>시작줄에 </a:t>
+            </a:r>
+            <a:r>
+              <a:rPr lang="en-US" altLang="ko-KR" b="0" i="0" dirty="0">
+                <a:solidFill>
+                  <a:srgbClr val="E6EDF3"/>
+                </a:solidFill>
+                <a:effectLst/>
+                <a:latin typeface="-apple-system"/>
+              </a:rPr>
+              <a:t>HTTP </a:t>
+            </a:r>
+            <a:r>
+              <a:rPr lang="ko-KR" altLang="en-US" b="0" i="0" dirty="0">
+                <a:solidFill>
+                  <a:srgbClr val="E6EDF3"/>
+                </a:solidFill>
+                <a:effectLst/>
+                <a:latin typeface="-apple-system"/>
+              </a:rPr>
+              <a:t>버전</a:t>
+            </a:r>
+            <a:r>
+              <a:rPr lang="en-US" altLang="ko-KR" b="0" i="0" dirty="0">
+                <a:solidFill>
+                  <a:srgbClr val="E6EDF3"/>
+                </a:solidFill>
+                <a:effectLst/>
+                <a:latin typeface="-apple-system"/>
+              </a:rPr>
+              <a:t>, </a:t>
+            </a:r>
+            <a:r>
+              <a:rPr lang="ko-KR" altLang="en-US" b="0" i="0" dirty="0">
+                <a:solidFill>
+                  <a:srgbClr val="E6EDF3"/>
+                </a:solidFill>
+                <a:effectLst/>
+                <a:latin typeface="-apple-system"/>
+              </a:rPr>
+              <a:t>상태 코드</a:t>
+            </a:r>
+            <a:r>
+              <a:rPr lang="en-US" altLang="ko-KR" b="0" i="0" dirty="0">
+                <a:solidFill>
+                  <a:srgbClr val="E6EDF3"/>
+                </a:solidFill>
+                <a:effectLst/>
+                <a:latin typeface="-apple-system"/>
+              </a:rPr>
+              <a:t>(200)</a:t>
+            </a:r>
+            <a:r>
+              <a:rPr lang="ko-KR" altLang="en-US" b="0" i="0" dirty="0">
+                <a:solidFill>
+                  <a:srgbClr val="E6EDF3"/>
+                </a:solidFill>
+                <a:effectLst/>
+                <a:latin typeface="-apple-system"/>
+              </a:rPr>
+              <a:t> 및 사유 구절</a:t>
+            </a:r>
+            <a:r>
+              <a:rPr lang="en-US" altLang="ko-KR" b="0" i="0" dirty="0">
+                <a:solidFill>
+                  <a:srgbClr val="E6EDF3"/>
+                </a:solidFill>
+                <a:effectLst/>
+                <a:latin typeface="-apple-system"/>
+              </a:rPr>
+              <a:t>(OK)</a:t>
+            </a:r>
+            <a:r>
+              <a:rPr lang="ko-KR" altLang="en-US" b="0" i="0" dirty="0">
+                <a:solidFill>
+                  <a:srgbClr val="E6EDF3"/>
+                </a:solidFill>
+                <a:effectLst/>
+                <a:latin typeface="-apple-system"/>
+              </a:rPr>
+              <a:t>이 들어와 있는 걸 확인해 볼 수 있다</a:t>
+            </a:r>
+            <a:r>
+              <a:rPr lang="en-US" altLang="ko-KR" b="0" i="0" dirty="0">
+                <a:solidFill>
+                  <a:srgbClr val="E6EDF3"/>
+                </a:solidFill>
+                <a:effectLst/>
+                <a:latin typeface="-apple-system"/>
+              </a:rPr>
+              <a:t>. </a:t>
+            </a:r>
+          </a:p>
+          <a:p>
+            <a:endParaRPr lang="ko-KR" altLang="en-US" dirty="0"/>
           </a:p>
         </p:txBody>
       </p:sp>
@@ -2124,7 +2116,7 @@
               <a:pPr lvl="0">
                 <a:defRPr/>
               </a:pPr>
-              <a:t>16</a:t>
+              <a:t>15</a:t>
             </a:fld>
             <a:endParaRPr lang="ko-KR" altLang="en-US"/>
           </a:p>
@@ -2133,7 +2125,7 @@
     </p:spTree>
     <p:extLst>
       <p:ext uri="{BB962C8B-B14F-4D97-AF65-F5344CB8AC3E}">
-        <p14:creationId xmlns:p14="http://schemas.microsoft.com/office/powerpoint/2010/main" val="540685926"/>
+        <p14:creationId xmlns:p14="http://schemas.microsoft.com/office/powerpoint/2010/main" val="293903808"/>
       </p:ext>
     </p:extLst>
   </p:cSld>
@@ -2187,15 +2179,6 @@
           <a:bodyPr/>
           <a:lstStyle/>
           <a:p>
-            <a:endParaRPr lang="en-US" altLang="ko-KR" b="0" i="0" dirty="0">
-              <a:solidFill>
-                <a:srgbClr val="E6EDF3"/>
-              </a:solidFill>
-              <a:effectLst/>
-              <a:latin typeface="-apple-system"/>
-            </a:endParaRPr>
-          </a:p>
-          <a:p>
             <a:r>
               <a:rPr lang="ko-KR" altLang="en-US" b="0" i="0" dirty="0">
                 <a:solidFill>
@@ -2204,15 +2187,18 @@
                 <a:effectLst/>
                 <a:latin typeface="-apple-system"/>
               </a:rPr>
-              <a:t>대표적인 요청 메서드로 존재하는 </a:t>
-            </a:r>
-            <a:endParaRPr lang="en-US" altLang="ko-KR" b="0" i="0" dirty="0">
-              <a:solidFill>
-                <a:srgbClr val="E6EDF3"/>
-              </a:solidFill>
-              <a:effectLst/>
-              <a:latin typeface="-apple-system"/>
-            </a:endParaRPr>
+              <a:t>한눈에 비교하면 이렇다</a:t>
+            </a:r>
+            <a:r>
+              <a:rPr lang="en-US" altLang="ko-KR" b="0" i="0" dirty="0">
+                <a:solidFill>
+                  <a:srgbClr val="E6EDF3"/>
+                </a:solidFill>
+                <a:effectLst/>
+                <a:latin typeface="-apple-system"/>
+              </a:rPr>
+              <a:t>.</a:t>
+            </a:r>
           </a:p>
           <a:p>
             <a:r>
@@ -2223,93 +2209,7 @@
                 <a:effectLst/>
                 <a:latin typeface="-apple-system"/>
               </a:rPr>
-              <a:t>자원에 대해 요청하는 </a:t>
-            </a:r>
-            <a:r>
-              <a:rPr lang="en-US" altLang="ko-KR" b="0" i="0" dirty="0">
-                <a:solidFill>
-                  <a:srgbClr val="E6EDF3"/>
-                </a:solidFill>
-                <a:effectLst/>
-                <a:latin typeface="-apple-system"/>
-              </a:rPr>
-              <a:t>get </a:t>
-            </a:r>
-          </a:p>
-          <a:p>
-            <a:r>
-              <a:rPr lang="ko-KR" altLang="en-US" b="0" i="0" dirty="0">
-                <a:solidFill>
-                  <a:srgbClr val="E6EDF3"/>
-                </a:solidFill>
-                <a:effectLst/>
-                <a:latin typeface="-apple-system"/>
-              </a:rPr>
-              <a:t>새로운 자원을 생성하는 </a:t>
-            </a:r>
-            <a:r>
-              <a:rPr lang="en-US" altLang="ko-KR" b="0" i="0" dirty="0">
-                <a:solidFill>
-                  <a:srgbClr val="E6EDF3"/>
-                </a:solidFill>
-                <a:effectLst/>
-                <a:latin typeface="-apple-system"/>
-              </a:rPr>
-              <a:t>post </a:t>
-            </a:r>
-          </a:p>
-          <a:p>
-            <a:r>
-              <a:rPr lang="ko-KR" altLang="en-US" b="0" i="0" dirty="0">
-                <a:solidFill>
-                  <a:srgbClr val="E6EDF3"/>
-                </a:solidFill>
-                <a:effectLst/>
-                <a:latin typeface="-apple-system"/>
-              </a:rPr>
-              <a:t>존재하는 자원에 대해 변경하는 </a:t>
-            </a:r>
-            <a:r>
-              <a:rPr lang="en-US" altLang="ko-KR" b="0" i="0" dirty="0">
-                <a:solidFill>
-                  <a:srgbClr val="E6EDF3"/>
-                </a:solidFill>
-                <a:effectLst/>
-                <a:latin typeface="-apple-system"/>
-              </a:rPr>
-              <a:t>put </a:t>
-            </a:r>
-          </a:p>
-          <a:p>
-            <a:r>
-              <a:rPr lang="ko-KR" altLang="en-US" b="0" i="0" dirty="0">
-                <a:solidFill>
-                  <a:srgbClr val="E6EDF3"/>
-                </a:solidFill>
-                <a:effectLst/>
-                <a:latin typeface="-apple-system"/>
-              </a:rPr>
-              <a:t>존재하는 자원에 대해 삭제하는 </a:t>
-            </a:r>
-            <a:r>
-              <a:rPr lang="en-US" altLang="ko-KR" b="0" i="0" dirty="0">
-                <a:solidFill>
-                  <a:srgbClr val="E6EDF3"/>
-                </a:solidFill>
-                <a:effectLst/>
-                <a:latin typeface="-apple-system"/>
-              </a:rPr>
-              <a:t>delete</a:t>
-            </a:r>
-            <a:r>
-              <a:rPr lang="ko-KR" altLang="en-US" b="0" i="0" dirty="0">
-                <a:solidFill>
-                  <a:srgbClr val="E6EDF3"/>
-                </a:solidFill>
-                <a:effectLst/>
-                <a:latin typeface="-apple-system"/>
-              </a:rPr>
-              <a:t>가 있습니다</a:t>
+              <a:t>응답 메시지의 바디부분에 왜 데이터가 있는 건지는 요청 메서드를 이야기 하며 확인해보도록 하자</a:t>
             </a:r>
             <a:endParaRPr lang="en-US" altLang="ko-KR" b="0" i="0" dirty="0">
               <a:solidFill>
@@ -2362,7 +2262,7 @@
               <a:pPr lvl="0">
                 <a:defRPr/>
               </a:pPr>
-              <a:t>17</a:t>
+              <a:t>16</a:t>
             </a:fld>
             <a:endParaRPr lang="ko-KR" altLang="en-US"/>
           </a:p>
@@ -2371,7 +2271,7 @@
     </p:spTree>
     <p:extLst>
       <p:ext uri="{BB962C8B-B14F-4D97-AF65-F5344CB8AC3E}">
-        <p14:creationId xmlns:p14="http://schemas.microsoft.com/office/powerpoint/2010/main" val="1327710896"/>
+        <p14:creationId xmlns:p14="http://schemas.microsoft.com/office/powerpoint/2010/main" val="540685926"/>
       </p:ext>
     </p:extLst>
   </p:cSld>
@@ -2425,246 +2325,6 @@
           <a:bodyPr/>
           <a:lstStyle/>
           <a:p>
-            <a:r>
-              <a:rPr lang="en-US" altLang="ko-KR" b="0" i="0" dirty="0">
-                <a:solidFill>
-                  <a:srgbClr val="E6EDF3"/>
-                </a:solidFill>
-                <a:effectLst/>
-                <a:latin typeface="-apple-system"/>
-              </a:rPr>
-              <a:t>Get</a:t>
-            </a:r>
-            <a:r>
-              <a:rPr lang="ko-KR" altLang="en-US" b="0" i="0" dirty="0">
-                <a:solidFill>
-                  <a:srgbClr val="E6EDF3"/>
-                </a:solidFill>
-                <a:effectLst/>
-                <a:latin typeface="-apple-system"/>
-              </a:rPr>
-              <a:t>같은 경우 </a:t>
-            </a:r>
-            <a:r>
-              <a:rPr lang="ko-KR" altLang="en-US" dirty="0"/>
-              <a:t>어떠한 데이터를 서버로 부터 받아</a:t>
-            </a:r>
-            <a:r>
-              <a:rPr lang="en-US" altLang="ko-KR" dirty="0"/>
-              <a:t>(GET)</a:t>
-            </a:r>
-            <a:r>
-              <a:rPr lang="ko-KR" altLang="en-US" dirty="0"/>
-              <a:t>올 때 혹은 </a:t>
-            </a:r>
-            <a:r>
-              <a:rPr lang="ko-KR" altLang="en-US" dirty="0" err="1"/>
-              <a:t>조회할때</a:t>
-            </a:r>
-            <a:r>
-              <a:rPr lang="en-US" altLang="ko-KR" dirty="0"/>
-              <a:t> </a:t>
-            </a:r>
-            <a:r>
-              <a:rPr lang="ko-KR" altLang="en-US" dirty="0"/>
-              <a:t>주로 사용하는 메서드입니다</a:t>
-            </a:r>
-            <a:endParaRPr lang="en-US" altLang="ko-KR" dirty="0"/>
-          </a:p>
-          <a:p>
-            <a:r>
-              <a:rPr lang="ko-KR" altLang="en-US" dirty="0"/>
-              <a:t>데이터 생성</a:t>
-            </a:r>
-            <a:r>
-              <a:rPr lang="en-US" altLang="ko-KR" dirty="0"/>
-              <a:t>/</a:t>
-            </a:r>
-            <a:r>
-              <a:rPr lang="ko-KR" altLang="en-US" dirty="0"/>
-              <a:t>수정</a:t>
-            </a:r>
-            <a:r>
-              <a:rPr lang="en-US" altLang="ko-KR" dirty="0"/>
-              <a:t>/</a:t>
-            </a:r>
-            <a:r>
-              <a:rPr lang="ko-KR" altLang="en-US" dirty="0"/>
-              <a:t>삭제 없이 받아 오기만 할 때 사용되므로 위의 메시지 구조에서 바디 부분에 데이터가 있던 이유도 </a:t>
-            </a:r>
-            <a:endParaRPr lang="en-US" altLang="ko-KR" dirty="0"/>
-          </a:p>
-          <a:p>
-            <a:r>
-              <a:rPr lang="en-US" altLang="ko-KR" dirty="0"/>
-              <a:t>get </a:t>
-            </a:r>
-            <a:r>
-              <a:rPr lang="ko-KR" altLang="en-US" dirty="0"/>
-              <a:t>메서드를 이용해서 요청을 했기 때문입니다</a:t>
-            </a:r>
-            <a:r>
-              <a:rPr lang="en-US" altLang="ko-KR" dirty="0"/>
-              <a:t>.</a:t>
-            </a:r>
-          </a:p>
-          <a:p>
-            <a:r>
-              <a:rPr lang="ko-KR" altLang="en-US" b="0" i="0" dirty="0">
-                <a:solidFill>
-                  <a:srgbClr val="E6EDF3"/>
-                </a:solidFill>
-                <a:effectLst/>
-                <a:latin typeface="-apple-system"/>
-              </a:rPr>
-              <a:t>메시지 바디를 사용해서 데이터를 전달할 수 있긴 하지만</a:t>
-            </a:r>
-            <a:r>
-              <a:rPr lang="en-US" altLang="ko-KR" b="0" i="0" dirty="0">
-                <a:solidFill>
-                  <a:srgbClr val="E6EDF3"/>
-                </a:solidFill>
-                <a:effectLst/>
-                <a:latin typeface="-apple-system"/>
-              </a:rPr>
-              <a:t>, </a:t>
-            </a:r>
-            <a:r>
-              <a:rPr lang="ko-KR" altLang="en-US" b="0" i="0" dirty="0">
-                <a:solidFill>
-                  <a:srgbClr val="E6EDF3"/>
-                </a:solidFill>
-                <a:effectLst/>
-                <a:latin typeface="-apple-system"/>
-              </a:rPr>
-              <a:t> 지원하지 않는 곳이 많아서 보통 메시지 바디를 사용하지 않습니다</a:t>
-            </a:r>
-            <a:r>
-              <a:rPr lang="en-US" altLang="ko-KR" b="0" i="0" dirty="0">
-                <a:solidFill>
-                  <a:srgbClr val="E6EDF3"/>
-                </a:solidFill>
-                <a:effectLst/>
-                <a:latin typeface="-apple-system"/>
-              </a:rPr>
-              <a:t>.</a:t>
-            </a:r>
-            <a:endParaRPr lang="en-US" altLang="ko-KR" dirty="0"/>
-          </a:p>
-          <a:p>
-            <a:endParaRPr lang="en-US" altLang="ko-KR" dirty="0"/>
-          </a:p>
-          <a:p>
-            <a:r>
-              <a:rPr lang="en-US" altLang="ko-KR" dirty="0"/>
-              <a:t>Post</a:t>
-            </a:r>
-            <a:r>
-              <a:rPr lang="ko-KR" altLang="en-US" dirty="0"/>
-              <a:t> 같은 경우 데이터를 생성</a:t>
-            </a:r>
-            <a:r>
-              <a:rPr lang="en-US" altLang="ko-KR" dirty="0"/>
-              <a:t>/</a:t>
-            </a:r>
-            <a:r>
-              <a:rPr lang="ko-KR" altLang="en-US" dirty="0"/>
-              <a:t>수정</a:t>
-            </a:r>
-            <a:r>
-              <a:rPr lang="en-US" altLang="ko-KR" dirty="0"/>
-              <a:t>/</a:t>
-            </a:r>
-            <a:r>
-              <a:rPr lang="ko-KR" altLang="en-US" dirty="0"/>
-              <a:t>삭제 할 때 주로 사용되는 메서드 이므로 데이터를 실어 날라야 한다</a:t>
-            </a:r>
-            <a:r>
-              <a:rPr lang="en-US" altLang="ko-KR" dirty="0"/>
-              <a:t>. </a:t>
-            </a:r>
-            <a:r>
-              <a:rPr lang="ko-KR" altLang="en-US" dirty="0"/>
-              <a:t>바로 전 </a:t>
-            </a:r>
-            <a:r>
-              <a:rPr lang="en-US" altLang="ko-KR" dirty="0"/>
-              <a:t>ppt</a:t>
-            </a:r>
-            <a:r>
-              <a:rPr lang="ko-KR" altLang="en-US" dirty="0"/>
-              <a:t> 요청</a:t>
-            </a:r>
-            <a:r>
-              <a:rPr lang="en-US" altLang="ko-KR" dirty="0"/>
-              <a:t> </a:t>
-            </a:r>
-            <a:r>
-              <a:rPr lang="ko-KR" altLang="en-US" dirty="0"/>
-              <a:t>메시지의 바디 부분에 데이터가 담겨있던 이유도 </a:t>
-            </a:r>
-            <a:r>
-              <a:rPr lang="en-US" altLang="ko-KR" dirty="0"/>
-              <a:t>Post</a:t>
-            </a:r>
-            <a:r>
-              <a:rPr lang="ko-KR" altLang="en-US" dirty="0"/>
-              <a:t>메서드를 이용한 요청을 했기 때문이다</a:t>
-            </a:r>
-            <a:r>
-              <a:rPr lang="en-US" altLang="ko-KR" dirty="0"/>
-              <a:t>.</a:t>
-            </a:r>
-          </a:p>
-          <a:p>
-            <a:endParaRPr lang="en-US" altLang="ko-KR" dirty="0"/>
-          </a:p>
-          <a:p>
-            <a:pPr marL="0" marR="0" lvl="0" indent="0" algn="l" defTabSz="914400" rtl="0" eaLnBrk="1" fontAlgn="auto" latinLnBrk="1" hangingPunct="1">
-              <a:lnSpc>
-                <a:spcPct val="100000"/>
-              </a:lnSpc>
-              <a:spcBef>
-                <a:spcPts val="0"/>
-              </a:spcBef>
-              <a:spcAft>
-                <a:spcPts val="0"/>
-              </a:spcAft>
-              <a:buClrTx/>
-              <a:buSzTx/>
-              <a:buFontTx/>
-              <a:buNone/>
-              <a:tabLst/>
-              <a:defRPr/>
-            </a:pPr>
-            <a:r>
-              <a:rPr lang="en-US" altLang="ko-KR" dirty="0"/>
-              <a:t>Put</a:t>
-            </a:r>
-            <a:r>
-              <a:rPr lang="ko-KR" altLang="en-US" dirty="0"/>
-              <a:t>은 </a:t>
-            </a:r>
-            <a:r>
-              <a:rPr lang="en-US" altLang="ko-KR" dirty="0"/>
-              <a:t>Post</a:t>
-            </a:r>
-            <a:r>
-              <a:rPr lang="ko-KR" altLang="en-US" dirty="0"/>
-              <a:t>와 비슷하지만 데이터를 생성할 때만 사용되는 메서드이다</a:t>
-            </a:r>
-            <a:r>
-              <a:rPr lang="en-US" altLang="ko-KR" dirty="0"/>
-              <a:t>. Post</a:t>
-            </a:r>
-            <a:r>
-              <a:rPr lang="ko-KR" altLang="en-US" dirty="0"/>
-              <a:t>에 밀려서 잘 사용하지는 않는다</a:t>
-            </a:r>
-            <a:r>
-              <a:rPr lang="en-US" altLang="ko-KR" dirty="0"/>
-              <a:t>.</a:t>
-            </a:r>
             <a:endParaRPr lang="en-US" altLang="ko-KR" b="0" i="0" dirty="0">
               <a:solidFill>
                 <a:srgbClr val="E6EDF3"/>
@@ -2674,9 +2334,16 @@
             </a:endParaRPr>
           </a:p>
           <a:p>
-            <a:endParaRPr lang="en-US" altLang="ko-KR" dirty="0"/>
-          </a:p>
-          <a:p>
+            <a:r>
+              <a:rPr lang="ko-KR" altLang="en-US" b="0" i="0" dirty="0">
+                <a:solidFill>
+                  <a:srgbClr val="E6EDF3"/>
+                </a:solidFill>
+                <a:effectLst/>
+                <a:latin typeface="-apple-system"/>
+              </a:rPr>
+              <a:t>대표적인 요청 메서드로 존재하는 </a:t>
+            </a:r>
             <a:endParaRPr lang="en-US" altLang="ko-KR" b="0" i="0" dirty="0">
               <a:solidFill>
                 <a:srgbClr val="E6EDF3"/>
@@ -2687,6 +2354,16 @@
           </a:p>
           <a:p>
             <a:r>
+              <a:rPr lang="ko-KR" altLang="en-US" b="0" i="0" dirty="0">
+                <a:solidFill>
+                  <a:srgbClr val="E6EDF3"/>
+                </a:solidFill>
+                <a:effectLst/>
+                <a:latin typeface="-apple-system"/>
+              </a:rPr>
+              <a:t>자원에 대해 요청하는 </a:t>
+            </a:r>
+            <a:r>
               <a:rPr lang="en-US" altLang="ko-KR" b="0" i="0" dirty="0">
                 <a:solidFill>
                   <a:srgbClr val="E6EDF3"/>
@@ -2694,8 +2371,10 @@
                 <a:effectLst/>
                 <a:latin typeface="-apple-system"/>
               </a:rPr>
-              <a:t>Delete</a:t>
-            </a:r>
+              <a:t>get </a:t>
+            </a:r>
+          </a:p>
+          <a:p>
             <a:r>
               <a:rPr lang="ko-KR" altLang="en-US" b="0" i="0" dirty="0">
                 <a:solidFill>
@@ -2704,32 +2383,81 @@
                 <a:effectLst/>
                 <a:latin typeface="-apple-system"/>
               </a:rPr>
-              <a:t>는 </a:t>
-            </a:r>
-            <a:r>
-              <a:rPr lang="ko-KR" altLang="en-US" dirty="0"/>
-              <a:t>특정 데이터를 서버에서 삭제 요청을 보낼 때만 쓰이는 메서드이다</a:t>
-            </a:r>
-            <a:r>
-              <a:rPr lang="en-US" altLang="ko-KR" dirty="0"/>
-              <a:t>. </a:t>
-            </a:r>
-            <a:r>
-              <a:rPr lang="ko-KR" altLang="en-US" dirty="0"/>
-              <a:t>얘 또한</a:t>
-            </a:r>
-            <a:r>
-              <a:rPr lang="en-US" altLang="ko-KR" dirty="0"/>
-              <a:t> Post</a:t>
-            </a:r>
-            <a:r>
-              <a:rPr lang="ko-KR" altLang="en-US" dirty="0"/>
-              <a:t>에 밀려서 잘 사용하지는 않는다</a:t>
-            </a:r>
-            <a:r>
-              <a:rPr lang="en-US" altLang="ko-KR" dirty="0"/>
-              <a:t>.</a:t>
-            </a:r>
+              <a:t>새로운 자원을 생성하는 </a:t>
+            </a:r>
+            <a:r>
+              <a:rPr lang="en-US" altLang="ko-KR" b="0" i="0" dirty="0">
+                <a:solidFill>
+                  <a:srgbClr val="E6EDF3"/>
+                </a:solidFill>
+                <a:effectLst/>
+                <a:latin typeface="-apple-system"/>
+              </a:rPr>
+              <a:t>post </a:t>
+            </a:r>
+          </a:p>
+          <a:p>
+            <a:r>
+              <a:rPr lang="ko-KR" altLang="en-US" b="0" i="0" dirty="0">
+                <a:solidFill>
+                  <a:srgbClr val="E6EDF3"/>
+                </a:solidFill>
+                <a:effectLst/>
+                <a:latin typeface="-apple-system"/>
+              </a:rPr>
+              <a:t>존재하는 자원에 대해 변경하는 </a:t>
+            </a:r>
+            <a:r>
+              <a:rPr lang="en-US" altLang="ko-KR" b="0" i="0" dirty="0">
+                <a:solidFill>
+                  <a:srgbClr val="E6EDF3"/>
+                </a:solidFill>
+                <a:effectLst/>
+                <a:latin typeface="-apple-system"/>
+              </a:rPr>
+              <a:t>put </a:t>
+            </a:r>
+          </a:p>
+          <a:p>
+            <a:r>
+              <a:rPr lang="ko-KR" altLang="en-US" b="0" i="0" dirty="0">
+                <a:solidFill>
+                  <a:srgbClr val="E6EDF3"/>
+                </a:solidFill>
+                <a:effectLst/>
+                <a:latin typeface="-apple-system"/>
+              </a:rPr>
+              <a:t>존재하는 자원에 대해 삭제하는 </a:t>
+            </a:r>
+            <a:r>
+              <a:rPr lang="en-US" altLang="ko-KR" b="0" i="0" dirty="0">
+                <a:solidFill>
+                  <a:srgbClr val="E6EDF3"/>
+                </a:solidFill>
+                <a:effectLst/>
+                <a:latin typeface="-apple-system"/>
+              </a:rPr>
+              <a:t>delete</a:t>
+            </a:r>
+            <a:r>
+              <a:rPr lang="ko-KR" altLang="en-US" b="0" i="0" dirty="0">
+                <a:solidFill>
+                  <a:srgbClr val="E6EDF3"/>
+                </a:solidFill>
+                <a:effectLst/>
+                <a:latin typeface="-apple-system"/>
+              </a:rPr>
+              <a:t>가 있습니다</a:t>
+            </a:r>
+            <a:endParaRPr lang="en-US" altLang="ko-KR" b="0" i="0" dirty="0">
+              <a:solidFill>
+                <a:srgbClr val="E6EDF3"/>
+              </a:solidFill>
+              <a:effectLst/>
+              <a:latin typeface="-apple-system"/>
+            </a:endParaRPr>
+          </a:p>
+          <a:p>
             <a:endParaRPr lang="en-US" altLang="ko-KR" b="0" i="0" dirty="0">
               <a:solidFill>
                 <a:srgbClr val="E6EDF3"/>
@@ -2772,7 +2500,7 @@
               <a:pPr lvl="0">
                 <a:defRPr/>
               </a:pPr>
-              <a:t>18</a:t>
+              <a:t>17</a:t>
             </a:fld>
             <a:endParaRPr lang="ko-KR" altLang="en-US"/>
           </a:p>
@@ -2781,7 +2509,7 @@
     </p:spTree>
     <p:extLst>
       <p:ext uri="{BB962C8B-B14F-4D97-AF65-F5344CB8AC3E}">
-        <p14:creationId xmlns:p14="http://schemas.microsoft.com/office/powerpoint/2010/main" val="3683973089"/>
+        <p14:creationId xmlns:p14="http://schemas.microsoft.com/office/powerpoint/2010/main" val="1327710896"/>
       </p:ext>
     </p:extLst>
   </p:cSld>
@@ -2836,6 +2564,136 @@
           <a:lstStyle/>
           <a:p>
             <a:r>
+              <a:rPr lang="en-US" altLang="ko-KR" b="0" i="0" dirty="0">
+                <a:solidFill>
+                  <a:srgbClr val="E6EDF3"/>
+                </a:solidFill>
+                <a:effectLst/>
+                <a:latin typeface="-apple-system"/>
+              </a:rPr>
+              <a:t>Get</a:t>
+            </a:r>
+            <a:r>
+              <a:rPr lang="ko-KR" altLang="en-US" b="0" i="0" dirty="0">
+                <a:solidFill>
+                  <a:srgbClr val="E6EDF3"/>
+                </a:solidFill>
+                <a:effectLst/>
+                <a:latin typeface="-apple-system"/>
+              </a:rPr>
+              <a:t>같은 경우 </a:t>
+            </a:r>
+            <a:r>
+              <a:rPr lang="ko-KR" altLang="en-US" dirty="0"/>
+              <a:t>어떠한 데이터를 서버로 부터 받아</a:t>
+            </a:r>
+            <a:r>
+              <a:rPr lang="en-US" altLang="ko-KR" dirty="0"/>
+              <a:t>(GET)</a:t>
+            </a:r>
+            <a:r>
+              <a:rPr lang="ko-KR" altLang="en-US" dirty="0"/>
+              <a:t>올 때 혹은 </a:t>
+            </a:r>
+            <a:r>
+              <a:rPr lang="ko-KR" altLang="en-US" dirty="0" err="1"/>
+              <a:t>조회할때</a:t>
+            </a:r>
+            <a:r>
+              <a:rPr lang="en-US" altLang="ko-KR" dirty="0"/>
+              <a:t> </a:t>
+            </a:r>
+            <a:r>
+              <a:rPr lang="ko-KR" altLang="en-US" dirty="0"/>
+              <a:t>주로 사용하는 메서드입니다</a:t>
+            </a:r>
+            <a:endParaRPr lang="en-US" altLang="ko-KR" dirty="0"/>
+          </a:p>
+          <a:p>
+            <a:r>
+              <a:rPr lang="ko-KR" altLang="en-US" dirty="0"/>
+              <a:t>데이터 생성</a:t>
+            </a:r>
+            <a:r>
+              <a:rPr lang="en-US" altLang="ko-KR" dirty="0"/>
+              <a:t>/</a:t>
+            </a:r>
+            <a:r>
+              <a:rPr lang="ko-KR" altLang="en-US" dirty="0"/>
+              <a:t>수정</a:t>
+            </a:r>
+            <a:r>
+              <a:rPr lang="en-US" altLang="ko-KR" dirty="0"/>
+              <a:t>/</a:t>
+            </a:r>
+            <a:r>
+              <a:rPr lang="ko-KR" altLang="en-US" dirty="0"/>
+              <a:t>삭제 없이 받아 오기만 할 때 사용되므로 위의 메시지 구조에서 바디 부분에 데이터가 있던 이유도 </a:t>
+            </a:r>
+            <a:endParaRPr lang="en-US" altLang="ko-KR" dirty="0"/>
+          </a:p>
+          <a:p>
+            <a:r>
+              <a:rPr lang="en-US" altLang="ko-KR" dirty="0"/>
+              <a:t>get </a:t>
+            </a:r>
+            <a:r>
+              <a:rPr lang="ko-KR" altLang="en-US" dirty="0"/>
+              <a:t>메서드를 이용해서 요청을 했기 때문입니다</a:t>
+            </a:r>
+            <a:r>
+              <a:rPr lang="en-US" altLang="ko-KR" dirty="0"/>
+              <a:t>.</a:t>
+            </a:r>
+          </a:p>
+          <a:p>
+            <a:r>
+              <a:rPr lang="ko-KR" altLang="en-US" b="0" i="0" dirty="0">
+                <a:solidFill>
+                  <a:srgbClr val="E6EDF3"/>
+                </a:solidFill>
+                <a:effectLst/>
+                <a:latin typeface="-apple-system"/>
+              </a:rPr>
+              <a:t>메시지 바디를 사용해서 데이터를 전달할 수 있긴 하지만</a:t>
+            </a:r>
+            <a:r>
+              <a:rPr lang="en-US" altLang="ko-KR" b="0" i="0" dirty="0">
+                <a:solidFill>
+                  <a:srgbClr val="E6EDF3"/>
+                </a:solidFill>
+                <a:effectLst/>
+                <a:latin typeface="-apple-system"/>
+              </a:rPr>
+              <a:t>, </a:t>
+            </a:r>
+            <a:r>
+              <a:rPr lang="ko-KR" altLang="en-US" b="0" i="0" dirty="0">
+                <a:solidFill>
+                  <a:srgbClr val="E6EDF3"/>
+                </a:solidFill>
+                <a:effectLst/>
+                <a:latin typeface="-apple-system"/>
+              </a:rPr>
+              <a:t> 지원하지 않는 곳이 많아서 보통 메시지 바디를 사용하지 않습니다</a:t>
+            </a:r>
+            <a:r>
+              <a:rPr lang="en-US" altLang="ko-KR" b="0" i="0" dirty="0">
+                <a:solidFill>
+                  <a:srgbClr val="E6EDF3"/>
+                </a:solidFill>
+                <a:effectLst/>
+                <a:latin typeface="-apple-system"/>
+              </a:rPr>
+              <a:t>.</a:t>
+            </a:r>
+            <a:endParaRPr lang="en-US" altLang="ko-KR" dirty="0"/>
+          </a:p>
+          <a:p>
+            <a:endParaRPr lang="en-US" altLang="ko-KR" dirty="0"/>
+          </a:p>
+          <a:p>
+            <a:r>
               <a:rPr lang="en-US" altLang="ko-KR" dirty="0"/>
               <a:t>Post</a:t>
             </a:r>
@@ -2857,14 +2715,12 @@
             </a:r>
             <a:r>
               <a:rPr lang="ko-KR" altLang="en-US" dirty="0"/>
-              <a:t>삭제 할 때 주로 사용되는 메서드 이므로 데이터를 실어 날라야 합니다</a:t>
+              <a:t>삭제 할 때 주로 사용되는 메서드 이므로 데이터를 실어 날라야 한다</a:t>
             </a:r>
             <a:r>
               <a:rPr lang="en-US" altLang="ko-KR" dirty="0"/>
               <a:t>. </a:t>
             </a:r>
-          </a:p>
-          <a:p>
             <a:r>
               <a:rPr lang="ko-KR" altLang="en-US" dirty="0"/>
               <a:t>바로 전 </a:t>
@@ -2891,12 +2747,143 @@
             </a:r>
             <a:r>
               <a:rPr lang="ko-KR" altLang="en-US" dirty="0"/>
-              <a:t>메서드를 이용한 요청을 했기 때문입니다</a:t>
+              <a:t>메서드를 이용한 요청을 했기 때문이다</a:t>
             </a:r>
             <a:r>
               <a:rPr lang="en-US" altLang="ko-KR" dirty="0"/>
               <a:t>.</a:t>
             </a:r>
+          </a:p>
+          <a:p>
+            <a:endParaRPr lang="en-US" altLang="ko-KR" dirty="0"/>
+          </a:p>
+          <a:p>
+            <a:pPr marL="0" marR="0" lvl="0" indent="0" algn="l" defTabSz="914400" rtl="0" eaLnBrk="1" fontAlgn="auto" latinLnBrk="1" hangingPunct="1">
+              <a:lnSpc>
+                <a:spcPct val="100000"/>
+              </a:lnSpc>
+              <a:spcBef>
+                <a:spcPts val="0"/>
+              </a:spcBef>
+              <a:spcAft>
+                <a:spcPts val="0"/>
+              </a:spcAft>
+              <a:buClrTx/>
+              <a:buSzTx/>
+              <a:buFontTx/>
+              <a:buNone/>
+              <a:tabLst/>
+              <a:defRPr/>
+            </a:pPr>
+            <a:r>
+              <a:rPr lang="en-US" altLang="ko-KR" dirty="0"/>
+              <a:t>Put</a:t>
+            </a:r>
+            <a:r>
+              <a:rPr lang="ko-KR" altLang="en-US" dirty="0"/>
+              <a:t>은 </a:t>
+            </a:r>
+            <a:r>
+              <a:rPr lang="en-US" altLang="ko-KR" dirty="0"/>
+              <a:t>Post</a:t>
+            </a:r>
+            <a:r>
+              <a:rPr lang="ko-KR" altLang="en-US" dirty="0"/>
+              <a:t>와 비슷하지만 데이터를 생성할 때만 사용되는 메서드이다</a:t>
+            </a:r>
+            <a:r>
+              <a:rPr lang="en-US" altLang="ko-KR" dirty="0"/>
+              <a:t>. Post</a:t>
+            </a:r>
+            <a:r>
+              <a:rPr lang="ko-KR" altLang="en-US" dirty="0"/>
+              <a:t>에 밀려서 잘 사용하지는 않는다</a:t>
+            </a:r>
+            <a:r>
+              <a:rPr lang="en-US" altLang="ko-KR" dirty="0"/>
+              <a:t>.</a:t>
+            </a:r>
+            <a:endParaRPr lang="en-US" altLang="ko-KR" b="0" i="0" dirty="0">
+              <a:solidFill>
+                <a:srgbClr val="E6EDF3"/>
+              </a:solidFill>
+              <a:effectLst/>
+              <a:latin typeface="-apple-system"/>
+            </a:endParaRPr>
+          </a:p>
+          <a:p>
+            <a:endParaRPr lang="en-US" altLang="ko-KR" dirty="0"/>
+          </a:p>
+          <a:p>
+            <a:endParaRPr lang="en-US" altLang="ko-KR" b="0" i="0" dirty="0">
+              <a:solidFill>
+                <a:srgbClr val="E6EDF3"/>
+              </a:solidFill>
+              <a:effectLst/>
+              <a:latin typeface="-apple-system"/>
+            </a:endParaRPr>
+          </a:p>
+          <a:p>
+            <a:r>
+              <a:rPr lang="en-US" altLang="ko-KR" b="0" i="0" dirty="0">
+                <a:solidFill>
+                  <a:srgbClr val="E6EDF3"/>
+                </a:solidFill>
+                <a:effectLst/>
+                <a:latin typeface="-apple-system"/>
+              </a:rPr>
+              <a:t>Delete</a:t>
+            </a:r>
+            <a:r>
+              <a:rPr lang="ko-KR" altLang="en-US" b="0" i="0" dirty="0">
+                <a:solidFill>
+                  <a:srgbClr val="E6EDF3"/>
+                </a:solidFill>
+                <a:effectLst/>
+                <a:latin typeface="-apple-system"/>
+              </a:rPr>
+              <a:t>는 </a:t>
+            </a:r>
+            <a:r>
+              <a:rPr lang="ko-KR" altLang="en-US" dirty="0"/>
+              <a:t>특정 데이터를 서버에서 삭제 요청을 보낼 때만 쓰이는 메서드이다</a:t>
+            </a:r>
+            <a:r>
+              <a:rPr lang="en-US" altLang="ko-KR" dirty="0"/>
+              <a:t>. </a:t>
+            </a:r>
+            <a:r>
+              <a:rPr lang="ko-KR" altLang="en-US" dirty="0"/>
+              <a:t>얘 또한</a:t>
+            </a:r>
+            <a:r>
+              <a:rPr lang="en-US" altLang="ko-KR" dirty="0"/>
+              <a:t> Post</a:t>
+            </a:r>
+            <a:r>
+              <a:rPr lang="ko-KR" altLang="en-US" dirty="0"/>
+              <a:t>에 밀려서 잘 사용하지는 않는다</a:t>
+            </a:r>
+            <a:r>
+              <a:rPr lang="en-US" altLang="ko-KR" dirty="0"/>
+              <a:t>.</a:t>
+            </a:r>
+            <a:endParaRPr lang="en-US" altLang="ko-KR" b="0" i="0" dirty="0">
+              <a:solidFill>
+                <a:srgbClr val="E6EDF3"/>
+              </a:solidFill>
+              <a:effectLst/>
+              <a:latin typeface="-apple-system"/>
+            </a:endParaRPr>
+          </a:p>
+          <a:p>
+            <a:endParaRPr lang="en-US" altLang="ko-KR" b="0" i="0" dirty="0">
+              <a:solidFill>
+                <a:srgbClr val="E6EDF3"/>
+              </a:solidFill>
+              <a:effectLst/>
+              <a:latin typeface="-apple-system"/>
+            </a:endParaRPr>
           </a:p>
         </p:txBody>
       </p:sp>
@@ -2923,7 +2910,7 @@
               <a:pPr lvl="0">
                 <a:defRPr/>
               </a:pPr>
-              <a:t>19</a:t>
+              <a:t>18</a:t>
             </a:fld>
             <a:endParaRPr lang="ko-KR" altLang="en-US"/>
           </a:p>
@@ -2932,7 +2919,7 @@
     </p:spTree>
     <p:extLst>
       <p:ext uri="{BB962C8B-B14F-4D97-AF65-F5344CB8AC3E}">
-        <p14:creationId xmlns:p14="http://schemas.microsoft.com/office/powerpoint/2010/main" val="3395829838"/>
+        <p14:creationId xmlns:p14="http://schemas.microsoft.com/office/powerpoint/2010/main" val="3683973089"/>
       </p:ext>
     </p:extLst>
   </p:cSld>
@@ -2986,66 +2973,68 @@
           <a:bodyPr/>
           <a:lstStyle/>
           <a:p>
-            <a:pPr marL="0" marR="0" lvl="0" indent="0" algn="l" defTabSz="914400" rtl="0" eaLnBrk="1" fontAlgn="auto" latinLnBrk="1" hangingPunct="1">
-              <a:lnSpc>
-                <a:spcPct val="100000"/>
-              </a:lnSpc>
-              <a:spcBef>
-                <a:spcPts val="0"/>
-              </a:spcBef>
-              <a:spcAft>
-                <a:spcPts val="0"/>
-              </a:spcAft>
-              <a:buClrTx/>
-              <a:buSzTx/>
-              <a:buFontTx/>
-              <a:buNone/>
-              <a:tabLst/>
-              <a:defRPr/>
-            </a:pPr>
-            <a:r>
-              <a:rPr lang="en-US" altLang="ko-KR" dirty="0"/>
-              <a:t>Put</a:t>
-            </a:r>
-            <a:r>
-              <a:rPr lang="ko-KR" altLang="en-US" dirty="0"/>
-              <a:t>은 </a:t>
-            </a:r>
             <a:r>
               <a:rPr lang="en-US" altLang="ko-KR" dirty="0"/>
               <a:t>Post</a:t>
             </a:r>
             <a:r>
               <a:rPr lang="ko-KR" altLang="en-US" dirty="0"/>
-              <a:t>와 비슷하지만 데이터를 생성할 때만 사용되는 메서드입니다</a:t>
+              <a:t> 같은 경우 데이터를 생성</a:t>
             </a:r>
             <a:r>
               <a:rPr lang="en-US" altLang="ko-KR" dirty="0"/>
-              <a:t>. Post</a:t>
+              <a:t>/</a:t>
             </a:r>
             <a:r>
               <a:rPr lang="ko-KR" altLang="en-US" dirty="0"/>
-              <a:t>에 밀려서 잘 사용하지는 않는다고 합니다</a:t>
-            </a:r>
-            <a:endParaRPr lang="en-US" altLang="ko-KR" dirty="0"/>
-          </a:p>
-          <a:p>
-            <a:endParaRPr lang="en-US" altLang="ko-KR" b="0" i="0" dirty="0">
-              <a:solidFill>
-                <a:srgbClr val="E6EDF3"/>
-              </a:solidFill>
-              <a:effectLst/>
-              <a:latin typeface="-apple-system"/>
-            </a:endParaRPr>
-          </a:p>
-          <a:p>
-            <a:endParaRPr lang="en-US" altLang="ko-KR" b="0" i="0" dirty="0">
-              <a:solidFill>
-                <a:srgbClr val="E6EDF3"/>
-              </a:solidFill>
-              <a:effectLst/>
-              <a:latin typeface="-apple-system"/>
-            </a:endParaRPr>
+              <a:t>수정</a:t>
+            </a:r>
+            <a:r>
+              <a:rPr lang="en-US" altLang="ko-KR" dirty="0"/>
+              <a:t>/</a:t>
+            </a:r>
+            <a:r>
+              <a:rPr lang="ko-KR" altLang="en-US" dirty="0"/>
+              <a:t>삭제 할 때 주로 사용되는 메서드 이므로 데이터를 실어 날라야 합니다</a:t>
+            </a:r>
+            <a:r>
+              <a:rPr lang="en-US" altLang="ko-KR" dirty="0"/>
+              <a:t>. </a:t>
+            </a:r>
+          </a:p>
+          <a:p>
+            <a:r>
+              <a:rPr lang="ko-KR" altLang="en-US" dirty="0"/>
+              <a:t>바로 전 </a:t>
+            </a:r>
+            <a:r>
+              <a:rPr lang="en-US" altLang="ko-KR" dirty="0"/>
+              <a:t>ppt</a:t>
+            </a:r>
+            <a:r>
+              <a:rPr lang="ko-KR" altLang="en-US" dirty="0"/>
+              <a:t> 요청</a:t>
+            </a:r>
+            <a:r>
+              <a:rPr lang="en-US" altLang="ko-KR" dirty="0"/>
+              <a:t> </a:t>
+            </a:r>
+            <a:r>
+              <a:rPr lang="ko-KR" altLang="en-US" dirty="0"/>
+              <a:t>메시지의 바디 부분에 데이터가 담겨있던 이유도 </a:t>
+            </a:r>
+            <a:r>
+              <a:rPr lang="en-US" altLang="ko-KR" dirty="0"/>
+              <a:t>Post</a:t>
+            </a:r>
+            <a:r>
+              <a:rPr lang="ko-KR" altLang="en-US" dirty="0"/>
+              <a:t>메서드를 이용한 요청을 했기 때문입니다</a:t>
+            </a:r>
+            <a:r>
+              <a:rPr lang="en-US" altLang="ko-KR" dirty="0"/>
+              <a:t>.</a:t>
+            </a:r>
           </a:p>
         </p:txBody>
       </p:sp>
@@ -3072,7 +3061,7 @@
               <a:pPr lvl="0">
                 <a:defRPr/>
               </a:pPr>
-              <a:t>20</a:t>
+              <a:t>19</a:t>
             </a:fld>
             <a:endParaRPr lang="ko-KR" altLang="en-US"/>
           </a:p>
@@ -3081,7 +3070,7 @@
     </p:spTree>
     <p:extLst>
       <p:ext uri="{BB962C8B-B14F-4D97-AF65-F5344CB8AC3E}">
-        <p14:creationId xmlns:p14="http://schemas.microsoft.com/office/powerpoint/2010/main" val="332268727"/>
+        <p14:creationId xmlns:p14="http://schemas.microsoft.com/office/powerpoint/2010/main" val="3395829838"/>
       </p:ext>
     </p:extLst>
   </p:cSld>
@@ -3135,69 +3124,6 @@
           <a:bodyPr/>
           <a:lstStyle/>
           <a:p>
-            <a:r>
-              <a:rPr lang="ko-KR" altLang="en-US" dirty="0"/>
-              <a:t>한국어로 대화하기 위해서는 문법과 발음</a:t>
-            </a:r>
-            <a:r>
-              <a:rPr lang="en-US" altLang="ko-KR" dirty="0"/>
-              <a:t>, </a:t>
-            </a:r>
-            <a:r>
-              <a:rPr lang="ko-KR" altLang="en-US" dirty="0"/>
-              <a:t>표기를 알아야 다른 사람과 한국어로 대화 할 수 있듯이</a:t>
-            </a:r>
-            <a:endParaRPr lang="en-US" altLang="ko-KR" dirty="0"/>
-          </a:p>
-          <a:p>
-            <a:r>
-              <a:rPr lang="ko-KR" altLang="en-US" dirty="0"/>
-              <a:t>프로토콜이란 컴퓨터 내부에서</a:t>
-            </a:r>
-            <a:r>
-              <a:rPr lang="en-US" altLang="ko-KR" dirty="0"/>
-              <a:t>, </a:t>
-            </a:r>
-            <a:r>
-              <a:rPr lang="ko-KR" altLang="en-US" dirty="0"/>
-              <a:t>혹은 컴퓨터 사이에서 데이터를 교환하기 위한 규칙체계</a:t>
-            </a:r>
-            <a:r>
-              <a:rPr lang="en-US" altLang="ko-KR" dirty="0"/>
-              <a:t>(=</a:t>
-            </a:r>
-            <a:r>
-              <a:rPr lang="ko-KR" altLang="en-US" dirty="0"/>
-              <a:t>한국어의 문법</a:t>
-            </a:r>
-            <a:r>
-              <a:rPr lang="en-US" altLang="ko-KR" dirty="0"/>
-              <a:t>, </a:t>
-            </a:r>
-            <a:r>
-              <a:rPr lang="ko-KR" altLang="en-US" dirty="0"/>
-              <a:t>발음</a:t>
-            </a:r>
-            <a:r>
-              <a:rPr lang="en-US" altLang="ko-KR" dirty="0"/>
-              <a:t>, </a:t>
-            </a:r>
-            <a:r>
-              <a:rPr lang="ko-KR" altLang="en-US" dirty="0"/>
-              <a:t>표기와 같은 것</a:t>
-            </a:r>
-            <a:r>
-              <a:rPr lang="en-US" altLang="ko-KR" dirty="0"/>
-              <a:t>!)</a:t>
-            </a:r>
-            <a:r>
-              <a:rPr lang="ko-KR" altLang="en-US" dirty="0"/>
-              <a:t>이다</a:t>
-            </a:r>
-            <a:r>
-              <a:rPr lang="en-US" altLang="ko-KR" dirty="0"/>
-              <a:t>.</a:t>
-            </a:r>
             <a:endParaRPr lang="ko-KR" altLang="en-US" dirty="0"/>
           </a:p>
         </p:txBody>
@@ -3225,7 +3151,7 @@
               <a:pPr lvl="0">
                 <a:defRPr/>
               </a:pPr>
-              <a:t>3</a:t>
+              <a:t>2</a:t>
             </a:fld>
             <a:endParaRPr lang="ko-KR" altLang="en-US"/>
           </a:p>
@@ -3234,7 +3160,7 @@
     </p:spTree>
     <p:extLst>
       <p:ext uri="{BB962C8B-B14F-4D97-AF65-F5344CB8AC3E}">
-        <p14:creationId xmlns:p14="http://schemas.microsoft.com/office/powerpoint/2010/main" val="695678582"/>
+        <p14:creationId xmlns:p14="http://schemas.microsoft.com/office/powerpoint/2010/main" val="442779876"/>
       </p:ext>
     </p:extLst>
   </p:cSld>
@@ -3288,80 +3214,57 @@
           <a:bodyPr/>
           <a:lstStyle/>
           <a:p>
-            <a:r>
-              <a:rPr lang="en-US" altLang="ko-KR" b="0" i="0" dirty="0">
-                <a:solidFill>
-                  <a:srgbClr val="E6EDF3"/>
-                </a:solidFill>
-                <a:effectLst/>
-                <a:latin typeface="-apple-system"/>
-              </a:rPr>
-              <a:t>Delete</a:t>
-            </a:r>
-            <a:r>
-              <a:rPr lang="ko-KR" altLang="en-US" b="0" i="0" dirty="0">
-                <a:solidFill>
-                  <a:srgbClr val="E6EDF3"/>
-                </a:solidFill>
-                <a:effectLst/>
-                <a:latin typeface="-apple-system"/>
-              </a:rPr>
-              <a:t>는 </a:t>
+            <a:pPr marL="0" marR="0" lvl="0" indent="0" algn="l" defTabSz="914400" rtl="0" eaLnBrk="1" fontAlgn="auto" latinLnBrk="1" hangingPunct="1">
+              <a:lnSpc>
+                <a:spcPct val="100000"/>
+              </a:lnSpc>
+              <a:spcBef>
+                <a:spcPts val="0"/>
+              </a:spcBef>
+              <a:spcAft>
+                <a:spcPts val="0"/>
+              </a:spcAft>
+              <a:buClrTx/>
+              <a:buSzTx/>
+              <a:buFontTx/>
+              <a:buNone/>
+              <a:tabLst/>
+              <a:defRPr/>
+            </a:pPr>
+            <a:r>
+              <a:rPr lang="en-US" altLang="ko-KR" dirty="0"/>
+              <a:t>Put</a:t>
             </a:r>
             <a:r>
               <a:rPr lang="ko-KR" altLang="en-US" dirty="0"/>
-              <a:t>특정 데이터를 서버에서 삭제 요청을 보낼 때만 쓰이는 메서드입니다</a:t>
+              <a:t>은 </a:t>
             </a:r>
             <a:r>
               <a:rPr lang="en-US" altLang="ko-KR" dirty="0"/>
-              <a:t>. </a:t>
+              <a:t>Post</a:t>
             </a:r>
             <a:r>
               <a:rPr lang="ko-KR" altLang="en-US" dirty="0"/>
-              <a:t>이것 또한</a:t>
+              <a:t>와 비슷하지만 데이터를 생성할 때만 사용되는 메서드입니다</a:t>
             </a:r>
             <a:r>
               <a:rPr lang="en-US" altLang="ko-KR" dirty="0"/>
-              <a:t> Post</a:t>
+              <a:t>. Post</a:t>
             </a:r>
             <a:r>
               <a:rPr lang="ko-KR" altLang="en-US" dirty="0"/>
-              <a:t>에 밀려서 잘 사용하지는 않는다</a:t>
-            </a:r>
-            <a:r>
-              <a:rPr lang="en-US" altLang="ko-KR" dirty="0"/>
-              <a:t>.</a:t>
-            </a:r>
-          </a:p>
-          <a:p>
-            <a:r>
-              <a:rPr lang="en-US" altLang="ko-KR" dirty="0"/>
-              <a:t>PATH</a:t>
-            </a:r>
-            <a:r>
-              <a:rPr lang="ko-KR" altLang="en-US" dirty="0"/>
-              <a:t>또한 </a:t>
-            </a:r>
-            <a:r>
-              <a:rPr lang="en-US" altLang="ko-KR" dirty="0"/>
-              <a:t>put</a:t>
-            </a:r>
-            <a:r>
-              <a:rPr lang="ko-KR" altLang="en-US" dirty="0"/>
-              <a:t>처럼 변경 가능한 리소스의 부분 업데이트에 사용됩니다 하지만 </a:t>
-            </a:r>
-            <a:r>
-              <a:rPr lang="en-US" altLang="ko-KR" dirty="0"/>
-              <a:t>PUT</a:t>
-            </a:r>
-            <a:r>
-              <a:rPr lang="ko-KR" altLang="en-US" dirty="0"/>
-              <a:t>에서 밀려서 잘 사용하지 않는다고 합니다</a:t>
-            </a:r>
-            <a:r>
-              <a:rPr lang="en-US" altLang="ko-KR" dirty="0"/>
-              <a:t>.</a:t>
-            </a:r>
+              <a:t>에 밀려서 잘 사용하지는 않는다고 합니다</a:t>
+            </a:r>
+            <a:endParaRPr lang="en-US" altLang="ko-KR" dirty="0"/>
+          </a:p>
+          <a:p>
+            <a:endParaRPr lang="en-US" altLang="ko-KR" b="0" i="0" dirty="0">
+              <a:solidFill>
+                <a:srgbClr val="E6EDF3"/>
+              </a:solidFill>
+              <a:effectLst/>
+              <a:latin typeface="-apple-system"/>
+            </a:endParaRPr>
           </a:p>
           <a:p>
             <a:endParaRPr lang="en-US" altLang="ko-KR" b="0" i="0" dirty="0">
@@ -3397,7 +3300,7 @@
               <a:pPr lvl="0">
                 <a:defRPr/>
               </a:pPr>
-              <a:t>21</a:t>
+              <a:t>20</a:t>
             </a:fld>
             <a:endParaRPr lang="ko-KR" altLang="en-US"/>
           </a:p>
@@ -3406,7 +3309,7 @@
     </p:spTree>
     <p:extLst>
       <p:ext uri="{BB962C8B-B14F-4D97-AF65-F5344CB8AC3E}">
-        <p14:creationId xmlns:p14="http://schemas.microsoft.com/office/powerpoint/2010/main" val="2225730845"/>
+        <p14:creationId xmlns:p14="http://schemas.microsoft.com/office/powerpoint/2010/main" val="332268727"/>
       </p:ext>
     </p:extLst>
   </p:cSld>
@@ -3461,113 +3364,88 @@
           <a:lstStyle/>
           <a:p>
             <a:r>
+              <a:rPr lang="en-US" altLang="ko-KR" b="0" i="0" dirty="0">
+                <a:solidFill>
+                  <a:srgbClr val="E6EDF3"/>
+                </a:solidFill>
+                <a:effectLst/>
+                <a:latin typeface="-apple-system"/>
+              </a:rPr>
+              <a:t>Delete</a:t>
+            </a:r>
+            <a:r>
+              <a:rPr lang="ko-KR" altLang="en-US" b="0" i="0" dirty="0">
+                <a:solidFill>
+                  <a:srgbClr val="E6EDF3"/>
+                </a:solidFill>
+                <a:effectLst/>
+                <a:latin typeface="-apple-system"/>
+              </a:rPr>
+              <a:t>는 </a:t>
+            </a:r>
+            <a:r>
               <a:rPr lang="ko-KR" altLang="en-US" dirty="0"/>
-              <a:t>다음으로는 </a:t>
+              <a:t>특정 데이터를 서버에서 삭제 요청을 보낼 때만 쓰이는 메서드입니다</a:t>
             </a:r>
             <a:r>
               <a:rPr lang="en-US" altLang="ko-KR" dirty="0"/>
-              <a:t>HTTP</a:t>
+              <a:t>. </a:t>
             </a:r>
             <a:r>
               <a:rPr lang="ko-KR" altLang="en-US" dirty="0"/>
-              <a:t>의 </a:t>
-            </a:r>
-            <a:r>
-              <a:rPr lang="ko-KR" altLang="en-US" dirty="0" err="1"/>
-              <a:t>상태코드입니다</a:t>
+              <a:t>이것 또한</a:t>
+            </a:r>
+            <a:r>
+              <a:rPr lang="en-US" altLang="ko-KR" dirty="0"/>
+              <a:t> Post</a:t>
             </a:r>
             <a:r>
               <a:rPr lang="ko-KR" altLang="en-US" dirty="0"/>
-              <a:t> 아마 성공은 말 그대로 성공이기 때문에 </a:t>
-            </a:r>
-            <a:endParaRPr lang="en-US" altLang="ko-KR" dirty="0"/>
-          </a:p>
-          <a:p>
+              <a:t>에 밀려서 잘 사용하지는 않는다</a:t>
+            </a:r>
+            <a:r>
+              <a:rPr lang="en-US" altLang="ko-KR" dirty="0"/>
+              <a:t>.</a:t>
+            </a:r>
+          </a:p>
+          <a:p>
+            <a:r>
+              <a:rPr lang="en-US" altLang="ko-KR" dirty="0"/>
+              <a:t>PATH</a:t>
+            </a:r>
             <a:r>
               <a:rPr lang="ko-KR" altLang="en-US" dirty="0"/>
-              <a:t>원래 사용하려던 창을 사용하느라 다들 </a:t>
-            </a:r>
-            <a:r>
-              <a:rPr lang="ko-KR" altLang="en-US" dirty="0" err="1"/>
-              <a:t>주의깊게</a:t>
+              <a:t>또한 </a:t>
+            </a:r>
+            <a:r>
+              <a:rPr lang="en-US" altLang="ko-KR" dirty="0"/>
+              <a:t>put</a:t>
             </a:r>
             <a:r>
               <a:rPr lang="ko-KR" altLang="en-US" dirty="0"/>
-              <a:t> 보실 일이 없어서 잘 </a:t>
-            </a:r>
-            <a:r>
-              <a:rPr lang="ko-KR" altLang="en-US" dirty="0" err="1"/>
-              <a:t>모르실거라고</a:t>
+              <a:t>처럼 변경 가능한 리소스의 부분 업데이트에 사용됩니다 하지만 </a:t>
+            </a:r>
+            <a:r>
+              <a:rPr lang="en-US" altLang="ko-KR" dirty="0"/>
+              <a:t>PUT</a:t>
             </a:r>
             <a:r>
               <a:rPr lang="ko-KR" altLang="en-US" dirty="0"/>
-              <a:t> 생각하지만</a:t>
-            </a:r>
-            <a:endParaRPr lang="en-US" altLang="ko-KR" dirty="0"/>
-          </a:p>
-          <a:p>
-            <a:r>
-              <a:rPr lang="ko-KR" altLang="en-US" dirty="0"/>
-              <a:t>주로 </a:t>
+              <a:t>에서 밀려서 잘 사용하지 않는다고 합니다</a:t>
             </a:r>
             <a:r>
               <a:rPr lang="en-US" altLang="ko-KR" dirty="0"/>
-              <a:t>200</a:t>
-            </a:r>
-            <a:r>
-              <a:rPr lang="ko-KR" altLang="en-US" dirty="0" err="1"/>
-              <a:t>번대에</a:t>
-            </a:r>
-            <a:r>
-              <a:rPr lang="ko-KR" altLang="en-US" dirty="0"/>
-              <a:t> 성공에 대한 상태코드들이 </a:t>
-            </a:r>
-            <a:r>
-              <a:rPr lang="ko-KR" altLang="en-US" dirty="0" err="1"/>
-              <a:t>있구요</a:t>
-            </a:r>
-            <a:r>
-              <a:rPr lang="ko-KR" altLang="en-US" dirty="0"/>
-              <a:t> 보시는 것처럼 </a:t>
-            </a:r>
-            <a:r>
-              <a:rPr lang="en-US" altLang="ko-KR" dirty="0"/>
-              <a:t>200 </a:t>
-            </a:r>
-            <a:r>
-              <a:rPr lang="ko-KR" altLang="en-US" dirty="0"/>
-              <a:t>성공</a:t>
-            </a:r>
-            <a:endParaRPr lang="en-US" altLang="ko-KR" dirty="0"/>
-          </a:p>
-          <a:p>
-            <a:r>
-              <a:rPr lang="en-US" altLang="ko-KR" dirty="0"/>
-              <a:t>201 </a:t>
-            </a:r>
-            <a:r>
-              <a:rPr lang="ko-KR" altLang="en-US" dirty="0"/>
-              <a:t>요청이 성공했고 새로운 리소스가 생성됨 </a:t>
-            </a:r>
-            <a:r>
-              <a:rPr lang="en-US" altLang="ko-KR" dirty="0"/>
-              <a:t>202 </a:t>
-            </a:r>
-            <a:r>
-              <a:rPr lang="ko-KR" altLang="en-US" dirty="0"/>
-              <a:t>요청을 받았으나 아직 처리하진 않음</a:t>
-            </a:r>
-            <a:endParaRPr lang="en-US" altLang="ko-KR" dirty="0"/>
-          </a:p>
-          <a:p>
-            <a:r>
-              <a:rPr lang="ko-KR" altLang="en-US" dirty="0"/>
-              <a:t>등등이 있습니다</a:t>
-            </a:r>
-            <a:endParaRPr lang="en-US" altLang="ko-KR" dirty="0"/>
-          </a:p>
-          <a:p>
-            <a:endParaRPr lang="ko-KR" altLang="en-US" dirty="0"/>
+              <a:t>.</a:t>
+            </a:r>
+          </a:p>
+          <a:p>
+            <a:endParaRPr lang="en-US" altLang="ko-KR" b="0" i="0" dirty="0">
+              <a:solidFill>
+                <a:srgbClr val="E6EDF3"/>
+              </a:solidFill>
+              <a:effectLst/>
+              <a:latin typeface="-apple-system"/>
+            </a:endParaRPr>
           </a:p>
         </p:txBody>
       </p:sp>
@@ -3594,7 +3472,7 @@
               <a:pPr lvl="0">
                 <a:defRPr/>
               </a:pPr>
-              <a:t>22</a:t>
+              <a:t>21</a:t>
             </a:fld>
             <a:endParaRPr lang="ko-KR" altLang="en-US"/>
           </a:p>
@@ -3603,7 +3481,7 @@
     </p:spTree>
     <p:extLst>
       <p:ext uri="{BB962C8B-B14F-4D97-AF65-F5344CB8AC3E}">
-        <p14:creationId xmlns:p14="http://schemas.microsoft.com/office/powerpoint/2010/main" val="629798379"/>
+        <p14:creationId xmlns:p14="http://schemas.microsoft.com/office/powerpoint/2010/main" val="2225730845"/>
       </p:ext>
     </p:extLst>
   </p:cSld>
@@ -3659,96 +3537,112 @@
           <a:p>
             <a:r>
               <a:rPr lang="ko-KR" altLang="en-US" dirty="0"/>
-              <a:t>이 다음에 나올 것은 보시는 것처럼 창이 제대로 뜨지 않죠</a:t>
+              <a:t>다음으로는 </a:t>
             </a:r>
             <a:r>
               <a:rPr lang="en-US" altLang="ko-KR" dirty="0"/>
-              <a:t>?  </a:t>
-            </a:r>
-          </a:p>
-          <a:p>
+              <a:t>HTTP</a:t>
+            </a:r>
             <a:r>
               <a:rPr lang="ko-KR" altLang="en-US" dirty="0"/>
-              <a:t>아마 </a:t>
+              <a:t>의 </a:t>
+            </a:r>
+            <a:r>
+              <a:rPr lang="ko-KR" altLang="en-US" dirty="0" err="1"/>
+              <a:t>상태코드입니다</a:t>
+            </a:r>
+            <a:r>
+              <a:rPr lang="ko-KR" altLang="en-US" dirty="0"/>
+              <a:t> 아마 성공은 말 그대로 성공이기 때문에 </a:t>
+            </a:r>
+            <a:endParaRPr lang="en-US" altLang="ko-KR" dirty="0"/>
+          </a:p>
+          <a:p>
+            <a:r>
+              <a:rPr lang="ko-KR" altLang="en-US" dirty="0"/>
+              <a:t>원래 사용하려던 창을 사용하느라 다들 </a:t>
+            </a:r>
+            <a:r>
+              <a:rPr lang="ko-KR" altLang="en-US" dirty="0" err="1"/>
+              <a:t>주의깊게</a:t>
+            </a:r>
+            <a:r>
+              <a:rPr lang="ko-KR" altLang="en-US" dirty="0"/>
+              <a:t> 보실 일이 없어서 잘 </a:t>
+            </a:r>
+            <a:r>
+              <a:rPr lang="ko-KR" altLang="en-US" dirty="0" err="1"/>
+              <a:t>모르실거라고</a:t>
+            </a:r>
+            <a:r>
+              <a:rPr lang="ko-KR" altLang="en-US" dirty="0"/>
+              <a:t> 생각하지만</a:t>
+            </a:r>
+            <a:endParaRPr lang="en-US" altLang="ko-KR" dirty="0"/>
+          </a:p>
+          <a:p>
+            <a:r>
+              <a:rPr lang="ko-KR" altLang="en-US" dirty="0"/>
+              <a:t>주로 </a:t>
             </a:r>
             <a:r>
               <a:rPr lang="en-US" altLang="ko-KR" dirty="0"/>
-              <a:t>Spring </a:t>
+              <a:t>200</a:t>
+            </a:r>
+            <a:r>
+              <a:rPr lang="ko-KR" altLang="en-US" dirty="0" err="1"/>
+              <a:t>번대에</a:t>
             </a:r>
             <a:r>
               <a:rPr lang="ko-KR" altLang="en-US" dirty="0"/>
-              <a:t>강의 들으시면서 저처럼 </a:t>
+              <a:t> 성공에 대한 상태코드들이 </a:t>
             </a:r>
             <a:r>
               <a:rPr lang="ko-KR" altLang="en-US" dirty="0" err="1"/>
-              <a:t>백엔드</a:t>
+              <a:t>있구요</a:t>
             </a:r>
             <a:r>
               <a:rPr lang="ko-KR" altLang="en-US" dirty="0"/>
-              <a:t> 하시는 분들은</a:t>
+              <a:t> 보시는 것처럼 </a:t>
+            </a:r>
+            <a:r>
+              <a:rPr lang="en-US" altLang="ko-KR" dirty="0"/>
+              <a:t>200 </a:t>
+            </a:r>
+            <a:r>
+              <a:rPr lang="ko-KR" altLang="en-US" dirty="0"/>
+              <a:t>성공</a:t>
             </a:r>
             <a:endParaRPr lang="en-US" altLang="ko-KR" dirty="0"/>
           </a:p>
           <a:p>
             <a:r>
+              <a:rPr lang="en-US" altLang="ko-KR" dirty="0"/>
+              <a:t>201 </a:t>
+            </a:r>
+            <a:r>
               <a:rPr lang="ko-KR" altLang="en-US" dirty="0"/>
-              <a:t>익숙한 </a:t>
-            </a:r>
-            <a:r>
-              <a:rPr lang="ko-KR" altLang="en-US" dirty="0" err="1"/>
-              <a:t>화면이실거라고</a:t>
+              <a:t>요청이 성공했고 새로운 리소스가 생성됨 </a:t>
+            </a:r>
+            <a:r>
+              <a:rPr lang="en-US" altLang="ko-KR" dirty="0"/>
+              <a:t>202 </a:t>
             </a:r>
             <a:r>
               <a:rPr lang="ko-KR" altLang="en-US" dirty="0"/>
-              <a:t> 생각합니다 </a:t>
-            </a:r>
-            <a:r>
-              <a:rPr lang="en-US" altLang="ko-KR" dirty="0"/>
-              <a:t>8080</a:t>
-            </a:r>
+              <a:t>요청을 받았으나 아직 처리하진 않음</a:t>
+            </a:r>
+            <a:endParaRPr lang="en-US" altLang="ko-KR" dirty="0"/>
+          </a:p>
+          <a:p>
             <a:r>
               <a:rPr lang="ko-KR" altLang="en-US" dirty="0"/>
-              <a:t>과 </a:t>
-            </a:r>
-            <a:r>
-              <a:rPr lang="en-US" altLang="ko-KR" dirty="0"/>
-              <a:t>404 </a:t>
-            </a:r>
-            <a:r>
-              <a:rPr lang="ko-KR" altLang="en-US" dirty="0" err="1"/>
-              <a:t>스프링부트</a:t>
-            </a:r>
-            <a:r>
-              <a:rPr lang="ko-KR" altLang="en-US" dirty="0"/>
-              <a:t> 강의에</a:t>
+              <a:t>등등이 있습니다</a:t>
             </a:r>
             <a:endParaRPr lang="en-US" altLang="ko-KR" dirty="0"/>
           </a:p>
           <a:p>
-            <a:r>
-              <a:rPr lang="ko-KR" altLang="en-US" dirty="0"/>
-              <a:t>나오는 실습 화면에서 오류가 난 사진을 </a:t>
-            </a:r>
-            <a:r>
-              <a:rPr lang="ko-KR" altLang="en-US" dirty="0" err="1"/>
-              <a:t>캡쳐떠왔구요</a:t>
-            </a:r>
-            <a:r>
-              <a:rPr lang="ko-KR" altLang="en-US" dirty="0"/>
-              <a:t> </a:t>
-            </a:r>
-            <a:r>
-              <a:rPr lang="en-US" altLang="ko-KR" dirty="0"/>
-              <a:t>(</a:t>
-            </a:r>
-            <a:r>
-              <a:rPr lang="ko-KR" altLang="en-US" dirty="0"/>
-              <a:t>넘김</a:t>
-            </a:r>
-            <a:r>
-              <a:rPr lang="en-US" altLang="ko-KR" dirty="0"/>
-              <a:t>)</a:t>
-            </a:r>
+            <a:endParaRPr lang="ko-KR" altLang="en-US" dirty="0"/>
           </a:p>
         </p:txBody>
       </p:sp>
@@ -3775,7 +3669,7 @@
               <a:pPr lvl="0">
                 <a:defRPr/>
               </a:pPr>
-              <a:t>23</a:t>
+              <a:t>22</a:t>
             </a:fld>
             <a:endParaRPr lang="ko-KR" altLang="en-US"/>
           </a:p>
@@ -3784,7 +3678,7 @@
     </p:spTree>
     <p:extLst>
       <p:ext uri="{BB962C8B-B14F-4D97-AF65-F5344CB8AC3E}">
-        <p14:creationId xmlns:p14="http://schemas.microsoft.com/office/powerpoint/2010/main" val="3948211525"/>
+        <p14:creationId xmlns:p14="http://schemas.microsoft.com/office/powerpoint/2010/main" val="629798379"/>
       </p:ext>
     </p:extLst>
   </p:cSld>
@@ -3840,99 +3734,96 @@
           <a:p>
             <a:r>
               <a:rPr lang="ko-KR" altLang="en-US" dirty="0"/>
-              <a:t>이처럼 요청 오류에 관한 것들이 </a:t>
+              <a:t>이 다음에 나올 것은 보시는 것처럼 창이 제대로 뜨지 않죠</a:t>
             </a:r>
             <a:r>
               <a:rPr lang="en-US" altLang="ko-KR" dirty="0"/>
-              <a:t>400</a:t>
+              <a:t>?  </a:t>
+            </a:r>
+          </a:p>
+          <a:p>
+            <a:r>
+              <a:rPr lang="ko-KR" altLang="en-US" dirty="0"/>
+              <a:t>아마 </a:t>
+            </a:r>
+            <a:r>
+              <a:rPr lang="en-US" altLang="ko-KR" dirty="0"/>
+              <a:t>Spring </a:t>
+            </a:r>
+            <a:r>
+              <a:rPr lang="ko-KR" altLang="en-US" dirty="0"/>
+              <a:t>강의 들으시면서 저처럼 </a:t>
             </a:r>
             <a:r>
               <a:rPr lang="ko-KR" altLang="en-US" dirty="0" err="1"/>
-              <a:t>번대에</a:t>
+              <a:t>백엔드</a:t>
             </a:r>
             <a:r>
               <a:rPr lang="ko-KR" altLang="en-US" dirty="0"/>
-              <a:t> 오류입니다</a:t>
+              <a:t> 하시는 분들은</a:t>
             </a:r>
             <a:endParaRPr lang="en-US" altLang="ko-KR" dirty="0"/>
           </a:p>
           <a:p>
             <a:r>
               <a:rPr lang="ko-KR" altLang="en-US" dirty="0"/>
-              <a:t>요청 오류로는 서버가 요청의 구문을 인식하지 못하는 </a:t>
+              <a:t>익숙한 </a:t>
+            </a:r>
+            <a:r>
+              <a:rPr lang="ko-KR" altLang="en-US" dirty="0" err="1"/>
+              <a:t>화면이실거라고</a:t>
+            </a:r>
+            <a:r>
+              <a:rPr lang="ko-KR" altLang="en-US" dirty="0"/>
+              <a:t> 생각합니다 </a:t>
             </a:r>
             <a:r>
               <a:rPr lang="en-US" altLang="ko-KR" dirty="0"/>
-              <a:t>400</a:t>
-            </a:r>
-          </a:p>
-          <a:p>
+              <a:t>8080</a:t>
+            </a:r>
             <a:r>
               <a:rPr lang="ko-KR" altLang="en-US" dirty="0"/>
-              <a:t>인증을 필요로 하는 요청 인증실패를 의미하는 </a:t>
+              <a:t>과 </a:t>
             </a:r>
             <a:r>
               <a:rPr lang="en-US" altLang="ko-KR" dirty="0"/>
-              <a:t>401</a:t>
-            </a:r>
-          </a:p>
-          <a:p>
+              <a:t>404 </a:t>
+            </a:r>
+            <a:r>
+              <a:rPr lang="ko-KR" altLang="en-US" dirty="0" err="1"/>
+              <a:t>스프링부트</a:t>
+            </a:r>
             <a:r>
               <a:rPr lang="ko-KR" altLang="en-US" dirty="0"/>
-              <a:t>서버가 요청을 거부하는 </a:t>
+              <a:t> 강의에</a:t>
+            </a:r>
+            <a:endParaRPr lang="en-US" altLang="ko-KR" dirty="0"/>
+          </a:p>
+          <a:p>
+            <a:r>
+              <a:rPr lang="ko-KR" altLang="en-US" dirty="0"/>
+              <a:t>나오는 실습 화면에서 오류가 난 사진을 </a:t>
+            </a:r>
+            <a:r>
+              <a:rPr lang="ko-KR" altLang="en-US" dirty="0" err="1"/>
+              <a:t>캡쳐떠왔구요</a:t>
+            </a:r>
+            <a:r>
+              <a:rPr lang="ko-KR" altLang="en-US" dirty="0"/>
+              <a:t> </a:t>
             </a:r>
             <a:r>
               <a:rPr lang="en-US" altLang="ko-KR" dirty="0"/>
-              <a:t>403 </a:t>
+              <a:t>(</a:t>
             </a:r>
             <a:r>
               <a:rPr lang="ko-KR" altLang="en-US" dirty="0"/>
-              <a:t>등이 있지만 다들 제일 많이 </a:t>
-            </a:r>
-            <a:endParaRPr lang="en-US" altLang="ko-KR" dirty="0"/>
-          </a:p>
-          <a:p>
-            <a:r>
-              <a:rPr lang="ko-KR" altLang="en-US" dirty="0"/>
-              <a:t>접하신 오류는 주로 </a:t>
+              <a:t>넘김</a:t>
             </a:r>
             <a:r>
               <a:rPr lang="en-US" altLang="ko-KR" dirty="0"/>
-              <a:t>404</a:t>
-            </a:r>
-            <a:r>
-              <a:rPr lang="ko-KR" altLang="en-US" dirty="0"/>
-              <a:t>번이라고 생각하구요 </a:t>
-            </a:r>
-            <a:endParaRPr lang="en-US" altLang="ko-KR" dirty="0"/>
-          </a:p>
-          <a:p>
-            <a:r>
-              <a:rPr lang="ko-KR" altLang="en-US" dirty="0"/>
-              <a:t>서버가 요청한 리소스를 찾을 수 </a:t>
-            </a:r>
-            <a:r>
-              <a:rPr lang="ko-KR" altLang="en-US" dirty="0" err="1"/>
-              <a:t>없다는것을</a:t>
-            </a:r>
-            <a:r>
-              <a:rPr lang="ko-KR" altLang="en-US" dirty="0"/>
-              <a:t> 의미하는 </a:t>
-            </a:r>
-            <a:r>
-              <a:rPr lang="ko-KR" altLang="en-US" dirty="0" err="1"/>
-              <a:t>요청오류입니다</a:t>
-            </a:r>
-            <a:endParaRPr lang="en-US" altLang="ko-KR" dirty="0"/>
-          </a:p>
-          <a:p>
-            <a:endParaRPr lang="en-US" altLang="ko-KR" dirty="0"/>
-          </a:p>
-          <a:p>
-            <a:endParaRPr lang="en-US" altLang="ko-KR" dirty="0"/>
-          </a:p>
-          <a:p>
-            <a:endParaRPr lang="en-US" altLang="ko-KR" dirty="0"/>
+              <a:t>)</a:t>
+            </a:r>
           </a:p>
         </p:txBody>
       </p:sp>
@@ -3959,7 +3850,7 @@
               <a:pPr lvl="0">
                 <a:defRPr/>
               </a:pPr>
-              <a:t>24</a:t>
+              <a:t>23</a:t>
             </a:fld>
             <a:endParaRPr lang="ko-KR" altLang="en-US"/>
           </a:p>
@@ -3968,7 +3859,7 @@
     </p:spTree>
     <p:extLst>
       <p:ext uri="{BB962C8B-B14F-4D97-AF65-F5344CB8AC3E}">
-        <p14:creationId xmlns:p14="http://schemas.microsoft.com/office/powerpoint/2010/main" val="3993740145"/>
+        <p14:creationId xmlns:p14="http://schemas.microsoft.com/office/powerpoint/2010/main" val="3948211525"/>
       </p:ext>
     </p:extLst>
   </p:cSld>
@@ -4024,6 +3915,190 @@
           <a:p>
             <a:r>
               <a:rPr lang="ko-KR" altLang="en-US" dirty="0"/>
+              <a:t>이처럼 요청 오류에 관한 것들이 </a:t>
+            </a:r>
+            <a:r>
+              <a:rPr lang="en-US" altLang="ko-KR" dirty="0"/>
+              <a:t>400</a:t>
+            </a:r>
+            <a:r>
+              <a:rPr lang="ko-KR" altLang="en-US" dirty="0" err="1"/>
+              <a:t>번대에</a:t>
+            </a:r>
+            <a:r>
+              <a:rPr lang="ko-KR" altLang="en-US" dirty="0"/>
+              <a:t> 오류입니다</a:t>
+            </a:r>
+            <a:endParaRPr lang="en-US" altLang="ko-KR" dirty="0"/>
+          </a:p>
+          <a:p>
+            <a:r>
+              <a:rPr lang="ko-KR" altLang="en-US" dirty="0"/>
+              <a:t>요청 오류로는 서버가 요청의 구문을 인식하지 못하는 </a:t>
+            </a:r>
+            <a:r>
+              <a:rPr lang="en-US" altLang="ko-KR" dirty="0"/>
+              <a:t>400</a:t>
+            </a:r>
+          </a:p>
+          <a:p>
+            <a:r>
+              <a:rPr lang="ko-KR" altLang="en-US" dirty="0"/>
+              <a:t>인증을 필요로 하는 요청 인증실패를 의미하는 </a:t>
+            </a:r>
+            <a:r>
+              <a:rPr lang="en-US" altLang="ko-KR" dirty="0"/>
+              <a:t>401</a:t>
+            </a:r>
+          </a:p>
+          <a:p>
+            <a:r>
+              <a:rPr lang="ko-KR" altLang="en-US" dirty="0"/>
+              <a:t>서버가 요청을 거부하는 </a:t>
+            </a:r>
+            <a:r>
+              <a:rPr lang="en-US" altLang="ko-KR" dirty="0"/>
+              <a:t>403 </a:t>
+            </a:r>
+            <a:r>
+              <a:rPr lang="ko-KR" altLang="en-US" dirty="0"/>
+              <a:t>등이 있지만 다들 제일 많이 </a:t>
+            </a:r>
+            <a:endParaRPr lang="en-US" altLang="ko-KR" dirty="0"/>
+          </a:p>
+          <a:p>
+            <a:r>
+              <a:rPr lang="ko-KR" altLang="en-US" dirty="0"/>
+              <a:t>접하신 오류는 주로 </a:t>
+            </a:r>
+            <a:r>
+              <a:rPr lang="en-US" altLang="ko-KR" dirty="0"/>
+              <a:t>404</a:t>
+            </a:r>
+            <a:r>
+              <a:rPr lang="ko-KR" altLang="en-US" dirty="0"/>
+              <a:t>번이라고 생각하구요 </a:t>
+            </a:r>
+            <a:endParaRPr lang="en-US" altLang="ko-KR" dirty="0"/>
+          </a:p>
+          <a:p>
+            <a:r>
+              <a:rPr lang="ko-KR" altLang="en-US" dirty="0"/>
+              <a:t>서버가 요청한 리소스를 찾을 수 </a:t>
+            </a:r>
+            <a:r>
+              <a:rPr lang="ko-KR" altLang="en-US" dirty="0" err="1"/>
+              <a:t>없다는것을</a:t>
+            </a:r>
+            <a:r>
+              <a:rPr lang="ko-KR" altLang="en-US" dirty="0"/>
+              <a:t> 의미하는 </a:t>
+            </a:r>
+            <a:r>
+              <a:rPr lang="ko-KR" altLang="en-US" dirty="0" err="1"/>
+              <a:t>요청오류입니다</a:t>
+            </a:r>
+            <a:endParaRPr lang="en-US" altLang="ko-KR" dirty="0"/>
+          </a:p>
+          <a:p>
+            <a:endParaRPr lang="en-US" altLang="ko-KR" dirty="0"/>
+          </a:p>
+          <a:p>
+            <a:endParaRPr lang="en-US" altLang="ko-KR" dirty="0"/>
+          </a:p>
+          <a:p>
+            <a:endParaRPr lang="en-US" altLang="ko-KR" dirty="0"/>
+          </a:p>
+        </p:txBody>
+      </p:sp>
+      <p:sp>
+        <p:nvSpPr>
+          <p:cNvPr id="4" name="슬라이드 번호 개체 틀 3"/>
+          <p:cNvSpPr>
+            <a:spLocks noGrp="1"/>
+          </p:cNvSpPr>
+          <p:nvPr>
+            <p:ph type="sldNum" sz="quarter" idx="5"/>
+          </p:nvPr>
+        </p:nvSpPr>
+        <p:spPr/>
+        <p:txBody>
+          <a:bodyPr/>
+          <a:lstStyle/>
+          <a:p>
+            <a:pPr lvl="0">
+              <a:defRPr/>
+            </a:pPr>
+            <a:fld id="{3A24D515-2181-4112-8A4E-91016B7461C9}" type="slidenum">
+              <a:rPr lang="ko-KR" altLang="en-US" smtClean="0"/>
+              <a:pPr lvl="0">
+                <a:defRPr/>
+              </a:pPr>
+              <a:t>24</a:t>
+            </a:fld>
+            <a:endParaRPr lang="ko-KR" altLang="en-US"/>
+          </a:p>
+        </p:txBody>
+      </p:sp>
+    </p:spTree>
+    <p:extLst>
+      <p:ext uri="{BB962C8B-B14F-4D97-AF65-F5344CB8AC3E}">
+        <p14:creationId xmlns:p14="http://schemas.microsoft.com/office/powerpoint/2010/main" val="3993740145"/>
+      </p:ext>
+    </p:extLst>
+  </p:cSld>
+  <p:clrMapOvr>
+    <a:masterClrMapping/>
+  </p:clrMapOvr>
+</p:notes>
+</file>
+
+<file path=ppt/notesSlides/notesSlide25.xml><?xml version="1.0" encoding="utf-8"?>
+<p:notes xmlns:a="http://schemas.openxmlformats.org/drawingml/2006/main" xmlns:r="http://schemas.openxmlformats.org/officeDocument/2006/relationships" xmlns:p="http://schemas.openxmlformats.org/presentationml/2006/main">
+  <p:cSld>
+    <p:spTree>
+      <p:nvGrpSpPr>
+        <p:cNvPr id="1" name=""/>
+        <p:cNvGrpSpPr/>
+        <p:nvPr/>
+      </p:nvGrpSpPr>
+      <p:grpSpPr>
+        <a:xfrm>
+          <a:off x="0" y="0"/>
+          <a:ext cx="0" cy="0"/>
+          <a:chOff x="0" y="0"/>
+          <a:chExt cx="0" cy="0"/>
+        </a:xfrm>
+      </p:grpSpPr>
+      <p:sp>
+        <p:nvSpPr>
+          <p:cNvPr id="2" name="슬라이드 이미지 개체 틀 1"/>
+          <p:cNvSpPr>
+            <a:spLocks noGrp="1" noRot="1" noChangeAspect="1"/>
+          </p:cNvSpPr>
+          <p:nvPr>
+            <p:ph type="sldImg"/>
+          </p:nvPr>
+        </p:nvSpPr>
+        <p:spPr/>
+      </p:sp>
+      <p:sp>
+        <p:nvSpPr>
+          <p:cNvPr id="3" name="슬라이드 노트 개체 틀 2"/>
+          <p:cNvSpPr>
+            <a:spLocks noGrp="1"/>
+          </p:cNvSpPr>
+          <p:nvPr>
+            <p:ph type="body" idx="1"/>
+          </p:nvPr>
+        </p:nvSpPr>
+        <p:spPr/>
+        <p:txBody>
+          <a:bodyPr/>
+          <a:lstStyle/>
+          <a:p>
+            <a:r>
+              <a:rPr lang="ko-KR" altLang="en-US" dirty="0"/>
               <a:t>마지막으로 위에서 설명했던 </a:t>
             </a:r>
             <a:r>
@@ -4136,7 +4211,7 @@
 </p:notes>
 </file>
 
-<file path=ppt/notesSlides/notesSlide25.xml><?xml version="1.0" encoding="utf-8"?>
+<file path=ppt/notesSlides/notesSlide26.xml><?xml version="1.0" encoding="utf-8"?>
 <p:notes xmlns:a="http://schemas.openxmlformats.org/drawingml/2006/main" xmlns:r="http://schemas.openxmlformats.org/officeDocument/2006/relationships" xmlns:p="http://schemas.openxmlformats.org/presentationml/2006/main">
   <p:cSld>
     <p:spTree>
@@ -4285,207 +4360,65 @@
           <a:p>
             <a:r>
               <a:rPr lang="ko-KR" altLang="en-US" dirty="0"/>
-              <a:t>네트워크 각 계층마다 프로토콜 존재</a:t>
+              <a:t>한국어로 대화하기 위해서는 문법과 발음</a:t>
             </a:r>
             <a:r>
               <a:rPr lang="en-US" altLang="ko-KR" dirty="0"/>
-              <a:t>.</a:t>
-            </a:r>
-          </a:p>
-          <a:p>
+              <a:t>, </a:t>
+            </a:r>
             <a:r>
               <a:rPr lang="ko-KR" altLang="en-US" dirty="0"/>
-              <a:t>각 계층의 프로토콜에는 보이는 바와 같은 프로토콜 등이 있으며</a:t>
+              <a:t>표기를 알아야 다른 사람과 한국어로 대화 할 수 있듯이</a:t>
+            </a:r>
+            <a:endParaRPr lang="en-US" altLang="ko-KR" dirty="0"/>
+          </a:p>
+          <a:p>
+            <a:r>
+              <a:rPr lang="ko-KR" altLang="en-US" dirty="0"/>
+              <a:t>프로토콜이란 컴퓨터 내부에서</a:t>
             </a:r>
             <a:r>
               <a:rPr lang="en-US" altLang="ko-KR" dirty="0"/>
-              <a:t>,</a:t>
-            </a:r>
-          </a:p>
-          <a:p>
+              <a:t>, </a:t>
+            </a:r>
             <a:r>
               <a:rPr lang="ko-KR" altLang="en-US" dirty="0"/>
-              <a:t>응용계층의 프로토콜들 중</a:t>
-            </a:r>
-            <a:endParaRPr lang="en-US" altLang="ko-KR" dirty="0"/>
-          </a:p>
-          <a:p>
-            <a:r>
-              <a:rPr lang="en-US" altLang="ko-KR" b="0" i="0" dirty="0">
-                <a:solidFill>
-                  <a:srgbClr val="E6EDF3"/>
-                </a:solidFill>
-                <a:effectLst/>
-                <a:latin typeface="-apple-system"/>
-              </a:rPr>
-              <a:t>HTTP </a:t>
-            </a:r>
-            <a:r>
-              <a:rPr lang="ko-KR" altLang="en-US" b="0" i="0" dirty="0">
-                <a:solidFill>
-                  <a:srgbClr val="E6EDF3"/>
-                </a:solidFill>
-                <a:effectLst/>
-                <a:latin typeface="-apple-system"/>
-              </a:rPr>
-              <a:t>프로토콜은 </a:t>
-            </a:r>
-            <a:r>
-              <a:rPr lang="en-US" altLang="ko-KR" b="0" i="0" dirty="0">
-                <a:solidFill>
-                  <a:srgbClr val="4A5568"/>
-                </a:solidFill>
-                <a:effectLst/>
-                <a:latin typeface="notokr"/>
-              </a:rPr>
-              <a:t> </a:t>
-            </a:r>
-            <a:r>
-              <a:rPr lang="en-US" altLang="ko-KR" b="1" i="0" dirty="0">
-                <a:solidFill>
-                  <a:srgbClr val="FF6600"/>
-                </a:solidFill>
-                <a:effectLst/>
-                <a:latin typeface="notokr"/>
-              </a:rPr>
-              <a:t>HTML</a:t>
-            </a:r>
-            <a:r>
-              <a:rPr lang="ko-KR" altLang="en-US" b="1" i="0" dirty="0">
-                <a:solidFill>
-                  <a:srgbClr val="FF6600"/>
-                </a:solidFill>
-                <a:effectLst/>
-                <a:latin typeface="notokr"/>
-              </a:rPr>
-              <a:t>과 같은 </a:t>
-            </a:r>
-            <a:r>
-              <a:rPr lang="ko-KR" altLang="en-US" b="0" i="0" dirty="0">
-                <a:solidFill>
-                  <a:srgbClr val="E6EDF3"/>
-                </a:solidFill>
-                <a:effectLst/>
-                <a:latin typeface="-apple-system"/>
-              </a:rPr>
-              <a:t>웹 문서를 주고 받을 때</a:t>
-            </a:r>
-            <a:r>
-              <a:rPr lang="en-US" altLang="ko-KR" b="0" i="0" dirty="0">
-                <a:solidFill>
-                  <a:srgbClr val="E6EDF3"/>
-                </a:solidFill>
-                <a:effectLst/>
-                <a:latin typeface="-apple-system"/>
-              </a:rPr>
-              <a:t>,</a:t>
-            </a:r>
-            <a:br>
+              <a:t>혹은 컴퓨터 사이에서 데이터를 교환하기 위한 규칙체계</a:t>
+            </a:r>
+            <a:r>
+              <a:rPr lang="en-US" altLang="ko-KR" dirty="0"/>
+              <a:t>(=</a:t>
+            </a:r>
+            <a:r>
               <a:rPr lang="ko-KR" altLang="en-US" dirty="0"/>
-            </a:br>
-            <a:r>
-              <a:rPr lang="en-US" altLang="ko-KR" b="0" i="0" dirty="0">
-                <a:solidFill>
-                  <a:srgbClr val="E6EDF3"/>
-                </a:solidFill>
-                <a:effectLst/>
-                <a:latin typeface="-apple-system"/>
-              </a:rPr>
-              <a:t>FTP </a:t>
-            </a:r>
-            <a:r>
-              <a:rPr lang="ko-KR" altLang="en-US" b="0" i="0" dirty="0">
-                <a:solidFill>
-                  <a:srgbClr val="E6EDF3"/>
-                </a:solidFill>
-                <a:effectLst/>
-                <a:latin typeface="-apple-system"/>
-              </a:rPr>
-              <a:t>프로토콜은 파일을 주고 받을 때 </a:t>
-            </a:r>
-            <a:r>
-              <a:rPr lang="en-US" altLang="ko-KR" b="0" i="0" dirty="0">
-                <a:solidFill>
-                  <a:srgbClr val="E6EDF3"/>
-                </a:solidFill>
-                <a:effectLst/>
-                <a:latin typeface="-apple-system"/>
-              </a:rPr>
-              <a:t>,</a:t>
-            </a:r>
-            <a:br>
+              <a:t>한국어의 문법</a:t>
+            </a:r>
+            <a:r>
+              <a:rPr lang="en-US" altLang="ko-KR" dirty="0"/>
+              <a:t>, </a:t>
+            </a:r>
+            <a:r>
               <a:rPr lang="ko-KR" altLang="en-US" dirty="0"/>
-            </a:br>
-            <a:r>
-              <a:rPr lang="en-US" altLang="ko-KR" b="0" i="0" dirty="0">
-                <a:solidFill>
-                  <a:srgbClr val="E6EDF3"/>
-                </a:solidFill>
-                <a:effectLst/>
-                <a:latin typeface="-apple-system"/>
-              </a:rPr>
-              <a:t>SMTP </a:t>
-            </a:r>
-            <a:r>
-              <a:rPr lang="ko-KR" altLang="en-US" b="0" i="0" dirty="0">
-                <a:solidFill>
-                  <a:srgbClr val="E6EDF3"/>
-                </a:solidFill>
-                <a:effectLst/>
-                <a:latin typeface="-apple-system"/>
-              </a:rPr>
-              <a:t>프로토콜은 메일을 주고 받을 때 사용한다</a:t>
-            </a:r>
-            <a:r>
-              <a:rPr lang="en-US" altLang="ko-KR" b="0" i="0" dirty="0">
-                <a:solidFill>
-                  <a:srgbClr val="E6EDF3"/>
-                </a:solidFill>
-                <a:effectLst/>
-                <a:latin typeface="-apple-system"/>
-              </a:rPr>
-              <a:t>.</a:t>
-            </a:r>
-          </a:p>
-          <a:p>
-            <a:r>
-              <a:rPr lang="ko-KR" altLang="en-US" b="0" i="0" dirty="0">
-                <a:solidFill>
-                  <a:srgbClr val="E6EDF3"/>
-                </a:solidFill>
-                <a:effectLst/>
-                <a:latin typeface="-apple-system"/>
-              </a:rPr>
-              <a:t>이중에서 오늘 발표할 건 웹 문서를 주고 받을 때 사용되는 </a:t>
-            </a:r>
-            <a:r>
-              <a:rPr lang="en-US" altLang="ko-KR" b="0" i="0" dirty="0">
-                <a:solidFill>
-                  <a:srgbClr val="E6EDF3"/>
-                </a:solidFill>
-                <a:effectLst/>
-                <a:latin typeface="-apple-system"/>
-              </a:rPr>
-              <a:t>HTTP </a:t>
-            </a:r>
-            <a:r>
-              <a:rPr lang="ko-KR" altLang="en-US" b="0" i="0" dirty="0">
-                <a:solidFill>
-                  <a:srgbClr val="E6EDF3"/>
-                </a:solidFill>
-                <a:effectLst/>
-                <a:latin typeface="-apple-system"/>
-              </a:rPr>
-              <a:t>프로토콜이다</a:t>
-            </a:r>
-            <a:r>
-              <a:rPr lang="en-US" altLang="ko-KR" b="0" i="0" dirty="0">
-                <a:solidFill>
-                  <a:srgbClr val="E6EDF3"/>
-                </a:solidFill>
-                <a:effectLst/>
-                <a:latin typeface="-apple-system"/>
-              </a:rPr>
+              <a:t>발음</a:t>
+            </a:r>
+            <a:r>
+              <a:rPr lang="en-US" altLang="ko-KR" dirty="0"/>
+              <a:t>, </a:t>
+            </a:r>
+            <a:r>
+              <a:rPr lang="ko-KR" altLang="en-US" dirty="0"/>
+              <a:t>표기와 같은 것</a:t>
+            </a:r>
+            <a:r>
+              <a:rPr lang="en-US" altLang="ko-KR" dirty="0"/>
+              <a:t>!)</a:t>
+            </a:r>
+            <a:r>
+              <a:rPr lang="ko-KR" altLang="en-US" dirty="0"/>
+              <a:t>입니다</a:t>
+            </a:r>
+            <a:r>
+              <a:rPr lang="en-US" altLang="ko-KR" dirty="0"/>
               <a:t>.</a:t>
             </a:r>
             <a:endParaRPr lang="ko-KR" altLang="en-US" dirty="0"/>
@@ -4515,7 +4448,7 @@
               <a:pPr lvl="0">
                 <a:defRPr/>
               </a:pPr>
-              <a:t>4</a:t>
+              <a:t>3</a:t>
             </a:fld>
             <a:endParaRPr lang="ko-KR" altLang="en-US"/>
           </a:p>
@@ -4524,7 +4457,7 @@
     </p:spTree>
     <p:extLst>
       <p:ext uri="{BB962C8B-B14F-4D97-AF65-F5344CB8AC3E}">
-        <p14:creationId xmlns:p14="http://schemas.microsoft.com/office/powerpoint/2010/main" val="4230277639"/>
+        <p14:creationId xmlns:p14="http://schemas.microsoft.com/office/powerpoint/2010/main" val="695678582"/>
       </p:ext>
     </p:extLst>
   </p:cSld>
@@ -4580,48 +4513,7 @@
           <a:p>
             <a:r>
               <a:rPr lang="ko-KR" altLang="en-US" dirty="0"/>
-              <a:t>서버가 클라이언트의 상태를 보존하지 않는 </a:t>
-            </a:r>
-            <a:r>
-              <a:rPr lang="ko-KR" altLang="en-US" dirty="0" err="1"/>
-              <a:t>무상태</a:t>
-            </a:r>
-            <a:r>
-              <a:rPr lang="ko-KR" altLang="en-US" dirty="0"/>
-              <a:t> 프로토콜이다</a:t>
-            </a:r>
-            <a:r>
-              <a:rPr lang="en-US" altLang="ko-KR" dirty="0"/>
-              <a:t>. </a:t>
-            </a:r>
-          </a:p>
-          <a:p>
-            <a:r>
-              <a:rPr lang="ko-KR" altLang="en-US" dirty="0" err="1"/>
-              <a:t>무상태</a:t>
-            </a:r>
-            <a:r>
-              <a:rPr lang="ko-KR" altLang="en-US" dirty="0"/>
-              <a:t> 프로토콜은 상태를 보존하지 않기 때문에 햄버거시</a:t>
-            </a:r>
-            <a:endParaRPr lang="en-US" altLang="ko-KR" dirty="0"/>
-          </a:p>
-          <a:p>
-            <a:r>
-              <a:rPr lang="ko-KR" altLang="en-US" dirty="0" err="1"/>
-              <a:t>빅맥을</a:t>
-            </a:r>
-            <a:r>
-              <a:rPr lang="ko-KR" altLang="en-US" dirty="0"/>
-              <a:t> 주문하고 추가로 요청이 있을 때 마다 </a:t>
-            </a:r>
-            <a:r>
-              <a:rPr lang="ko-KR" altLang="en-US" dirty="0" err="1"/>
-              <a:t>빅맥</a:t>
-            </a:r>
-            <a:r>
-              <a:rPr lang="ko-KR" altLang="en-US" dirty="0"/>
-              <a:t> 주문한걸 다시 한번 더 알려주어야 한다</a:t>
+              <a:t>네트워크 각 계층마다 프로토콜 존재</a:t>
             </a:r>
             <a:r>
               <a:rPr lang="en-US" altLang="ko-KR" dirty="0"/>
@@ -4630,31 +4522,137 @@
           </a:p>
           <a:p>
             <a:r>
-              <a:rPr lang="ko-KR" altLang="en-US" dirty="0" err="1"/>
-              <a:t>무상태</a:t>
-            </a:r>
-            <a:r>
               <a:rPr lang="ko-KR" altLang="en-US" dirty="0"/>
-              <a:t> 프로토콜의 장점은 데이터를 저장해두지 않아도 되기 때문에 응답 서버를 변경하기 용이 </a:t>
+              <a:t>각 계층의 프로토콜에는 보이는 바와 같은 프로토콜 등이 있으며</a:t>
+            </a:r>
+            <a:r>
+              <a:rPr lang="en-US" altLang="ko-KR" dirty="0"/>
+              <a:t>,</a:t>
+            </a:r>
+          </a:p>
+          <a:p>
+            <a:r>
+              <a:rPr lang="ko-KR" altLang="en-US" dirty="0"/>
+              <a:t>응용계층의 프로토콜들 중</a:t>
             </a:r>
             <a:endParaRPr lang="en-US" altLang="ko-KR" dirty="0"/>
           </a:p>
           <a:p>
             <a:r>
+              <a:rPr lang="en-US" altLang="ko-KR" b="0" i="0" dirty="0">
+                <a:solidFill>
+                  <a:srgbClr val="E6EDF3"/>
+                </a:solidFill>
+                <a:effectLst/>
+                <a:latin typeface="-apple-system"/>
+              </a:rPr>
+              <a:t>HTTP </a:t>
+            </a:r>
+            <a:r>
+              <a:rPr lang="ko-KR" altLang="en-US" b="0" i="0" dirty="0">
+                <a:solidFill>
+                  <a:srgbClr val="E6EDF3"/>
+                </a:solidFill>
+                <a:effectLst/>
+                <a:latin typeface="-apple-system"/>
+              </a:rPr>
+              <a:t>프로토콜은 </a:t>
+            </a:r>
+            <a:r>
+              <a:rPr lang="en-US" altLang="ko-KR" b="0" i="0" dirty="0">
+                <a:solidFill>
+                  <a:srgbClr val="4A5568"/>
+                </a:solidFill>
+                <a:effectLst/>
+                <a:latin typeface="notokr"/>
+              </a:rPr>
+              <a:t> </a:t>
+            </a:r>
+            <a:r>
+              <a:rPr lang="en-US" altLang="ko-KR" b="1" i="0" dirty="0">
+                <a:solidFill>
+                  <a:srgbClr val="FF6600"/>
+                </a:solidFill>
+                <a:effectLst/>
+                <a:latin typeface="notokr"/>
+              </a:rPr>
+              <a:t>HTML</a:t>
+            </a:r>
+            <a:r>
+              <a:rPr lang="ko-KR" altLang="en-US" b="1" i="0" dirty="0">
+                <a:solidFill>
+                  <a:srgbClr val="FF6600"/>
+                </a:solidFill>
+                <a:effectLst/>
+                <a:latin typeface="notokr"/>
+              </a:rPr>
+              <a:t>과 같은 </a:t>
+            </a:r>
+            <a:r>
+              <a:rPr lang="ko-KR" altLang="en-US" b="0" i="0" dirty="0">
+                <a:solidFill>
+                  <a:srgbClr val="E6EDF3"/>
+                </a:solidFill>
+                <a:effectLst/>
+                <a:latin typeface="-apple-system"/>
+              </a:rPr>
+              <a:t>웹 문서를 주고 받을 때</a:t>
+            </a:r>
+            <a:r>
+              <a:rPr lang="en-US" altLang="ko-KR" b="0" i="0" dirty="0">
+                <a:solidFill>
+                  <a:srgbClr val="E6EDF3"/>
+                </a:solidFill>
+                <a:effectLst/>
+                <a:latin typeface="-apple-system"/>
+              </a:rPr>
+              <a:t>,</a:t>
+            </a:r>
+            <a:br>
               <a:rPr lang="ko-KR" altLang="en-US" dirty="0"/>
-              <a:t>단 클라이언트가 많은 데이터를 </a:t>
-            </a:r>
-            <a:r>
-              <a:rPr lang="ko-KR" altLang="en-US" dirty="0" err="1"/>
-              <a:t>보내야한다는</a:t>
-            </a:r>
-            <a:r>
+            </a:br>
+            <a:r>
+              <a:rPr lang="en-US" altLang="ko-KR" b="0" i="0" dirty="0">
+                <a:solidFill>
+                  <a:srgbClr val="E6EDF3"/>
+                </a:solidFill>
+                <a:effectLst/>
+                <a:latin typeface="-apple-system"/>
+              </a:rPr>
+              <a:t>FTP </a:t>
+            </a:r>
+            <a:r>
+              <a:rPr lang="ko-KR" altLang="en-US" b="0" i="0" dirty="0">
+                <a:solidFill>
+                  <a:srgbClr val="E6EDF3"/>
+                </a:solidFill>
+                <a:effectLst/>
+                <a:latin typeface="-apple-system"/>
+              </a:rPr>
+              <a:t>프로토콜은 파일을 주고 받을 때 </a:t>
+            </a:r>
+            <a:r>
+              <a:rPr lang="en-US" altLang="ko-KR" b="0" i="0" dirty="0">
+                <a:solidFill>
+                  <a:srgbClr val="E6EDF3"/>
+                </a:solidFill>
+                <a:effectLst/>
+                <a:latin typeface="-apple-system"/>
+              </a:rPr>
+              <a:t>,</a:t>
+            </a:r>
+            <a:br>
               <a:rPr lang="ko-KR" altLang="en-US" dirty="0"/>
-              <a:t> 단점이 존재 </a:t>
-            </a:r>
-            <a:r>
-              <a:rPr lang="en-US" altLang="ko-KR" dirty="0"/>
-              <a:t>-&gt;</a:t>
+            </a:br>
+            <a:r>
+              <a:rPr lang="en-US" altLang="ko-KR" b="0" i="0" dirty="0">
+                <a:solidFill>
+                  <a:srgbClr val="E6EDF3"/>
+                </a:solidFill>
+                <a:effectLst/>
+                <a:latin typeface="-apple-system"/>
+              </a:rPr>
+              <a:t>SMTP </a:t>
             </a:r>
             <a:r>
               <a:rPr lang="ko-KR" altLang="en-US" b="0" i="0" dirty="0">
@@ -4664,7 +4662,26 @@
                 <a:effectLst/>
                 <a:latin typeface="-apple-system"/>
               </a:rPr>
-              <a:t>단점을 해결하기 위해 </a:t>
+              <a:t>프로토콜은 메일을 주고 받을 때 사용합니다</a:t>
+            </a:r>
+            <a:endParaRPr lang="en-US" altLang="ko-KR" b="0" i="0" dirty="0">
+              <a:solidFill>
+                <a:srgbClr val="E6EDF3"/>
+              </a:solidFill>
+              <a:effectLst/>
+              <a:latin typeface="-apple-system"/>
+            </a:endParaRPr>
+          </a:p>
+          <a:p>
+            <a:r>
+              <a:rPr lang="ko-KR" altLang="en-US" b="0" i="0" dirty="0">
+                <a:solidFill>
+                  <a:srgbClr val="E6EDF3"/>
+                </a:solidFill>
+                <a:effectLst/>
+                <a:latin typeface="-apple-system"/>
+              </a:rPr>
+              <a:t>이중에서 오늘 발표할 건 웹 문서를 주고 받을 때 사용되는 </a:t>
             </a:r>
             <a:r>
               <a:rPr lang="en-US" altLang="ko-KR" b="0" i="0" dirty="0">
@@ -4674,7 +4691,7 @@
                 <a:effectLst/>
                 <a:latin typeface="-apple-system"/>
               </a:rPr>
-              <a:t>(cookie</a:t>
+              <a:t>HTTP </a:t>
             </a:r>
             <a:r>
               <a:rPr lang="ko-KR" altLang="en-US" b="0" i="0" dirty="0">
@@ -4684,62 +4701,9 @@
                 <a:effectLst/>
                 <a:latin typeface="-apple-system"/>
               </a:rPr>
-              <a:t>와 </a:t>
-            </a:r>
-            <a:r>
-              <a:rPr lang="en-US" altLang="ko-KR" b="0" i="0" dirty="0">
-                <a:solidFill>
-                  <a:srgbClr val="E6EDF3"/>
-                </a:solidFill>
-                <a:effectLst/>
-                <a:latin typeface="-apple-system"/>
-              </a:rPr>
-              <a:t>Session</a:t>
-            </a:r>
-            <a:r>
-              <a:rPr lang="ko-KR" altLang="en-US" b="0" i="0" dirty="0">
-                <a:solidFill>
-                  <a:srgbClr val="E6EDF3"/>
-                </a:solidFill>
-                <a:effectLst/>
-                <a:latin typeface="-apple-system"/>
-              </a:rPr>
-              <a:t>이</a:t>
-            </a:r>
-            <a:r>
-              <a:rPr lang="en-US" altLang="ko-KR" b="0" i="0" dirty="0">
-                <a:solidFill>
-                  <a:srgbClr val="E6EDF3"/>
-                </a:solidFill>
-                <a:effectLst/>
-                <a:latin typeface="-apple-system"/>
-              </a:rPr>
-              <a:t> </a:t>
-            </a:r>
-            <a:r>
-              <a:rPr lang="ko-KR" altLang="en-US" b="0" i="0" dirty="0">
-                <a:solidFill>
-                  <a:srgbClr val="E6EDF3"/>
-                </a:solidFill>
-                <a:effectLst/>
-                <a:latin typeface="-apple-system"/>
-              </a:rPr>
-              <a:t>등장</a:t>
-            </a:r>
-            <a:r>
-              <a:rPr lang="en-US" altLang="ko-KR" b="0" i="0" dirty="0">
-                <a:solidFill>
-                  <a:srgbClr val="E6EDF3"/>
-                </a:solidFill>
-                <a:effectLst/>
-                <a:latin typeface="-apple-system"/>
-              </a:rPr>
-              <a:t>)</a:t>
-            </a:r>
-            <a:endParaRPr lang="en-US" altLang="ko-KR" dirty="0"/>
-          </a:p>
-          <a:p>
-            <a:endParaRPr lang="en-US" altLang="ko-KR" dirty="0"/>
+              <a:t>프로토콜입니다</a:t>
+            </a:r>
+            <a:endParaRPr lang="ko-KR" altLang="en-US" dirty="0"/>
           </a:p>
         </p:txBody>
       </p:sp>
@@ -4766,7 +4730,7 @@
               <a:pPr lvl="0">
                 <a:defRPr/>
               </a:pPr>
-              <a:t>5</a:t>
+              <a:t>4</a:t>
             </a:fld>
             <a:endParaRPr lang="ko-KR" altLang="en-US"/>
           </a:p>
@@ -4775,7 +4739,7 @@
     </p:spTree>
     <p:extLst>
       <p:ext uri="{BB962C8B-B14F-4D97-AF65-F5344CB8AC3E}">
-        <p14:creationId xmlns:p14="http://schemas.microsoft.com/office/powerpoint/2010/main" val="4020018506"/>
+        <p14:creationId xmlns:p14="http://schemas.microsoft.com/office/powerpoint/2010/main" val="4230277639"/>
       </p:ext>
     </p:extLst>
   </p:cSld>
@@ -4933,7 +4897,7 @@
               <a:pPr lvl="0">
                 <a:defRPr/>
               </a:pPr>
-              <a:t>6</a:t>
+              <a:t>5</a:t>
             </a:fld>
             <a:endParaRPr lang="ko-KR" altLang="en-US"/>
           </a:p>
@@ -5156,7 +5120,7 @@
               <a:pPr lvl="0">
                 <a:defRPr/>
               </a:pPr>
-              <a:t>7</a:t>
+              <a:t>6</a:t>
             </a:fld>
             <a:endParaRPr lang="ko-KR" altLang="en-US"/>
           </a:p>
@@ -5364,7 +5328,7 @@
               <a:pPr lvl="0">
                 <a:defRPr/>
               </a:pPr>
-              <a:t>8</a:t>
+              <a:t>7</a:t>
             </a:fld>
             <a:endParaRPr lang="ko-KR" altLang="en-US"/>
           </a:p>
@@ -5428,11 +5392,59 @@
           <a:lstStyle/>
           <a:p>
             <a:r>
+              <a:rPr lang="ko-KR" altLang="en-US" dirty="0"/>
+              <a:t>서버가 클라이언트의 상태를 보존하지 않는 </a:t>
+            </a:r>
+            <a:r>
               <a:rPr lang="ko-KR" altLang="en-US" dirty="0" err="1"/>
               <a:t>무상태</a:t>
             </a:r>
             <a:r>
               <a:rPr lang="ko-KR" altLang="en-US" dirty="0"/>
+              <a:t> 프로토콜입니다</a:t>
+            </a:r>
+            <a:endParaRPr lang="en-US" altLang="ko-KR" dirty="0"/>
+          </a:p>
+          <a:p>
+            <a:r>
+              <a:rPr lang="ko-KR" altLang="en-US" dirty="0" err="1"/>
+              <a:t>무상태</a:t>
+            </a:r>
+            <a:r>
+              <a:rPr lang="ko-KR" altLang="en-US" dirty="0"/>
+              <a:t> 프로토콜은 상태를 보존하지 않기 때문에 햄버거시</a:t>
+            </a:r>
+            <a:endParaRPr lang="en-US" altLang="ko-KR" dirty="0"/>
+          </a:p>
+          <a:p>
+            <a:r>
+              <a:rPr lang="ko-KR" altLang="en-US" dirty="0" err="1"/>
+              <a:t>빅맥을</a:t>
+            </a:r>
+            <a:r>
+              <a:rPr lang="ko-KR" altLang="en-US" dirty="0"/>
+              <a:t> 주문하고 추가로 요청이 있을 때 마다 </a:t>
+            </a:r>
+            <a:r>
+              <a:rPr lang="ko-KR" altLang="en-US" dirty="0" err="1"/>
+              <a:t>빅맥</a:t>
+            </a:r>
+            <a:r>
+              <a:rPr lang="ko-KR" altLang="en-US" dirty="0"/>
+              <a:t> 주문한걸 다시 한번 더 알려주어야 한다</a:t>
+            </a:r>
+            <a:r>
+              <a:rPr lang="en-US" altLang="ko-KR" dirty="0"/>
+              <a:t>.</a:t>
+            </a:r>
+          </a:p>
+          <a:p>
+            <a:r>
+              <a:rPr lang="ko-KR" altLang="en-US" dirty="0" err="1"/>
+              <a:t>무상태</a:t>
+            </a:r>
+            <a:r>
+              <a:rPr lang="ko-KR" altLang="en-US" dirty="0"/>
               <a:t> 프로토콜의 장점은 데이터를 저장해두지 않아도 되기 때문에 응답 서버를 변경하기 용이 </a:t>
             </a:r>
             <a:endParaRPr lang="en-US" altLang="ko-KR" dirty="0"/>
@@ -5534,140 +5546,10 @@
               </a:rPr>
               <a:t>)</a:t>
             </a:r>
-          </a:p>
-          <a:p>
-            <a:pPr marL="0" marR="0" lvl="0" indent="0" algn="l" defTabSz="914400" rtl="0" eaLnBrk="1" fontAlgn="auto" latinLnBrk="1" hangingPunct="1">
-              <a:lnSpc>
-                <a:spcPct val="100000"/>
-              </a:lnSpc>
-              <a:spcBef>
-                <a:spcPts val="0"/>
-              </a:spcBef>
-              <a:spcAft>
-                <a:spcPts val="0"/>
-              </a:spcAft>
-              <a:buClrTx/>
-              <a:buSzTx/>
-              <a:buFontTx/>
-              <a:buNone/>
-              <a:tabLst/>
-              <a:defRPr/>
-            </a:pPr>
-            <a:r>
-              <a:rPr lang="ko-KR" altLang="en-US" sz="1800" kern="0" spc="0" dirty="0">
-                <a:solidFill>
-                  <a:srgbClr val="000000"/>
-                </a:solidFill>
-                <a:effectLst/>
-                <a:latin typeface="굴림" panose="020B0600000101010101" pitchFamily="50" charset="-127"/>
-                <a:ea typeface="굴림" panose="020B0600000101010101" pitchFamily="50" charset="-127"/>
-              </a:rPr>
-              <a:t>이러한 </a:t>
-            </a:r>
-            <a:r>
-              <a:rPr lang="en-US" altLang="ko-KR" sz="1800" kern="0" spc="0" dirty="0">
-                <a:solidFill>
-                  <a:srgbClr val="000000"/>
-                </a:solidFill>
-                <a:effectLst/>
-                <a:latin typeface="굴림" panose="020B0600000101010101" pitchFamily="50" charset="-127"/>
-                <a:ea typeface="굴림" panose="020B0600000101010101" pitchFamily="50" charset="-127"/>
-              </a:rPr>
-              <a:t>HTTP</a:t>
-            </a:r>
-            <a:r>
-              <a:rPr lang="ko-KR" altLang="en-US" sz="1800" kern="0" spc="0" dirty="0">
-                <a:solidFill>
-                  <a:srgbClr val="000000"/>
-                </a:solidFill>
-                <a:effectLst/>
-                <a:latin typeface="굴림" panose="020B0600000101010101" pitchFamily="50" charset="-127"/>
-                <a:ea typeface="굴림" panose="020B0600000101010101" pitchFamily="50" charset="-127"/>
-              </a:rPr>
-              <a:t>의 특징을 </a:t>
-            </a:r>
-            <a:r>
-              <a:rPr lang="en-US" altLang="ko-KR" sz="1800" b="1" kern="0" spc="0" dirty="0">
-                <a:solidFill>
-                  <a:srgbClr val="000000"/>
-                </a:solidFill>
-                <a:effectLst/>
-                <a:latin typeface="굴림" panose="020B0600000101010101" pitchFamily="50" charset="-127"/>
-                <a:ea typeface="굴림" panose="020B0600000101010101" pitchFamily="50" charset="-127"/>
-              </a:rPr>
-              <a:t>stateless</a:t>
-            </a:r>
-            <a:r>
-              <a:rPr lang="ko-KR" altLang="en-US" sz="1800" kern="0" spc="0" dirty="0">
-                <a:solidFill>
-                  <a:srgbClr val="000000"/>
-                </a:solidFill>
-                <a:effectLst/>
-                <a:latin typeface="굴림" panose="020B0600000101010101" pitchFamily="50" charset="-127"/>
-                <a:ea typeface="굴림" panose="020B0600000101010101" pitchFamily="50" charset="-127"/>
-              </a:rPr>
-              <a:t>라고 하는데</a:t>
-            </a:r>
-            <a:r>
-              <a:rPr lang="en-US" altLang="ko-KR" sz="1800" kern="0" spc="0" dirty="0">
-                <a:solidFill>
-                  <a:srgbClr val="000000"/>
-                </a:solidFill>
-                <a:effectLst/>
-                <a:latin typeface="굴림" panose="020B0600000101010101" pitchFamily="50" charset="-127"/>
-                <a:ea typeface="굴림" panose="020B0600000101010101" pitchFamily="50" charset="-127"/>
-              </a:rPr>
-              <a:t>, </a:t>
-            </a:r>
-            <a:r>
-              <a:rPr lang="en-US" altLang="ko-KR" sz="1800" kern="0" spc="0" dirty="0" err="1">
-                <a:solidFill>
-                  <a:srgbClr val="000000"/>
-                </a:solidFill>
-                <a:effectLst/>
-                <a:latin typeface="굴림" panose="020B0600000101010101" pitchFamily="50" charset="-127"/>
-                <a:ea typeface="굴림" panose="020B0600000101010101" pitchFamily="50" charset="-127"/>
-              </a:rPr>
-              <a:t>Connectless</a:t>
-            </a:r>
-            <a:r>
-              <a:rPr lang="ko-KR" altLang="en-US" sz="1800" kern="0" spc="0" dirty="0">
-                <a:solidFill>
-                  <a:srgbClr val="000000"/>
-                </a:solidFill>
-                <a:effectLst/>
-                <a:latin typeface="굴림" panose="020B0600000101010101" pitchFamily="50" charset="-127"/>
-                <a:ea typeface="굴림" panose="020B0600000101010101" pitchFamily="50" charset="-127"/>
-              </a:rPr>
-              <a:t>로 부터 파생되는 특징이라고 할 수 있습니다</a:t>
-            </a:r>
-            <a:r>
-              <a:rPr lang="en-US" altLang="ko-KR" sz="1800" kern="0" spc="0" dirty="0">
-                <a:solidFill>
-                  <a:srgbClr val="000000"/>
-                </a:solidFill>
-                <a:effectLst/>
-                <a:latin typeface="굴림" panose="020B0600000101010101" pitchFamily="50" charset="-127"/>
-                <a:ea typeface="굴림" panose="020B0600000101010101" pitchFamily="50" charset="-127"/>
-              </a:rPr>
-              <a:t>.</a:t>
-            </a:r>
-            <a:endParaRPr lang="ko-KR" altLang="en-US" sz="1800" kern="0" spc="0" dirty="0">
-              <a:solidFill>
-                <a:srgbClr val="000000"/>
-              </a:solidFill>
-              <a:effectLst/>
-              <a:latin typeface="한컴바탕"/>
-            </a:endParaRPr>
-          </a:p>
-          <a:p>
             <a:endParaRPr lang="en-US" altLang="ko-KR" dirty="0"/>
           </a:p>
           <a:p>
             <a:endParaRPr lang="en-US" altLang="ko-KR" dirty="0"/>
-          </a:p>
-          <a:p>
-            <a:endParaRPr lang="ko-KR" altLang="en-US" dirty="0"/>
           </a:p>
         </p:txBody>
       </p:sp>
@@ -5694,7 +5576,7 @@
               <a:pPr lvl="0">
                 <a:defRPr/>
               </a:pPr>
-              <a:t>9</a:t>
+              <a:t>8</a:t>
             </a:fld>
             <a:endParaRPr lang="ko-KR" altLang="en-US"/>
           </a:p>
@@ -5703,7 +5585,7 @@
     </p:spTree>
     <p:extLst>
       <p:ext uri="{BB962C8B-B14F-4D97-AF65-F5344CB8AC3E}">
-        <p14:creationId xmlns:p14="http://schemas.microsoft.com/office/powerpoint/2010/main" val="2668169461"/>
+        <p14:creationId xmlns:p14="http://schemas.microsoft.com/office/powerpoint/2010/main" val="4020018506"/>
       </p:ext>
     </p:extLst>
   </p:cSld>
@@ -5758,51 +5640,243 @@
           <a:lstStyle/>
           <a:p>
             <a:r>
+              <a:rPr lang="ko-KR" altLang="en-US" dirty="0" err="1"/>
+              <a:t>무상태</a:t>
+            </a:r>
+            <a:r>
               <a:rPr lang="ko-KR" altLang="en-US" dirty="0"/>
-              <a:t>그럼 상태유지</a:t>
+              <a:t> 프로토콜의 장점은 데이터를 저장해두지 않아도 되기 때문에 응답 서버를 변경하기 용이 </a:t>
+            </a:r>
+            <a:endParaRPr lang="en-US" altLang="ko-KR" dirty="0"/>
+          </a:p>
+          <a:p>
+            <a:r>
+              <a:rPr lang="ko-KR" altLang="en-US" dirty="0"/>
+              <a:t>단 클라이언트가 많은 데이터를 </a:t>
+            </a:r>
+            <a:r>
+              <a:rPr lang="ko-KR" altLang="en-US" dirty="0" err="1"/>
+              <a:t>보내야한다는</a:t>
+            </a:r>
+            <a:r>
+              <a:rPr lang="ko-KR" altLang="en-US" dirty="0"/>
+              <a:t> 단점이 존재 </a:t>
             </a:r>
             <a:r>
               <a:rPr lang="en-US" altLang="ko-KR" dirty="0"/>
-              <a:t>(Stateful)</a:t>
-            </a:r>
-            <a:r>
-              <a:rPr lang="ko-KR" altLang="en-US" dirty="0"/>
-              <a:t> 프로토콜은</a:t>
-            </a:r>
-            <a:r>
-              <a:rPr lang="en-US" altLang="ko-KR" dirty="0"/>
-              <a:t>?</a:t>
-            </a:r>
-          </a:p>
-          <a:p>
-            <a:r>
-              <a:rPr lang="ko-KR" altLang="en-US" dirty="0"/>
-              <a:t>말그대로 상태가 유지 되기 때문에 반복해서 </a:t>
-            </a:r>
-            <a:r>
-              <a:rPr lang="ko-KR" altLang="en-US" dirty="0" err="1"/>
-              <a:t>빅맥을</a:t>
-            </a:r>
-            <a:r>
-              <a:rPr lang="ko-KR" altLang="en-US" dirty="0"/>
-              <a:t> 언급할 필요가 없고</a:t>
-            </a:r>
+              <a:t>-&gt;</a:t>
+            </a:r>
+            <a:r>
+              <a:rPr lang="ko-KR" altLang="en-US" b="0" i="0" dirty="0">
+                <a:solidFill>
+                  <a:srgbClr val="E6EDF3"/>
+                </a:solidFill>
+                <a:effectLst/>
+                <a:latin typeface="-apple-system"/>
+              </a:rPr>
+              <a:t>단점을 해결하기 위해 </a:t>
+            </a:r>
+            <a:r>
+              <a:rPr lang="en-US" altLang="ko-KR" b="0" i="0" dirty="0">
+                <a:solidFill>
+                  <a:srgbClr val="E6EDF3"/>
+                </a:solidFill>
+                <a:effectLst/>
+                <a:latin typeface="-apple-system"/>
+              </a:rPr>
+              <a:t>(cookie</a:t>
+            </a:r>
+            <a:r>
+              <a:rPr lang="ko-KR" altLang="en-US" b="0" i="0" dirty="0">
+                <a:solidFill>
+                  <a:srgbClr val="E6EDF3"/>
+                </a:solidFill>
+                <a:effectLst/>
+                <a:latin typeface="-apple-system"/>
+              </a:rPr>
+              <a:t>와 </a:t>
+            </a:r>
+            <a:r>
+              <a:rPr lang="en-US" altLang="ko-KR" b="0" i="0" dirty="0">
+                <a:solidFill>
+                  <a:srgbClr val="E6EDF3"/>
+                </a:solidFill>
+                <a:effectLst/>
+                <a:latin typeface="-apple-system"/>
+              </a:rPr>
+              <a:t>Session</a:t>
+            </a:r>
+            <a:r>
+              <a:rPr lang="ko-KR" altLang="en-US" b="0" i="0" dirty="0">
+                <a:solidFill>
+                  <a:srgbClr val="E6EDF3"/>
+                </a:solidFill>
+                <a:effectLst/>
+                <a:latin typeface="-apple-system"/>
+              </a:rPr>
+              <a:t>이</a:t>
+            </a:r>
+            <a:r>
+              <a:rPr lang="en-US" altLang="ko-KR" b="0" i="0" dirty="0">
+                <a:solidFill>
+                  <a:srgbClr val="E6EDF3"/>
+                </a:solidFill>
+                <a:effectLst/>
+                <a:latin typeface="-apple-system"/>
+              </a:rPr>
+              <a:t> </a:t>
+            </a:r>
+            <a:r>
+              <a:rPr lang="ko-KR" altLang="en-US" b="0" i="0" dirty="0">
+                <a:solidFill>
+                  <a:srgbClr val="E6EDF3"/>
+                </a:solidFill>
+                <a:effectLst/>
+                <a:latin typeface="-apple-system"/>
+              </a:rPr>
+              <a:t>등장</a:t>
+            </a:r>
+            <a:r>
+              <a:rPr lang="en-US" altLang="ko-KR" b="0" i="0" dirty="0">
+                <a:solidFill>
+                  <a:srgbClr val="E6EDF3"/>
+                </a:solidFill>
+                <a:effectLst/>
+                <a:latin typeface="-apple-system"/>
+              </a:rPr>
+              <a:t>)</a:t>
+            </a:r>
+          </a:p>
+          <a:p>
+            <a:pPr marL="0" marR="0" lvl="0" indent="0" algn="l" defTabSz="914400" rtl="0" eaLnBrk="1" fontAlgn="auto" latinLnBrk="1" hangingPunct="1">
+              <a:lnSpc>
+                <a:spcPct val="100000"/>
+              </a:lnSpc>
+              <a:spcBef>
+                <a:spcPts val="0"/>
+              </a:spcBef>
+              <a:spcAft>
+                <a:spcPts val="0"/>
+              </a:spcAft>
+              <a:buClrTx/>
+              <a:buSzTx/>
+              <a:buFontTx/>
+              <a:buNone/>
+              <a:tabLst/>
+              <a:defRPr/>
+            </a:pPr>
+            <a:r>
+              <a:rPr lang="ko-KR" altLang="en-US" sz="1800" kern="0" spc="0" dirty="0">
+                <a:solidFill>
+                  <a:srgbClr val="000000"/>
+                </a:solidFill>
+                <a:effectLst/>
+                <a:latin typeface="굴림" panose="020B0600000101010101" pitchFamily="50" charset="-127"/>
+                <a:ea typeface="굴림" panose="020B0600000101010101" pitchFamily="50" charset="-127"/>
+              </a:rPr>
+              <a:t>이러한 </a:t>
+            </a:r>
+            <a:r>
+              <a:rPr lang="en-US" altLang="ko-KR" sz="1800" kern="0" spc="0" dirty="0">
+                <a:solidFill>
+                  <a:srgbClr val="000000"/>
+                </a:solidFill>
+                <a:effectLst/>
+                <a:latin typeface="굴림" panose="020B0600000101010101" pitchFamily="50" charset="-127"/>
+                <a:ea typeface="굴림" panose="020B0600000101010101" pitchFamily="50" charset="-127"/>
+              </a:rPr>
+              <a:t>HTTP</a:t>
+            </a:r>
+            <a:r>
+              <a:rPr lang="ko-KR" altLang="en-US" sz="1800" kern="0" spc="0" dirty="0">
+                <a:solidFill>
+                  <a:srgbClr val="000000"/>
+                </a:solidFill>
+                <a:effectLst/>
+                <a:latin typeface="굴림" panose="020B0600000101010101" pitchFamily="50" charset="-127"/>
+                <a:ea typeface="굴림" panose="020B0600000101010101" pitchFamily="50" charset="-127"/>
+              </a:rPr>
+              <a:t>의 특징을 </a:t>
+            </a:r>
+            <a:r>
+              <a:rPr lang="en-US" altLang="ko-KR" sz="1800" b="1" kern="0" spc="0" dirty="0">
+                <a:solidFill>
+                  <a:srgbClr val="000000"/>
+                </a:solidFill>
+                <a:effectLst/>
+                <a:latin typeface="굴림" panose="020B0600000101010101" pitchFamily="50" charset="-127"/>
+                <a:ea typeface="굴림" panose="020B0600000101010101" pitchFamily="50" charset="-127"/>
+              </a:rPr>
+              <a:t>stateless</a:t>
+            </a:r>
+            <a:r>
+              <a:rPr lang="ko-KR" altLang="en-US" sz="1800" kern="0" spc="0" dirty="0">
+                <a:solidFill>
+                  <a:srgbClr val="000000"/>
+                </a:solidFill>
+                <a:effectLst/>
+                <a:latin typeface="굴림" panose="020B0600000101010101" pitchFamily="50" charset="-127"/>
+                <a:ea typeface="굴림" panose="020B0600000101010101" pitchFamily="50" charset="-127"/>
+              </a:rPr>
+              <a:t>라고 하는데</a:t>
+            </a:r>
+            <a:r>
+              <a:rPr lang="en-US" altLang="ko-KR" sz="1800" kern="0" spc="0" dirty="0">
+                <a:solidFill>
+                  <a:srgbClr val="000000"/>
+                </a:solidFill>
+                <a:effectLst/>
+                <a:latin typeface="굴림" panose="020B0600000101010101" pitchFamily="50" charset="-127"/>
+                <a:ea typeface="굴림" panose="020B0600000101010101" pitchFamily="50" charset="-127"/>
+              </a:rPr>
+              <a:t>, </a:t>
+            </a:r>
+            <a:r>
+              <a:rPr lang="en-US" altLang="ko-KR" sz="1800" kern="0" spc="0" dirty="0" err="1">
+                <a:solidFill>
+                  <a:srgbClr val="000000"/>
+                </a:solidFill>
+                <a:effectLst/>
+                <a:latin typeface="굴림" panose="020B0600000101010101" pitchFamily="50" charset="-127"/>
+                <a:ea typeface="굴림" panose="020B0600000101010101" pitchFamily="50" charset="-127"/>
+              </a:rPr>
+              <a:t>Connectless</a:t>
+            </a:r>
+            <a:r>
+              <a:rPr lang="ko-KR" altLang="en-US" sz="1800" kern="0" spc="0" dirty="0">
+                <a:solidFill>
+                  <a:srgbClr val="000000"/>
+                </a:solidFill>
+                <a:effectLst/>
+                <a:latin typeface="굴림" panose="020B0600000101010101" pitchFamily="50" charset="-127"/>
+                <a:ea typeface="굴림" panose="020B0600000101010101" pitchFamily="50" charset="-127"/>
+              </a:rPr>
+              <a:t>로 부터 파생되는 특징이라고 할 수 있습니다</a:t>
+            </a:r>
+            <a:r>
+              <a:rPr lang="en-US" altLang="ko-KR" sz="1800" kern="0" spc="0" dirty="0">
+                <a:solidFill>
+                  <a:srgbClr val="000000"/>
+                </a:solidFill>
+                <a:effectLst/>
+                <a:latin typeface="굴림" panose="020B0600000101010101" pitchFamily="50" charset="-127"/>
+                <a:ea typeface="굴림" panose="020B0600000101010101" pitchFamily="50" charset="-127"/>
+              </a:rPr>
+              <a:t>.</a:t>
+            </a:r>
+            <a:endParaRPr lang="ko-KR" altLang="en-US" sz="1800" kern="0" spc="0" dirty="0">
+              <a:solidFill>
+                <a:srgbClr val="000000"/>
+              </a:solidFill>
+              <a:effectLst/>
+              <a:latin typeface="한컴바탕"/>
+            </a:endParaRPr>
+          </a:p>
+          <a:p>
             <a:endParaRPr lang="en-US" altLang="ko-KR" dirty="0"/>
           </a:p>
           <a:p>
-            <a:r>
-              <a:rPr lang="en-US" altLang="ko-KR" dirty="0"/>
-              <a:t>But </a:t>
-            </a:r>
-            <a:r>
-              <a:rPr lang="ko-KR" altLang="en-US" dirty="0"/>
-              <a:t>중간에 오류 발생시 처음부터 다시 요청을 </a:t>
-            </a:r>
-            <a:r>
-              <a:rPr lang="ko-KR" altLang="en-US" dirty="0" err="1"/>
-              <a:t>시작해야합니다</a:t>
-            </a:r>
-            <a:endParaRPr lang="ko-KR" altLang="en-US" dirty="0"/>
+            <a:endParaRPr lang="en-US" altLang="ko-KR" dirty="0"/>
           </a:p>
           <a:p>
             <a:endParaRPr lang="ko-KR" altLang="en-US" dirty="0"/>
@@ -5832,7 +5906,7 @@
               <a:pPr lvl="0">
                 <a:defRPr/>
               </a:pPr>
-              <a:t>10</a:t>
+              <a:t>9</a:t>
             </a:fld>
             <a:endParaRPr lang="ko-KR" altLang="en-US"/>
           </a:p>
@@ -5841,7 +5915,7 @@
     </p:spTree>
     <p:extLst>
       <p:ext uri="{BB962C8B-B14F-4D97-AF65-F5344CB8AC3E}">
-        <p14:creationId xmlns:p14="http://schemas.microsoft.com/office/powerpoint/2010/main" val="3488744001"/>
+        <p14:creationId xmlns:p14="http://schemas.microsoft.com/office/powerpoint/2010/main" val="2668169461"/>
       </p:ext>
     </p:extLst>
   </p:cSld>
@@ -9068,7 +9142,7 @@
     <mc:Choice Requires="p14">
       <p:transition/>
     </mc:Choice>
-    <mc:Fallback xmlns:dsp="http://schemas.microsoft.com/office/drawing/2008/diagram" xmlns:dgm="http://schemas.openxmlformats.org/drawingml/2006/diagram" xmlns:c="http://schemas.openxmlformats.org/drawingml/2006/chart" xmlns="">
+    <mc:Fallback xmlns="" xmlns:c="http://schemas.openxmlformats.org/drawingml/2006/chart" xmlns:dgm="http://schemas.openxmlformats.org/drawingml/2006/diagram" xmlns:dsp="http://schemas.microsoft.com/office/drawing/2008/diagram">
       <p:transition/>
     </mc:Fallback>
   </mc:AlternateContent>
@@ -13588,7 +13662,7 @@
             <p:nvPr/>
           </p:nvPicPr>
           <p:blipFill>
-            <a:blip r:embed="rId2" cstate="print"/>
+            <a:blip r:embed="rId3" cstate="print"/>
             <a:stretch>
               <a:fillRect/>
             </a:stretch>
@@ -13627,7 +13701,7 @@
             <p:nvPr/>
           </p:nvPicPr>
           <p:blipFill>
-            <a:blip r:embed="rId3" cstate="print"/>
+            <a:blip r:embed="rId4" cstate="print"/>
             <a:stretch>
               <a:fillRect/>
             </a:stretch>
@@ -13703,7 +13777,7 @@
             <p:nvPr/>
           </p:nvPicPr>
           <p:blipFill>
-            <a:blip r:embed="rId4" cstate="print"/>
+            <a:blip r:embed="rId5" cstate="print"/>
             <a:stretch>
               <a:fillRect/>
             </a:stretch>
@@ -13742,7 +13816,7 @@
             <p:nvPr/>
           </p:nvPicPr>
           <p:blipFill>
-            <a:blip r:embed="rId5" cstate="print"/>
+            <a:blip r:embed="rId6" cstate="print"/>
             <a:stretch>
               <a:fillRect/>
             </a:stretch>
@@ -13891,7 +13965,7 @@
           <p:nvPr/>
         </p:nvPicPr>
         <p:blipFill>
-          <a:blip r:embed="rId4" cstate="print"/>
+          <a:blip r:embed="rId5" cstate="print"/>
           <a:stretch>
             <a:fillRect/>
           </a:stretch>
@@ -14004,7 +14078,7 @@
           <p:nvPr/>
         </p:nvPicPr>
         <p:blipFill>
-          <a:blip r:embed="rId4" cstate="print"/>
+          <a:blip r:embed="rId5" cstate="print"/>
           <a:stretch>
             <a:fillRect/>
           </a:stretch>
@@ -14117,7 +14191,7 @@
           <p:nvPr/>
         </p:nvPicPr>
         <p:blipFill>
-          <a:blip r:embed="rId4" cstate="print"/>
+          <a:blip r:embed="rId5" cstate="print"/>
           <a:stretch>
             <a:fillRect/>
           </a:stretch>
@@ -14230,7 +14304,7 @@
           <p:nvPr/>
         </p:nvPicPr>
         <p:blipFill>
-          <a:blip r:embed="rId4" cstate="print"/>
+          <a:blip r:embed="rId5" cstate="print"/>
           <a:stretch>
             <a:fillRect/>
           </a:stretch>
@@ -17844,7 +17918,7 @@
     <mc:Choice Requires="p14">
       <p:transition/>
     </mc:Choice>
-    <mc:Fallback xmlns:dsp="http://schemas.microsoft.com/office/drawing/2008/diagram" xmlns:dgm="http://schemas.openxmlformats.org/drawingml/2006/diagram" xmlns:c="http://schemas.openxmlformats.org/drawingml/2006/chart" xmlns="">
+    <mc:Fallback xmlns="" xmlns:c="http://schemas.openxmlformats.org/drawingml/2006/chart" xmlns:dgm="http://schemas.openxmlformats.org/drawingml/2006/diagram" xmlns:dsp="http://schemas.microsoft.com/office/drawing/2008/diagram">
       <p:transition/>
     </mc:Fallback>
   </mc:AlternateContent>
@@ -19347,12 +19421,100 @@
           </p:spPr>
         </p:pic>
       </p:grpSp>
+      <p:sp>
+        <p:nvSpPr>
+          <p:cNvPr id="11" name="Object 9">
+            <a:extLst>
+              <a:ext uri="{FF2B5EF4-FFF2-40B4-BE49-F238E27FC236}">
+                <a16:creationId xmlns:a16="http://schemas.microsoft.com/office/drawing/2014/main" id="{905CC0CE-D740-E60E-0153-E85AD8A26C96}"/>
+              </a:ext>
+            </a:extLst>
+          </p:cNvPr>
+          <p:cNvSpPr txBox="1"/>
+          <p:nvPr/>
+        </p:nvSpPr>
+        <p:spPr>
+          <a:xfrm>
+            <a:off x="1298762" y="1558790"/>
+            <a:ext cx="9426592" cy="1415772"/>
+          </a:xfrm>
+          <a:prstGeom prst="rect">
+            <a:avLst/>
+          </a:prstGeom>
+          <a:noFill/>
+        </p:spPr>
+        <p:txBody>
+          <a:bodyPr wrap="square" rtlCol="0" anchor="t">
+            <a:spAutoFit/>
+          </a:bodyPr>
+          <a:lstStyle/>
+          <a:p>
+            <a:r>
+              <a:rPr lang="en-US" sz="4300" kern="0" spc="-100" dirty="0">
+                <a:solidFill>
+                  <a:srgbClr val="FF7710"/>
+                </a:solidFill>
+                <a:latin typeface="Pretendard Black" pitchFamily="34" charset="0"/>
+                <a:cs typeface="Pretendard Black" pitchFamily="34" charset="0"/>
+              </a:rPr>
+              <a:t>HTTP</a:t>
+            </a:r>
+            <a:r>
+              <a:rPr lang="ko-KR" altLang="en-US" sz="4300" kern="0" spc="-100" dirty="0">
+                <a:solidFill>
+                  <a:srgbClr val="FF7710"/>
+                </a:solidFill>
+                <a:latin typeface="Pretendard Black" pitchFamily="34" charset="0"/>
+                <a:cs typeface="Pretendard Black" pitchFamily="34" charset="0"/>
+              </a:rPr>
+              <a:t> 프로토콜의 특징</a:t>
+            </a:r>
+            <a:endParaRPr lang="en-US" altLang="ko-KR" sz="4300" kern="0" spc="-100" dirty="0">
+              <a:solidFill>
+                <a:srgbClr val="FF7710"/>
+              </a:solidFill>
+              <a:latin typeface="Pretendard Black" pitchFamily="34" charset="0"/>
+              <a:cs typeface="Pretendard Black" pitchFamily="34" charset="0"/>
+            </a:endParaRPr>
+          </a:p>
+          <a:p>
+            <a:r>
+              <a:rPr lang="en-US" altLang="ko-KR" sz="4300" kern="0" spc="-100" dirty="0" err="1">
+                <a:latin typeface="Pretendard Black" pitchFamily="34" charset="0"/>
+                <a:cs typeface="Pretendard Black" pitchFamily="34" charset="0"/>
+              </a:rPr>
+              <a:t>Connetionless</a:t>
+            </a:r>
+            <a:r>
+              <a:rPr lang="en-US" altLang="ko-KR" sz="4300" kern="0" spc="-100" dirty="0">
+                <a:latin typeface="Pretendard Black" pitchFamily="34" charset="0"/>
+                <a:cs typeface="Pretendard Black" pitchFamily="34" charset="0"/>
+              </a:rPr>
+              <a:t> (</a:t>
+            </a:r>
+            <a:r>
+              <a:rPr lang="ko-KR" altLang="en-US" sz="4300" kern="0" spc="-100" dirty="0">
+                <a:latin typeface="Pretendard Black" pitchFamily="34" charset="0"/>
+                <a:cs typeface="Pretendard Black" pitchFamily="34" charset="0"/>
+              </a:rPr>
+              <a:t>비 연결성</a:t>
+            </a:r>
+            <a:r>
+              <a:rPr lang="en-US" altLang="ko-KR" sz="4300" kern="0" spc="-100" dirty="0">
+                <a:latin typeface="Pretendard Black" pitchFamily="34" charset="0"/>
+                <a:cs typeface="Pretendard Black" pitchFamily="34" charset="0"/>
+              </a:rPr>
+              <a:t>)</a:t>
+            </a:r>
+          </a:p>
+        </p:txBody>
+      </p:sp>
       <p:pic>
         <p:nvPicPr>
-          <p:cNvPr id="6" name="그림 5" descr="텍스트이(가) 표시된 사진&#10;&#10;자동 생성된 설명">
+          <p:cNvPr id="14" name="그림 13" descr="도표이(가) 표시된 사진&#10;&#10;자동 생성된 설명">
             <a:extLst>
               <a:ext uri="{FF2B5EF4-FFF2-40B4-BE49-F238E27FC236}">
-                <a16:creationId xmlns:a16="http://schemas.microsoft.com/office/drawing/2014/main" id="{738FFF8F-DA6C-FD8F-CC30-B365D23CB799}"/>
+                <a16:creationId xmlns:a16="http://schemas.microsoft.com/office/drawing/2014/main" id="{AE7153BA-839E-82C4-86AC-0DB830520B81}"/>
               </a:ext>
             </a:extLst>
           </p:cNvPr>
@@ -19375,176 +19537,18 @@
         </p:blipFill>
         <p:spPr>
           <a:xfrm>
-            <a:off x="2271224" y="3625540"/>
-            <a:ext cx="12929841" cy="2446162"/>
+            <a:off x="2743200" y="2971631"/>
+            <a:ext cx="12143657" cy="5958184"/>
           </a:xfrm>
           <a:prstGeom prst="rect">
             <a:avLst/>
           </a:prstGeom>
         </p:spPr>
       </p:pic>
-      <p:pic>
-        <p:nvPicPr>
-          <p:cNvPr id="10" name="그림 9" descr="텍스트이(가) 표시된 사진&#10;&#10;자동 생성된 설명">
-            <a:extLst>
-              <a:ext uri="{FF2B5EF4-FFF2-40B4-BE49-F238E27FC236}">
-                <a16:creationId xmlns:a16="http://schemas.microsoft.com/office/drawing/2014/main" id="{7FF6DD2C-346C-D8BB-DA8F-A007F5AB0D92}"/>
-              </a:ext>
-            </a:extLst>
-          </p:cNvPr>
-          <p:cNvPicPr>
-            <a:picLocks noChangeAspect="1"/>
-          </p:cNvPicPr>
-          <p:nvPr/>
-        </p:nvPicPr>
-        <p:blipFill>
-          <a:blip r:embed="rId6">
-            <a:extLst>
-              <a:ext uri="{28A0092B-C50C-407E-A947-70E740481C1C}">
-                <a14:useLocalDpi xmlns:a14="http://schemas.microsoft.com/office/drawing/2010/main" val="0"/>
-              </a:ext>
-            </a:extLst>
-          </a:blip>
-          <a:stretch>
-            <a:fillRect/>
-          </a:stretch>
-        </p:blipFill>
-        <p:spPr>
-          <a:xfrm>
-            <a:off x="2327626" y="6672654"/>
-            <a:ext cx="12873439" cy="2446161"/>
-          </a:xfrm>
-          <a:prstGeom prst="rect">
-            <a:avLst/>
-          </a:prstGeom>
-        </p:spPr>
-      </p:pic>
-      <p:sp>
-        <p:nvSpPr>
-          <p:cNvPr id="11" name="Object 9">
-            <a:extLst>
-              <a:ext uri="{FF2B5EF4-FFF2-40B4-BE49-F238E27FC236}">
-                <a16:creationId xmlns:a16="http://schemas.microsoft.com/office/drawing/2014/main" id="{905CC0CE-D740-E60E-0153-E85AD8A26C96}"/>
-              </a:ext>
-            </a:extLst>
-          </p:cNvPr>
-          <p:cNvSpPr txBox="1"/>
-          <p:nvPr/>
-        </p:nvSpPr>
-        <p:spPr>
-          <a:xfrm>
-            <a:off x="1298762" y="1558790"/>
-            <a:ext cx="9426592" cy="1415772"/>
-          </a:xfrm>
-          <a:prstGeom prst="rect">
-            <a:avLst/>
-          </a:prstGeom>
-          <a:noFill/>
-        </p:spPr>
-        <p:txBody>
-          <a:bodyPr wrap="square" rtlCol="0" anchor="t">
-            <a:spAutoFit/>
-          </a:bodyPr>
-          <a:lstStyle/>
-          <a:p>
-            <a:r>
-              <a:rPr lang="en-US" sz="4300" kern="0" spc="-100" dirty="0">
-                <a:solidFill>
-                  <a:srgbClr val="FF7710"/>
-                </a:solidFill>
-                <a:latin typeface="Pretendard Black" pitchFamily="34" charset="0"/>
-                <a:cs typeface="Pretendard Black" pitchFamily="34" charset="0"/>
-              </a:rPr>
-              <a:t>HTTP</a:t>
-            </a:r>
-            <a:r>
-              <a:rPr lang="ko-KR" altLang="en-US" sz="4300" kern="0" spc="-100" dirty="0">
-                <a:solidFill>
-                  <a:srgbClr val="FF7710"/>
-                </a:solidFill>
-                <a:latin typeface="Pretendard Black" pitchFamily="34" charset="0"/>
-                <a:cs typeface="Pretendard Black" pitchFamily="34" charset="0"/>
-              </a:rPr>
-              <a:t> 프로토콜의 특징</a:t>
-            </a:r>
-            <a:endParaRPr lang="en-US" altLang="ko-KR" sz="4300" kern="0" spc="-100" dirty="0">
-              <a:solidFill>
-                <a:srgbClr val="FF7710"/>
-              </a:solidFill>
-              <a:latin typeface="Pretendard Black" pitchFamily="34" charset="0"/>
-              <a:cs typeface="Pretendard Black" pitchFamily="34" charset="0"/>
-            </a:endParaRPr>
-          </a:p>
-          <a:p>
-            <a:r>
-              <a:rPr lang="en-US" altLang="ko-KR" sz="4300" kern="0" spc="-100" dirty="0">
-                <a:solidFill>
-                  <a:schemeClr val="tx1">
-                    <a:lumMod val="65000"/>
-                    <a:lumOff val="35000"/>
-                  </a:schemeClr>
-                </a:solidFill>
-                <a:latin typeface="Pretendard Black" pitchFamily="34" charset="0"/>
-                <a:cs typeface="Pretendard Black" pitchFamily="34" charset="0"/>
-              </a:rPr>
-              <a:t>Stateless (</a:t>
-            </a:r>
-            <a:r>
-              <a:rPr lang="ko-KR" altLang="en-US" sz="4300" kern="0" spc="-100" dirty="0" err="1">
-                <a:solidFill>
-                  <a:schemeClr val="tx1">
-                    <a:lumMod val="65000"/>
-                    <a:lumOff val="35000"/>
-                  </a:schemeClr>
-                </a:solidFill>
-                <a:latin typeface="Pretendard Black" pitchFamily="34" charset="0"/>
-                <a:cs typeface="Pretendard Black" pitchFamily="34" charset="0"/>
-              </a:rPr>
-              <a:t>무상태</a:t>
-            </a:r>
-            <a:r>
-              <a:rPr lang="ko-KR" altLang="en-US" sz="4300" kern="0" spc="-100" dirty="0">
-                <a:solidFill>
-                  <a:schemeClr val="tx1">
-                    <a:lumMod val="65000"/>
-                    <a:lumOff val="35000"/>
-                  </a:schemeClr>
-                </a:solidFill>
-                <a:latin typeface="Pretendard Black" pitchFamily="34" charset="0"/>
-                <a:cs typeface="Pretendard Black" pitchFamily="34" charset="0"/>
-              </a:rPr>
-              <a:t> 프로토콜</a:t>
-            </a:r>
-            <a:r>
-              <a:rPr lang="en-US" altLang="ko-KR" sz="4300" kern="0" spc="-100" dirty="0">
-                <a:solidFill>
-                  <a:schemeClr val="tx1">
-                    <a:lumMod val="65000"/>
-                    <a:lumOff val="35000"/>
-                  </a:schemeClr>
-                </a:solidFill>
-                <a:latin typeface="Pretendard Black" pitchFamily="34" charset="0"/>
-                <a:cs typeface="Pretendard Black" pitchFamily="34" charset="0"/>
-              </a:rPr>
-              <a:t>)</a:t>
-            </a:r>
-            <a:endParaRPr lang="en-US" sz="4300" kern="0" spc="-100" dirty="0">
-              <a:solidFill>
-                <a:schemeClr val="tx1">
-                  <a:lumMod val="65000"/>
-                  <a:lumOff val="35000"/>
-                </a:schemeClr>
-              </a:solidFill>
-              <a:latin typeface="Pretendard Black" pitchFamily="34" charset="0"/>
-              <a:cs typeface="Pretendard Black" pitchFamily="34" charset="0"/>
-            </a:endParaRPr>
-          </a:p>
-        </p:txBody>
-      </p:sp>
     </p:spTree>
     <p:extLst>
       <p:ext uri="{BB962C8B-B14F-4D97-AF65-F5344CB8AC3E}">
-        <p14:creationId xmlns:p14="http://schemas.microsoft.com/office/powerpoint/2010/main" val="1274649584"/>
+        <p14:creationId xmlns:p14="http://schemas.microsoft.com/office/powerpoint/2010/main" val="3304885635"/>
       </p:ext>
     </p:extLst>
   </p:cSld>
@@ -19763,10 +19767,10 @@
       </p:sp>
       <p:pic>
         <p:nvPicPr>
-          <p:cNvPr id="14" name="그림 13" descr="도표이(가) 표시된 사진&#10;&#10;자동 생성된 설명">
+          <p:cNvPr id="3" name="그림 2" descr="도표이(가) 표시된 사진&#10;&#10;자동 생성된 설명">
             <a:extLst>
               <a:ext uri="{FF2B5EF4-FFF2-40B4-BE49-F238E27FC236}">
-                <a16:creationId xmlns:a16="http://schemas.microsoft.com/office/drawing/2014/main" id="{AE7153BA-839E-82C4-86AC-0DB830520B81}"/>
+                <a16:creationId xmlns:a16="http://schemas.microsoft.com/office/drawing/2014/main" id="{F2BF1DD5-BFC0-49FB-A3BA-2CF3523DC5E7}"/>
               </a:ext>
             </a:extLst>
           </p:cNvPr>
@@ -19789,8 +19793,8 @@
         </p:blipFill>
         <p:spPr>
           <a:xfrm>
-            <a:off x="2743200" y="2971631"/>
-            <a:ext cx="12143657" cy="5958184"/>
+            <a:off x="3200400" y="3450400"/>
+            <a:ext cx="10876531" cy="5430723"/>
           </a:xfrm>
           <a:prstGeom prst="rect">
             <a:avLst/>
@@ -19800,7 +19804,7 @@
     </p:spTree>
     <p:extLst>
       <p:ext uri="{BB962C8B-B14F-4D97-AF65-F5344CB8AC3E}">
-        <p14:creationId xmlns:p14="http://schemas.microsoft.com/office/powerpoint/2010/main" val="3304885635"/>
+        <p14:creationId xmlns:p14="http://schemas.microsoft.com/office/powerpoint/2010/main" val="267195679"/>
       </p:ext>
     </p:extLst>
   </p:cSld>
@@ -20022,7 +20026,7 @@
           <p:cNvPr id="3" name="그림 2" descr="도표이(가) 표시된 사진&#10;&#10;자동 생성된 설명">
             <a:extLst>
               <a:ext uri="{FF2B5EF4-FFF2-40B4-BE49-F238E27FC236}">
-                <a16:creationId xmlns:a16="http://schemas.microsoft.com/office/drawing/2014/main" id="{F2BF1DD5-BFC0-49FB-A3BA-2CF3523DC5E7}"/>
+                <a16:creationId xmlns:a16="http://schemas.microsoft.com/office/drawing/2014/main" id="{50D530B7-2DC2-5E4A-0E0B-09A4DFD987FE}"/>
               </a:ext>
             </a:extLst>
           </p:cNvPr>
@@ -20045,8 +20049,8 @@
         </p:blipFill>
         <p:spPr>
           <a:xfrm>
-            <a:off x="3200400" y="3450400"/>
-            <a:ext cx="10876531" cy="5430723"/>
+            <a:off x="2971800" y="3382823"/>
+            <a:ext cx="13031865" cy="5839595"/>
           </a:xfrm>
           <a:prstGeom prst="rect">
             <a:avLst/>
@@ -20056,7 +20060,7 @@
     </p:spTree>
     <p:extLst>
       <p:ext uri="{BB962C8B-B14F-4D97-AF65-F5344CB8AC3E}">
-        <p14:creationId xmlns:p14="http://schemas.microsoft.com/office/powerpoint/2010/main" val="267195679"/>
+        <p14:creationId xmlns:p14="http://schemas.microsoft.com/office/powerpoint/2010/main" val="1248877199"/>
       </p:ext>
     </p:extLst>
   </p:cSld>
@@ -20185,100 +20189,12 @@
           </p:spPr>
         </p:pic>
       </p:grpSp>
-      <p:sp>
-        <p:nvSpPr>
-          <p:cNvPr id="11" name="Object 9">
+      <p:pic>
+        <p:nvPicPr>
+          <p:cNvPr id="6" name="그림 5" descr="텍스트이(가) 표시된 사진&#10;&#10;자동 생성된 설명">
             <a:extLst>
               <a:ext uri="{FF2B5EF4-FFF2-40B4-BE49-F238E27FC236}">
-                <a16:creationId xmlns:a16="http://schemas.microsoft.com/office/drawing/2014/main" id="{905CC0CE-D740-E60E-0153-E85AD8A26C96}"/>
-              </a:ext>
-            </a:extLst>
-          </p:cNvPr>
-          <p:cNvSpPr txBox="1"/>
-          <p:nvPr/>
-        </p:nvSpPr>
-        <p:spPr>
-          <a:xfrm>
-            <a:off x="1298762" y="1558790"/>
-            <a:ext cx="9426592" cy="1415772"/>
-          </a:xfrm>
-          <a:prstGeom prst="rect">
-            <a:avLst/>
-          </a:prstGeom>
-          <a:noFill/>
-        </p:spPr>
-        <p:txBody>
-          <a:bodyPr wrap="square" rtlCol="0" anchor="t">
-            <a:spAutoFit/>
-          </a:bodyPr>
-          <a:lstStyle/>
-          <a:p>
-            <a:r>
-              <a:rPr lang="en-US" sz="4300" kern="0" spc="-100" dirty="0">
-                <a:solidFill>
-                  <a:srgbClr val="FF7710"/>
-                </a:solidFill>
-                <a:latin typeface="Pretendard Black" pitchFamily="34" charset="0"/>
-                <a:cs typeface="Pretendard Black" pitchFamily="34" charset="0"/>
-              </a:rPr>
-              <a:t>HTTP</a:t>
-            </a:r>
-            <a:r>
-              <a:rPr lang="ko-KR" altLang="en-US" sz="4300" kern="0" spc="-100" dirty="0">
-                <a:solidFill>
-                  <a:srgbClr val="FF7710"/>
-                </a:solidFill>
-                <a:latin typeface="Pretendard Black" pitchFamily="34" charset="0"/>
-                <a:cs typeface="Pretendard Black" pitchFamily="34" charset="0"/>
-              </a:rPr>
-              <a:t> 프로토콜의 특징</a:t>
-            </a:r>
-            <a:endParaRPr lang="en-US" altLang="ko-KR" sz="4300" kern="0" spc="-100" dirty="0">
-              <a:solidFill>
-                <a:srgbClr val="FF7710"/>
-              </a:solidFill>
-              <a:latin typeface="Pretendard Black" pitchFamily="34" charset="0"/>
-              <a:cs typeface="Pretendard Black" pitchFamily="34" charset="0"/>
-            </a:endParaRPr>
-          </a:p>
-          <a:p>
-            <a:r>
-              <a:rPr lang="en-US" altLang="ko-KR" sz="4300" kern="0" spc="-100" dirty="0" err="1">
-                <a:latin typeface="Pretendard Black" pitchFamily="34" charset="0"/>
-                <a:cs typeface="Pretendard Black" pitchFamily="34" charset="0"/>
-              </a:rPr>
-              <a:t>Connetionless</a:t>
-            </a:r>
-            <a:r>
-              <a:rPr lang="en-US" altLang="ko-KR" sz="4300" kern="0" spc="-100" dirty="0">
-                <a:latin typeface="Pretendard Black" pitchFamily="34" charset="0"/>
-                <a:cs typeface="Pretendard Black" pitchFamily="34" charset="0"/>
-              </a:rPr>
-              <a:t> (</a:t>
-            </a:r>
-            <a:r>
-              <a:rPr lang="ko-KR" altLang="en-US" sz="4300" kern="0" spc="-100" dirty="0">
-                <a:latin typeface="Pretendard Black" pitchFamily="34" charset="0"/>
-                <a:cs typeface="Pretendard Black" pitchFamily="34" charset="0"/>
-              </a:rPr>
-              <a:t>비 연결성</a:t>
-            </a:r>
-            <a:r>
-              <a:rPr lang="en-US" altLang="ko-KR" sz="4300" kern="0" spc="-100" dirty="0">
-                <a:latin typeface="Pretendard Black" pitchFamily="34" charset="0"/>
-                <a:cs typeface="Pretendard Black" pitchFamily="34" charset="0"/>
-              </a:rPr>
-              <a:t>)</a:t>
-            </a:r>
-          </a:p>
-        </p:txBody>
-      </p:sp>
-      <p:pic>
-        <p:nvPicPr>
-          <p:cNvPr id="3" name="그림 2" descr="도표이(가) 표시된 사진&#10;&#10;자동 생성된 설명">
-            <a:extLst>
-              <a:ext uri="{FF2B5EF4-FFF2-40B4-BE49-F238E27FC236}">
-                <a16:creationId xmlns:a16="http://schemas.microsoft.com/office/drawing/2014/main" id="{50D530B7-2DC2-5E4A-0E0B-09A4DFD987FE}"/>
+                <a16:creationId xmlns:a16="http://schemas.microsoft.com/office/drawing/2014/main" id="{738FFF8F-DA6C-FD8F-CC30-B365D23CB799}"/>
               </a:ext>
             </a:extLst>
           </p:cNvPr>
@@ -20301,18 +20217,176 @@
         </p:blipFill>
         <p:spPr>
           <a:xfrm>
-            <a:off x="2971800" y="3382823"/>
-            <a:ext cx="13031865" cy="5839595"/>
+            <a:off x="2271224" y="3625540"/>
+            <a:ext cx="12929841" cy="2446162"/>
           </a:xfrm>
           <a:prstGeom prst="rect">
             <a:avLst/>
           </a:prstGeom>
         </p:spPr>
       </p:pic>
+      <p:pic>
+        <p:nvPicPr>
+          <p:cNvPr id="10" name="그림 9" descr="텍스트이(가) 표시된 사진&#10;&#10;자동 생성된 설명">
+            <a:extLst>
+              <a:ext uri="{FF2B5EF4-FFF2-40B4-BE49-F238E27FC236}">
+                <a16:creationId xmlns:a16="http://schemas.microsoft.com/office/drawing/2014/main" id="{7FF6DD2C-346C-D8BB-DA8F-A007F5AB0D92}"/>
+              </a:ext>
+            </a:extLst>
+          </p:cNvPr>
+          <p:cNvPicPr>
+            <a:picLocks noChangeAspect="1"/>
+          </p:cNvPicPr>
+          <p:nvPr/>
+        </p:nvPicPr>
+        <p:blipFill>
+          <a:blip r:embed="rId6">
+            <a:extLst>
+              <a:ext uri="{28A0092B-C50C-407E-A947-70E740481C1C}">
+                <a14:useLocalDpi xmlns:a14="http://schemas.microsoft.com/office/drawing/2010/main" val="0"/>
+              </a:ext>
+            </a:extLst>
+          </a:blip>
+          <a:stretch>
+            <a:fillRect/>
+          </a:stretch>
+        </p:blipFill>
+        <p:spPr>
+          <a:xfrm>
+            <a:off x="2327626" y="6672654"/>
+            <a:ext cx="12873439" cy="2446161"/>
+          </a:xfrm>
+          <a:prstGeom prst="rect">
+            <a:avLst/>
+          </a:prstGeom>
+        </p:spPr>
+      </p:pic>
+      <p:sp>
+        <p:nvSpPr>
+          <p:cNvPr id="11" name="Object 9">
+            <a:extLst>
+              <a:ext uri="{FF2B5EF4-FFF2-40B4-BE49-F238E27FC236}">
+                <a16:creationId xmlns:a16="http://schemas.microsoft.com/office/drawing/2014/main" id="{905CC0CE-D740-E60E-0153-E85AD8A26C96}"/>
+              </a:ext>
+            </a:extLst>
+          </p:cNvPr>
+          <p:cNvSpPr txBox="1"/>
+          <p:nvPr/>
+        </p:nvSpPr>
+        <p:spPr>
+          <a:xfrm>
+            <a:off x="1298762" y="1558790"/>
+            <a:ext cx="9426592" cy="1415772"/>
+          </a:xfrm>
+          <a:prstGeom prst="rect">
+            <a:avLst/>
+          </a:prstGeom>
+          <a:noFill/>
+        </p:spPr>
+        <p:txBody>
+          <a:bodyPr wrap="square" rtlCol="0" anchor="t">
+            <a:spAutoFit/>
+          </a:bodyPr>
+          <a:lstStyle/>
+          <a:p>
+            <a:r>
+              <a:rPr lang="en-US" sz="4300" kern="0" spc="-100" dirty="0">
+                <a:solidFill>
+                  <a:srgbClr val="FF7710"/>
+                </a:solidFill>
+                <a:latin typeface="Pretendard Black" pitchFamily="34" charset="0"/>
+                <a:cs typeface="Pretendard Black" pitchFamily="34" charset="0"/>
+              </a:rPr>
+              <a:t>HTTP</a:t>
+            </a:r>
+            <a:r>
+              <a:rPr lang="ko-KR" altLang="en-US" sz="4300" kern="0" spc="-100" dirty="0">
+                <a:solidFill>
+                  <a:srgbClr val="FF7710"/>
+                </a:solidFill>
+                <a:latin typeface="Pretendard Black" pitchFamily="34" charset="0"/>
+                <a:cs typeface="Pretendard Black" pitchFamily="34" charset="0"/>
+              </a:rPr>
+              <a:t> 프로토콜의 특징</a:t>
+            </a:r>
+            <a:endParaRPr lang="en-US" altLang="ko-KR" sz="4300" kern="0" spc="-100" dirty="0">
+              <a:solidFill>
+                <a:srgbClr val="FF7710"/>
+              </a:solidFill>
+              <a:latin typeface="Pretendard Black" pitchFamily="34" charset="0"/>
+              <a:cs typeface="Pretendard Black" pitchFamily="34" charset="0"/>
+            </a:endParaRPr>
+          </a:p>
+          <a:p>
+            <a:r>
+              <a:rPr lang="en-US" altLang="ko-KR" sz="4300" kern="0" spc="-100" dirty="0">
+                <a:solidFill>
+                  <a:schemeClr val="tx1">
+                    <a:lumMod val="65000"/>
+                    <a:lumOff val="35000"/>
+                  </a:schemeClr>
+                </a:solidFill>
+                <a:latin typeface="Pretendard Black" pitchFamily="34" charset="0"/>
+                <a:cs typeface="Pretendard Black" pitchFamily="34" charset="0"/>
+              </a:rPr>
+              <a:t>Stateless (</a:t>
+            </a:r>
+            <a:r>
+              <a:rPr lang="ko-KR" altLang="en-US" sz="4300" kern="0" spc="-100" dirty="0" err="1">
+                <a:solidFill>
+                  <a:schemeClr val="tx1">
+                    <a:lumMod val="65000"/>
+                    <a:lumOff val="35000"/>
+                  </a:schemeClr>
+                </a:solidFill>
+                <a:latin typeface="Pretendard Black" pitchFamily="34" charset="0"/>
+                <a:cs typeface="Pretendard Black" pitchFamily="34" charset="0"/>
+              </a:rPr>
+              <a:t>무상태</a:t>
+            </a:r>
+            <a:r>
+              <a:rPr lang="ko-KR" altLang="en-US" sz="4300" kern="0" spc="-100" dirty="0">
+                <a:solidFill>
+                  <a:schemeClr val="tx1">
+                    <a:lumMod val="65000"/>
+                    <a:lumOff val="35000"/>
+                  </a:schemeClr>
+                </a:solidFill>
+                <a:latin typeface="Pretendard Black" pitchFamily="34" charset="0"/>
+                <a:cs typeface="Pretendard Black" pitchFamily="34" charset="0"/>
+              </a:rPr>
+              <a:t> 프로토콜</a:t>
+            </a:r>
+            <a:r>
+              <a:rPr lang="en-US" altLang="ko-KR" sz="4300" kern="0" spc="-100" dirty="0">
+                <a:solidFill>
+                  <a:schemeClr val="tx1">
+                    <a:lumMod val="65000"/>
+                    <a:lumOff val="35000"/>
+                  </a:schemeClr>
+                </a:solidFill>
+                <a:latin typeface="Pretendard Black" pitchFamily="34" charset="0"/>
+                <a:cs typeface="Pretendard Black" pitchFamily="34" charset="0"/>
+              </a:rPr>
+              <a:t>)</a:t>
+            </a:r>
+            <a:endParaRPr lang="en-US" sz="4300" kern="0" spc="-100" dirty="0">
+              <a:solidFill>
+                <a:schemeClr val="tx1">
+                  <a:lumMod val="65000"/>
+                  <a:lumOff val="35000"/>
+                </a:schemeClr>
+              </a:solidFill>
+              <a:latin typeface="Pretendard Black" pitchFamily="34" charset="0"/>
+              <a:cs typeface="Pretendard Black" pitchFamily="34" charset="0"/>
+            </a:endParaRPr>
+          </a:p>
+        </p:txBody>
+      </p:sp>
     </p:spTree>
     <p:extLst>
       <p:ext uri="{BB962C8B-B14F-4D97-AF65-F5344CB8AC3E}">
-        <p14:creationId xmlns:p14="http://schemas.microsoft.com/office/powerpoint/2010/main" val="1248877199"/>
+        <p14:creationId xmlns:p14="http://schemas.microsoft.com/office/powerpoint/2010/main" val="1274649584"/>
       </p:ext>
     </p:extLst>
   </p:cSld>
